--- a/DATENBANK/Foliensätze/PHP Datenbank.pptx
+++ b/DATENBANK/Foliensätze/PHP Datenbank.pptx
@@ -9,7 +9,10 @@
     <p:sldId id="376" r:id="rId3"/>
     <p:sldId id="377" r:id="rId4"/>
     <p:sldId id="378" r:id="rId5"/>
-    <p:sldId id="304" r:id="rId6"/>
+    <p:sldId id="414" r:id="rId6"/>
+    <p:sldId id="415" r:id="rId7"/>
+    <p:sldId id="416" r:id="rId8"/>
+    <p:sldId id="304" r:id="rId9"/>
   </p:sldIdLst>
   <p:sldSz cx="12192000" cy="6858000"/>
   <p:notesSz cx="6858000" cy="9144000"/>
@@ -1656,7 +1659,7 @@
           <a:p>
             <a:fld id="{63A3ADEC-BD10-4223-B30F-4913A52ADC97}" type="datetimeFigureOut">
               <a:rPr lang="de-AT" smtClean="0"/>
-              <a:t>25.11.2020</a:t>
+              <a:t>30.11.2020</a:t>
             </a:fld>
             <a:endParaRPr lang="de-AT"/>
           </a:p>
@@ -5105,6 +5108,6226 @@
       </p:grpSpPr>
       <p:sp>
         <p:nvSpPr>
+          <p:cNvPr id="3" name="Titel 2">
+            <a:extLst>
+              <a:ext uri="{FF2B5EF4-FFF2-40B4-BE49-F238E27FC236}">
+                <a16:creationId xmlns:a16="http://schemas.microsoft.com/office/drawing/2014/main" id="{E1F3FF4F-555C-47EB-ABFD-F353D319E8D9}"/>
+              </a:ext>
+            </a:extLst>
+          </p:cNvPr>
+          <p:cNvSpPr>
+            <a:spLocks noGrp="1"/>
+          </p:cNvSpPr>
+          <p:nvPr>
+            <p:ph type="title"/>
+          </p:nvPr>
+        </p:nvSpPr>
+        <p:spPr/>
+        <p:txBody>
+          <a:bodyPr>
+            <a:normAutofit fontScale="90000"/>
+          </a:bodyPr>
+          <a:lstStyle/>
+          <a:p>
+            <a:r>
+              <a:rPr lang="de-AT" dirty="0"/>
+              <a:t>Verbindung aufnehmen,</a:t>
+            </a:r>
+            <a:br>
+              <a:rPr lang="de-AT" dirty="0"/>
+            </a:br>
+            <a:r>
+              <a:rPr lang="de-AT" dirty="0"/>
+              <a:t>Datensätze Hineinspeichern</a:t>
+            </a:r>
+          </a:p>
+        </p:txBody>
+      </p:sp>
+      <p:sp>
+        <p:nvSpPr>
+          <p:cNvPr id="4" name="Rechteck 3">
+            <a:extLst>
+              <a:ext uri="{FF2B5EF4-FFF2-40B4-BE49-F238E27FC236}">
+                <a16:creationId xmlns:a16="http://schemas.microsoft.com/office/drawing/2014/main" id="{D70954CD-A7B6-49C4-8793-1B8235114A6E}"/>
+              </a:ext>
+            </a:extLst>
+          </p:cNvPr>
+          <p:cNvSpPr/>
+          <p:nvPr/>
+        </p:nvSpPr>
+        <p:spPr>
+          <a:xfrm>
+            <a:off x="5237826" y="739370"/>
+            <a:ext cx="6672286" cy="5437707"/>
+          </a:xfrm>
+          <a:prstGeom prst="rect">
+            <a:avLst/>
+          </a:prstGeom>
+          <a:solidFill>
+            <a:schemeClr val="tx1">
+              <a:lumMod val="85000"/>
+              <a:lumOff val="15000"/>
+            </a:schemeClr>
+          </a:solidFill>
+        </p:spPr>
+        <p:txBody>
+          <a:bodyPr wrap="square">
+            <a:spAutoFit/>
+          </a:bodyPr>
+          <a:lstStyle/>
+          <a:p>
+            <a:r>
+              <a:rPr lang="de-AT" sz="1200" dirty="0">
+                <a:solidFill>
+                  <a:srgbClr val="808080"/>
+                </a:solidFill>
+                <a:latin typeface="Source Code Pro" panose="020B0509030403020204" pitchFamily="49" charset="0"/>
+              </a:rPr>
+              <a:t>&lt;!</a:t>
+            </a:r>
+            <a:r>
+              <a:rPr lang="de-AT" sz="1200" dirty="0">
+                <a:solidFill>
+                  <a:srgbClr val="569CD6"/>
+                </a:solidFill>
+                <a:latin typeface="Source Code Pro" panose="020B0509030403020204" pitchFamily="49" charset="0"/>
+              </a:rPr>
+              <a:t>DOCTYPE</a:t>
+            </a:r>
+            <a:r>
+              <a:rPr lang="de-AT" sz="1200" dirty="0">
+                <a:solidFill>
+                  <a:srgbClr val="D4D4D4"/>
+                </a:solidFill>
+                <a:latin typeface="Source Code Pro" panose="020B0509030403020204" pitchFamily="49" charset="0"/>
+              </a:rPr>
+              <a:t> </a:t>
+            </a:r>
+            <a:r>
+              <a:rPr lang="de-AT" sz="1200" dirty="0" err="1">
+                <a:solidFill>
+                  <a:srgbClr val="9CDCFE"/>
+                </a:solidFill>
+                <a:latin typeface="Source Code Pro" panose="020B0509030403020204" pitchFamily="49" charset="0"/>
+              </a:rPr>
+              <a:t>html</a:t>
+            </a:r>
+            <a:r>
+              <a:rPr lang="de-AT" sz="1200" dirty="0">
+                <a:solidFill>
+                  <a:srgbClr val="808080"/>
+                </a:solidFill>
+                <a:latin typeface="Source Code Pro" panose="020B0509030403020204" pitchFamily="49" charset="0"/>
+              </a:rPr>
+              <a:t>&gt;&lt;</a:t>
+            </a:r>
+            <a:r>
+              <a:rPr lang="de-AT" sz="1200" dirty="0" err="1">
+                <a:solidFill>
+                  <a:srgbClr val="569CD6"/>
+                </a:solidFill>
+                <a:latin typeface="Source Code Pro" panose="020B0509030403020204" pitchFamily="49" charset="0"/>
+              </a:rPr>
+              <a:t>html</a:t>
+            </a:r>
+            <a:r>
+              <a:rPr lang="de-AT" sz="1200" dirty="0">
+                <a:solidFill>
+                  <a:srgbClr val="808080"/>
+                </a:solidFill>
+                <a:latin typeface="Source Code Pro" panose="020B0509030403020204" pitchFamily="49" charset="0"/>
+              </a:rPr>
+              <a:t>&gt;&lt;</a:t>
+            </a:r>
+            <a:r>
+              <a:rPr lang="de-AT" sz="1200" dirty="0" err="1">
+                <a:solidFill>
+                  <a:srgbClr val="569CD6"/>
+                </a:solidFill>
+                <a:latin typeface="Source Code Pro" panose="020B0509030403020204" pitchFamily="49" charset="0"/>
+              </a:rPr>
+              <a:t>head</a:t>
+            </a:r>
+            <a:r>
+              <a:rPr lang="de-AT" sz="1200" dirty="0">
+                <a:solidFill>
+                  <a:srgbClr val="808080"/>
+                </a:solidFill>
+                <a:latin typeface="Source Code Pro" panose="020B0509030403020204" pitchFamily="49" charset="0"/>
+              </a:rPr>
+              <a:t>&gt;&lt;</a:t>
+            </a:r>
+            <a:r>
+              <a:rPr lang="de-AT" sz="1200" dirty="0" err="1">
+                <a:solidFill>
+                  <a:srgbClr val="569CD6"/>
+                </a:solidFill>
+                <a:latin typeface="Source Code Pro" panose="020B0509030403020204" pitchFamily="49" charset="0"/>
+              </a:rPr>
+              <a:t>meta</a:t>
+            </a:r>
+            <a:r>
+              <a:rPr lang="de-AT" sz="1200" dirty="0">
+                <a:solidFill>
+                  <a:srgbClr val="D4D4D4"/>
+                </a:solidFill>
+                <a:latin typeface="Source Code Pro" panose="020B0509030403020204" pitchFamily="49" charset="0"/>
+              </a:rPr>
+              <a:t> </a:t>
+            </a:r>
+            <a:r>
+              <a:rPr lang="de-AT" sz="1200" dirty="0" err="1">
+                <a:solidFill>
+                  <a:srgbClr val="9CDCFE"/>
+                </a:solidFill>
+                <a:latin typeface="Source Code Pro" panose="020B0509030403020204" pitchFamily="49" charset="0"/>
+              </a:rPr>
+              <a:t>charset</a:t>
+            </a:r>
+            <a:r>
+              <a:rPr lang="de-AT" sz="1200" dirty="0">
+                <a:solidFill>
+                  <a:srgbClr val="D4D4D4"/>
+                </a:solidFill>
+                <a:latin typeface="Source Code Pro" panose="020B0509030403020204" pitchFamily="49" charset="0"/>
+              </a:rPr>
+              <a:t>=</a:t>
+            </a:r>
+            <a:r>
+              <a:rPr lang="de-AT" sz="1200" dirty="0">
+                <a:solidFill>
+                  <a:srgbClr val="CE9178"/>
+                </a:solidFill>
+                <a:latin typeface="Source Code Pro" panose="020B0509030403020204" pitchFamily="49" charset="0"/>
+              </a:rPr>
+              <a:t>"utf-8"</a:t>
+            </a:r>
+            <a:r>
+              <a:rPr lang="de-AT" sz="1200" dirty="0">
+                <a:solidFill>
+                  <a:srgbClr val="808080"/>
+                </a:solidFill>
+                <a:latin typeface="Source Code Pro" panose="020B0509030403020204" pitchFamily="49" charset="0"/>
+              </a:rPr>
+              <a:t>&gt;&lt;/</a:t>
+            </a:r>
+            <a:r>
+              <a:rPr lang="de-AT" sz="1200" dirty="0" err="1">
+                <a:solidFill>
+                  <a:srgbClr val="569CD6"/>
+                </a:solidFill>
+                <a:latin typeface="Source Code Pro" panose="020B0509030403020204" pitchFamily="49" charset="0"/>
+              </a:rPr>
+              <a:t>head</a:t>
+            </a:r>
+            <a:r>
+              <a:rPr lang="de-AT" sz="1200" dirty="0">
+                <a:solidFill>
+                  <a:srgbClr val="808080"/>
+                </a:solidFill>
+                <a:latin typeface="Source Code Pro" panose="020B0509030403020204" pitchFamily="49" charset="0"/>
+              </a:rPr>
+              <a:t>&gt;&lt;</a:t>
+            </a:r>
+            <a:r>
+              <a:rPr lang="de-AT" sz="1200" dirty="0" err="1">
+                <a:solidFill>
+                  <a:srgbClr val="569CD6"/>
+                </a:solidFill>
+                <a:latin typeface="Source Code Pro" panose="020B0509030403020204" pitchFamily="49" charset="0"/>
+              </a:rPr>
+              <a:t>body</a:t>
+            </a:r>
+            <a:r>
+              <a:rPr lang="de-AT" sz="1200" dirty="0">
+                <a:solidFill>
+                  <a:srgbClr val="808080"/>
+                </a:solidFill>
+                <a:latin typeface="Source Code Pro" panose="020B0509030403020204" pitchFamily="49" charset="0"/>
+              </a:rPr>
+              <a:t>&gt;</a:t>
+            </a:r>
+            <a:endParaRPr lang="de-AT" sz="1200" dirty="0">
+              <a:solidFill>
+                <a:srgbClr val="D4D4D4"/>
+              </a:solidFill>
+              <a:latin typeface="Source Code Pro" panose="020B0509030403020204" pitchFamily="49" charset="0"/>
+            </a:endParaRPr>
+          </a:p>
+          <a:p>
+            <a:r>
+              <a:rPr lang="de-AT" sz="1200" dirty="0">
+                <a:solidFill>
+                  <a:srgbClr val="569CD6"/>
+                </a:solidFill>
+                <a:latin typeface="Source Code Pro" panose="020B0509030403020204" pitchFamily="49" charset="0"/>
+              </a:rPr>
+              <a:t>&lt;?</a:t>
+            </a:r>
+            <a:r>
+              <a:rPr lang="de-AT" sz="1200" dirty="0" err="1">
+                <a:solidFill>
+                  <a:srgbClr val="569CD6"/>
+                </a:solidFill>
+                <a:latin typeface="Source Code Pro" panose="020B0509030403020204" pitchFamily="49" charset="0"/>
+              </a:rPr>
+              <a:t>php</a:t>
+            </a:r>
+            <a:endParaRPr lang="de-AT" sz="1200" dirty="0">
+              <a:solidFill>
+                <a:srgbClr val="569CD6"/>
+              </a:solidFill>
+              <a:latin typeface="Source Code Pro" panose="020B0509030403020204" pitchFamily="49" charset="0"/>
+            </a:endParaRPr>
+          </a:p>
+          <a:p>
+            <a:endParaRPr lang="de-AT" sz="1200" dirty="0">
+              <a:solidFill>
+                <a:srgbClr val="D4D4D4"/>
+              </a:solidFill>
+              <a:latin typeface="Source Code Pro" panose="020B0509030403020204" pitchFamily="49" charset="0"/>
+            </a:endParaRPr>
+          </a:p>
+          <a:p>
+            <a:r>
+              <a:rPr lang="de-AT" sz="1200" dirty="0">
+                <a:solidFill>
+                  <a:srgbClr val="D4D4D4"/>
+                </a:solidFill>
+                <a:latin typeface="Source Code Pro" panose="020B0509030403020204" pitchFamily="49" charset="0"/>
+              </a:rPr>
+              <a:t>   </a:t>
+            </a:r>
+            <a:r>
+              <a:rPr lang="de-AT" sz="1200" dirty="0">
+                <a:solidFill>
+                  <a:srgbClr val="6A9955"/>
+                </a:solidFill>
+                <a:latin typeface="Source Code Pro" panose="020B0509030403020204" pitchFamily="49" charset="0"/>
+              </a:rPr>
+              <a:t>/* Verbindung aufnehmen und Datenbank auswählen */</a:t>
+            </a:r>
+            <a:endParaRPr lang="de-AT" sz="1200" dirty="0">
+              <a:solidFill>
+                <a:srgbClr val="D4D4D4"/>
+              </a:solidFill>
+              <a:latin typeface="Source Code Pro" panose="020B0509030403020204" pitchFamily="49" charset="0"/>
+            </a:endParaRPr>
+          </a:p>
+          <a:p>
+            <a:pPr>
+              <a:lnSpc>
+                <a:spcPts val="1425"/>
+              </a:lnSpc>
+              <a:spcAft>
+                <a:spcPts val="800"/>
+              </a:spcAft>
+            </a:pPr>
+            <a:r>
+              <a:rPr lang="de-AT" sz="1200" dirty="0">
+                <a:solidFill>
+                  <a:srgbClr val="D4D4D4"/>
+                </a:solidFill>
+                <a:latin typeface="Source Code Pro" panose="020B0509030403020204" pitchFamily="49" charset="0"/>
+              </a:rPr>
+              <a:t>  </a:t>
+            </a:r>
+            <a:r>
+              <a:rPr lang="en-US" sz="1200" dirty="0">
+                <a:solidFill>
+                  <a:srgbClr val="9CDCFE"/>
+                </a:solidFill>
+                <a:effectLst/>
+                <a:latin typeface="Consolas" panose="020B0609020204030204" pitchFamily="49" charset="0"/>
+                <a:ea typeface="Times New Roman" panose="02020603050405020304" pitchFamily="18" charset="0"/>
+                <a:cs typeface="Times New Roman" panose="02020603050405020304" pitchFamily="18" charset="0"/>
+              </a:rPr>
+              <a:t>$</a:t>
+            </a:r>
+            <a:r>
+              <a:rPr lang="en-US" sz="1200" dirty="0" err="1">
+                <a:solidFill>
+                  <a:srgbClr val="9CDCFE"/>
+                </a:solidFill>
+                <a:effectLst/>
+                <a:latin typeface="Consolas" panose="020B0609020204030204" pitchFamily="49" charset="0"/>
+                <a:ea typeface="Times New Roman" panose="02020603050405020304" pitchFamily="18" charset="0"/>
+                <a:cs typeface="Times New Roman" panose="02020603050405020304" pitchFamily="18" charset="0"/>
+              </a:rPr>
+              <a:t>mysqli</a:t>
+            </a:r>
+            <a:r>
+              <a:rPr lang="en-US" sz="1200" dirty="0">
+                <a:solidFill>
+                  <a:srgbClr val="D4D4D4"/>
+                </a:solidFill>
+                <a:effectLst/>
+                <a:latin typeface="Consolas" panose="020B0609020204030204" pitchFamily="49" charset="0"/>
+                <a:ea typeface="Times New Roman" panose="02020603050405020304" pitchFamily="18" charset="0"/>
+                <a:cs typeface="Times New Roman" panose="02020603050405020304" pitchFamily="18" charset="0"/>
+              </a:rPr>
+              <a:t> = </a:t>
+            </a:r>
+            <a:r>
+              <a:rPr lang="en-US" sz="1200" dirty="0">
+                <a:solidFill>
+                  <a:srgbClr val="569CD6"/>
+                </a:solidFill>
+                <a:effectLst/>
+                <a:latin typeface="Consolas" panose="020B0609020204030204" pitchFamily="49" charset="0"/>
+                <a:ea typeface="Times New Roman" panose="02020603050405020304" pitchFamily="18" charset="0"/>
+                <a:cs typeface="Times New Roman" panose="02020603050405020304" pitchFamily="18" charset="0"/>
+              </a:rPr>
+              <a:t>new</a:t>
+            </a:r>
+            <a:r>
+              <a:rPr lang="en-US" sz="1200" dirty="0">
+                <a:solidFill>
+                  <a:srgbClr val="D4D4D4"/>
+                </a:solidFill>
+                <a:effectLst/>
+                <a:latin typeface="Consolas" panose="020B0609020204030204" pitchFamily="49" charset="0"/>
+                <a:ea typeface="Times New Roman" panose="02020603050405020304" pitchFamily="18" charset="0"/>
+                <a:cs typeface="Times New Roman" panose="02020603050405020304" pitchFamily="18" charset="0"/>
+              </a:rPr>
+              <a:t> </a:t>
+            </a:r>
+            <a:r>
+              <a:rPr lang="en-US" sz="1200" dirty="0" err="1">
+                <a:solidFill>
+                  <a:srgbClr val="4EC9B0"/>
+                </a:solidFill>
+                <a:effectLst/>
+                <a:latin typeface="Consolas" panose="020B0609020204030204" pitchFamily="49" charset="0"/>
+                <a:ea typeface="Times New Roman" panose="02020603050405020304" pitchFamily="18" charset="0"/>
+                <a:cs typeface="Times New Roman" panose="02020603050405020304" pitchFamily="18" charset="0"/>
+              </a:rPr>
+              <a:t>mysqli</a:t>
+            </a:r>
+            <a:r>
+              <a:rPr lang="en-US" sz="1200" dirty="0">
+                <a:solidFill>
+                  <a:srgbClr val="D4D4D4"/>
+                </a:solidFill>
+                <a:effectLst/>
+                <a:latin typeface="Consolas" panose="020B0609020204030204" pitchFamily="49" charset="0"/>
+                <a:ea typeface="Times New Roman" panose="02020603050405020304" pitchFamily="18" charset="0"/>
+                <a:cs typeface="Times New Roman" panose="02020603050405020304" pitchFamily="18" charset="0"/>
+              </a:rPr>
+              <a:t> (</a:t>
+            </a:r>
+            <a:r>
+              <a:rPr lang="en-US" sz="1200" dirty="0">
+                <a:solidFill>
+                  <a:srgbClr val="CE9178"/>
+                </a:solidFill>
+                <a:effectLst/>
+                <a:latin typeface="Consolas" panose="020B0609020204030204" pitchFamily="49" charset="0"/>
+                <a:ea typeface="Times New Roman" panose="02020603050405020304" pitchFamily="18" charset="0"/>
+                <a:cs typeface="Times New Roman" panose="02020603050405020304" pitchFamily="18" charset="0"/>
+              </a:rPr>
+              <a:t>"localhost"</a:t>
+            </a:r>
+            <a:r>
+              <a:rPr lang="en-US" sz="1200" dirty="0">
+                <a:solidFill>
+                  <a:srgbClr val="D4D4D4"/>
+                </a:solidFill>
+                <a:effectLst/>
+                <a:latin typeface="Consolas" panose="020B0609020204030204" pitchFamily="49" charset="0"/>
+                <a:ea typeface="Times New Roman" panose="02020603050405020304" pitchFamily="18" charset="0"/>
+                <a:cs typeface="Times New Roman" panose="02020603050405020304" pitchFamily="18" charset="0"/>
+              </a:rPr>
+              <a:t>, </a:t>
+            </a:r>
+            <a:r>
+              <a:rPr lang="en-US" sz="1200" dirty="0">
+                <a:solidFill>
+                  <a:srgbClr val="CE9178"/>
+                </a:solidFill>
+                <a:effectLst/>
+                <a:latin typeface="Consolas" panose="020B0609020204030204" pitchFamily="49" charset="0"/>
+                <a:ea typeface="Times New Roman" panose="02020603050405020304" pitchFamily="18" charset="0"/>
+                <a:cs typeface="Times New Roman" panose="02020603050405020304" pitchFamily="18" charset="0"/>
+              </a:rPr>
+              <a:t>"root"</a:t>
+            </a:r>
+            <a:r>
+              <a:rPr lang="en-US" sz="1200" dirty="0">
+                <a:solidFill>
+                  <a:srgbClr val="D4D4D4"/>
+                </a:solidFill>
+                <a:effectLst/>
+                <a:latin typeface="Consolas" panose="020B0609020204030204" pitchFamily="49" charset="0"/>
+                <a:ea typeface="Times New Roman" panose="02020603050405020304" pitchFamily="18" charset="0"/>
+                <a:cs typeface="Times New Roman" panose="02020603050405020304" pitchFamily="18" charset="0"/>
+              </a:rPr>
+              <a:t>, </a:t>
+            </a:r>
+            <a:r>
+              <a:rPr lang="en-US" sz="1200" dirty="0">
+                <a:solidFill>
+                  <a:srgbClr val="CE9178"/>
+                </a:solidFill>
+                <a:effectLst/>
+                <a:latin typeface="Consolas" panose="020B0609020204030204" pitchFamily="49" charset="0"/>
+                <a:ea typeface="Times New Roman" panose="02020603050405020304" pitchFamily="18" charset="0"/>
+                <a:cs typeface="Times New Roman" panose="02020603050405020304" pitchFamily="18" charset="0"/>
+              </a:rPr>
+              <a:t>""</a:t>
+            </a:r>
+            <a:r>
+              <a:rPr lang="en-US" sz="1200" dirty="0">
+                <a:solidFill>
+                  <a:srgbClr val="D4D4D4"/>
+                </a:solidFill>
+                <a:effectLst/>
+                <a:latin typeface="Consolas" panose="020B0609020204030204" pitchFamily="49" charset="0"/>
+                <a:ea typeface="Times New Roman" panose="02020603050405020304" pitchFamily="18" charset="0"/>
+                <a:cs typeface="Times New Roman" panose="02020603050405020304" pitchFamily="18" charset="0"/>
+              </a:rPr>
+              <a:t>, </a:t>
+            </a:r>
+            <a:r>
+              <a:rPr lang="en-US" sz="1200" dirty="0">
+                <a:solidFill>
+                  <a:srgbClr val="CE9178"/>
+                </a:solidFill>
+                <a:effectLst/>
+                <a:latin typeface="Consolas" panose="020B0609020204030204" pitchFamily="49" charset="0"/>
+                <a:ea typeface="Times New Roman" panose="02020603050405020304" pitchFamily="18" charset="0"/>
+                <a:cs typeface="Times New Roman" panose="02020603050405020304" pitchFamily="18" charset="0"/>
+              </a:rPr>
+              <a:t>"user"</a:t>
+            </a:r>
+            <a:r>
+              <a:rPr lang="en-US" sz="1200" dirty="0">
+                <a:solidFill>
+                  <a:srgbClr val="D4D4D4"/>
+                </a:solidFill>
+                <a:effectLst/>
+                <a:latin typeface="Consolas" panose="020B0609020204030204" pitchFamily="49" charset="0"/>
+                <a:ea typeface="Times New Roman" panose="02020603050405020304" pitchFamily="18" charset="0"/>
+                <a:cs typeface="Times New Roman" panose="02020603050405020304" pitchFamily="18" charset="0"/>
+              </a:rPr>
+              <a:t>);</a:t>
+            </a:r>
+            <a:endParaRPr lang="de-AT" sz="1200" dirty="0">
+              <a:effectLst/>
+              <a:latin typeface="Calibri" panose="020F0502020204030204" pitchFamily="34" charset="0"/>
+              <a:ea typeface="Calibri" panose="020F0502020204030204" pitchFamily="34" charset="0"/>
+              <a:cs typeface="Times New Roman" panose="02020603050405020304" pitchFamily="18" charset="0"/>
+            </a:endParaRPr>
+          </a:p>
+          <a:p>
+            <a:pPr>
+              <a:lnSpc>
+                <a:spcPts val="1425"/>
+              </a:lnSpc>
+              <a:spcAft>
+                <a:spcPts val="800"/>
+              </a:spcAft>
+            </a:pPr>
+            <a:r>
+              <a:rPr lang="en-US" sz="1200" dirty="0">
+                <a:solidFill>
+                  <a:srgbClr val="D4D4D4"/>
+                </a:solidFill>
+                <a:effectLst/>
+                <a:latin typeface="Consolas" panose="020B0609020204030204" pitchFamily="49" charset="0"/>
+                <a:ea typeface="Times New Roman" panose="02020603050405020304" pitchFamily="18" charset="0"/>
+                <a:cs typeface="Times New Roman" panose="02020603050405020304" pitchFamily="18" charset="0"/>
+              </a:rPr>
+              <a:t>   </a:t>
+            </a:r>
+            <a:r>
+              <a:rPr lang="en-US" sz="1200" dirty="0">
+                <a:solidFill>
+                  <a:srgbClr val="C586C0"/>
+                </a:solidFill>
+                <a:effectLst/>
+                <a:latin typeface="Consolas" panose="020B0609020204030204" pitchFamily="49" charset="0"/>
+                <a:ea typeface="Times New Roman" panose="02020603050405020304" pitchFamily="18" charset="0"/>
+                <a:cs typeface="Times New Roman" panose="02020603050405020304" pitchFamily="18" charset="0"/>
+              </a:rPr>
+              <a:t>if</a:t>
+            </a:r>
+            <a:r>
+              <a:rPr lang="en-US" sz="1200" dirty="0">
+                <a:solidFill>
+                  <a:srgbClr val="D4D4D4"/>
+                </a:solidFill>
+                <a:effectLst/>
+                <a:latin typeface="Consolas" panose="020B0609020204030204" pitchFamily="49" charset="0"/>
+                <a:ea typeface="Times New Roman" panose="02020603050405020304" pitchFamily="18" charset="0"/>
+                <a:cs typeface="Times New Roman" panose="02020603050405020304" pitchFamily="18" charset="0"/>
+              </a:rPr>
+              <a:t>(</a:t>
+            </a:r>
+            <a:r>
+              <a:rPr lang="en-US" sz="1200" dirty="0">
+                <a:solidFill>
+                  <a:srgbClr val="9CDCFE"/>
+                </a:solidFill>
+                <a:effectLst/>
+                <a:latin typeface="Consolas" panose="020B0609020204030204" pitchFamily="49" charset="0"/>
+                <a:ea typeface="Times New Roman" panose="02020603050405020304" pitchFamily="18" charset="0"/>
+                <a:cs typeface="Times New Roman" panose="02020603050405020304" pitchFamily="18" charset="0"/>
+              </a:rPr>
+              <a:t>$</a:t>
+            </a:r>
+            <a:r>
+              <a:rPr lang="en-US" sz="1200" dirty="0" err="1">
+                <a:solidFill>
+                  <a:srgbClr val="9CDCFE"/>
+                </a:solidFill>
+                <a:effectLst/>
+                <a:latin typeface="Consolas" panose="020B0609020204030204" pitchFamily="49" charset="0"/>
+                <a:ea typeface="Times New Roman" panose="02020603050405020304" pitchFamily="18" charset="0"/>
+                <a:cs typeface="Times New Roman" panose="02020603050405020304" pitchFamily="18" charset="0"/>
+              </a:rPr>
+              <a:t>mysqli</a:t>
+            </a:r>
+            <a:r>
+              <a:rPr lang="en-US" sz="1200" dirty="0">
+                <a:solidFill>
+                  <a:srgbClr val="D4D4D4"/>
+                </a:solidFill>
+                <a:effectLst/>
+                <a:latin typeface="Consolas" panose="020B0609020204030204" pitchFamily="49" charset="0"/>
+                <a:ea typeface="Times New Roman" panose="02020603050405020304" pitchFamily="18" charset="0"/>
+                <a:cs typeface="Times New Roman" panose="02020603050405020304" pitchFamily="18" charset="0"/>
+              </a:rPr>
+              <a:t>-&gt;</a:t>
+            </a:r>
+            <a:r>
+              <a:rPr lang="en-US" sz="1200" dirty="0" err="1">
+                <a:solidFill>
+                  <a:srgbClr val="9CDCFE"/>
+                </a:solidFill>
+                <a:effectLst/>
+                <a:latin typeface="Consolas" panose="020B0609020204030204" pitchFamily="49" charset="0"/>
+                <a:ea typeface="Times New Roman" panose="02020603050405020304" pitchFamily="18" charset="0"/>
+                <a:cs typeface="Times New Roman" panose="02020603050405020304" pitchFamily="18" charset="0"/>
+              </a:rPr>
+              <a:t>connect_errno</a:t>
+            </a:r>
+            <a:r>
+              <a:rPr lang="en-US" sz="1200" dirty="0">
+                <a:solidFill>
+                  <a:srgbClr val="D4D4D4"/>
+                </a:solidFill>
+                <a:effectLst/>
+                <a:latin typeface="Consolas" panose="020B0609020204030204" pitchFamily="49" charset="0"/>
+                <a:ea typeface="Times New Roman" panose="02020603050405020304" pitchFamily="18" charset="0"/>
+                <a:cs typeface="Times New Roman" panose="02020603050405020304" pitchFamily="18" charset="0"/>
+              </a:rPr>
+              <a:t>) {</a:t>
+            </a:r>
+            <a:endParaRPr lang="de-AT" sz="1200" dirty="0">
+              <a:effectLst/>
+              <a:latin typeface="Calibri" panose="020F0502020204030204" pitchFamily="34" charset="0"/>
+              <a:ea typeface="Calibri" panose="020F0502020204030204" pitchFamily="34" charset="0"/>
+              <a:cs typeface="Times New Roman" panose="02020603050405020304" pitchFamily="18" charset="0"/>
+            </a:endParaRPr>
+          </a:p>
+          <a:p>
+            <a:pPr>
+              <a:lnSpc>
+                <a:spcPts val="1425"/>
+              </a:lnSpc>
+              <a:spcAft>
+                <a:spcPts val="800"/>
+              </a:spcAft>
+            </a:pPr>
+            <a:r>
+              <a:rPr lang="en-US" sz="1200" dirty="0">
+                <a:solidFill>
+                  <a:srgbClr val="D4D4D4"/>
+                </a:solidFill>
+                <a:effectLst/>
+                <a:latin typeface="Consolas" panose="020B0609020204030204" pitchFamily="49" charset="0"/>
+                <a:ea typeface="Times New Roman" panose="02020603050405020304" pitchFamily="18" charset="0"/>
+                <a:cs typeface="Times New Roman" panose="02020603050405020304" pitchFamily="18" charset="0"/>
+              </a:rPr>
+              <a:t>        </a:t>
+            </a:r>
+            <a:r>
+              <a:rPr lang="en-US" sz="1200" dirty="0" err="1">
+                <a:solidFill>
+                  <a:srgbClr val="DCDCAA"/>
+                </a:solidFill>
+                <a:effectLst/>
+                <a:latin typeface="Consolas" panose="020B0609020204030204" pitchFamily="49" charset="0"/>
+                <a:ea typeface="Times New Roman" panose="02020603050405020304" pitchFamily="18" charset="0"/>
+                <a:cs typeface="Times New Roman" panose="02020603050405020304" pitchFamily="18" charset="0"/>
+              </a:rPr>
+              <a:t>printf</a:t>
+            </a:r>
+            <a:r>
+              <a:rPr lang="en-US" sz="1200" dirty="0">
+                <a:solidFill>
+                  <a:srgbClr val="D4D4D4"/>
+                </a:solidFill>
+                <a:effectLst/>
+                <a:latin typeface="Consolas" panose="020B0609020204030204" pitchFamily="49" charset="0"/>
+                <a:ea typeface="Times New Roman" panose="02020603050405020304" pitchFamily="18" charset="0"/>
+                <a:cs typeface="Times New Roman" panose="02020603050405020304" pitchFamily="18" charset="0"/>
+              </a:rPr>
+              <a:t>(</a:t>
+            </a:r>
+            <a:r>
+              <a:rPr lang="en-US" sz="1200" dirty="0">
+                <a:solidFill>
+                  <a:srgbClr val="CE9178"/>
+                </a:solidFill>
+                <a:effectLst/>
+                <a:latin typeface="Consolas" panose="020B0609020204030204" pitchFamily="49" charset="0"/>
+                <a:ea typeface="Times New Roman" panose="02020603050405020304" pitchFamily="18" charset="0"/>
+                <a:cs typeface="Times New Roman" panose="02020603050405020304" pitchFamily="18" charset="0"/>
+              </a:rPr>
+              <a:t>"Connection failed : %s</a:t>
+            </a:r>
+            <a:r>
+              <a:rPr lang="en-US" sz="1200" dirty="0">
+                <a:solidFill>
+                  <a:srgbClr val="D7BA7D"/>
+                </a:solidFill>
+                <a:effectLst/>
+                <a:latin typeface="Consolas" panose="020B0609020204030204" pitchFamily="49" charset="0"/>
+                <a:ea typeface="Times New Roman" panose="02020603050405020304" pitchFamily="18" charset="0"/>
+                <a:cs typeface="Times New Roman" panose="02020603050405020304" pitchFamily="18" charset="0"/>
+              </a:rPr>
+              <a:t>\n</a:t>
+            </a:r>
+            <a:r>
+              <a:rPr lang="en-US" sz="1200" dirty="0">
+                <a:solidFill>
+                  <a:srgbClr val="CE9178"/>
+                </a:solidFill>
+                <a:effectLst/>
+                <a:latin typeface="Consolas" panose="020B0609020204030204" pitchFamily="49" charset="0"/>
+                <a:ea typeface="Times New Roman" panose="02020603050405020304" pitchFamily="18" charset="0"/>
+                <a:cs typeface="Times New Roman" panose="02020603050405020304" pitchFamily="18" charset="0"/>
+              </a:rPr>
+              <a:t>"</a:t>
+            </a:r>
+            <a:r>
+              <a:rPr lang="en-US" sz="1200" dirty="0">
+                <a:solidFill>
+                  <a:srgbClr val="D4D4D4"/>
+                </a:solidFill>
+                <a:effectLst/>
+                <a:latin typeface="Consolas" panose="020B0609020204030204" pitchFamily="49" charset="0"/>
+                <a:ea typeface="Times New Roman" panose="02020603050405020304" pitchFamily="18" charset="0"/>
+                <a:cs typeface="Times New Roman" panose="02020603050405020304" pitchFamily="18" charset="0"/>
+              </a:rPr>
+              <a:t>, </a:t>
+            </a:r>
+            <a:r>
+              <a:rPr lang="en-US" sz="1200" dirty="0">
+                <a:solidFill>
+                  <a:srgbClr val="9CDCFE"/>
+                </a:solidFill>
+                <a:effectLst/>
+                <a:latin typeface="Consolas" panose="020B0609020204030204" pitchFamily="49" charset="0"/>
+                <a:ea typeface="Times New Roman" panose="02020603050405020304" pitchFamily="18" charset="0"/>
+                <a:cs typeface="Times New Roman" panose="02020603050405020304" pitchFamily="18" charset="0"/>
+              </a:rPr>
+              <a:t>$</a:t>
+            </a:r>
+            <a:r>
+              <a:rPr lang="en-US" sz="1200" dirty="0" err="1">
+                <a:solidFill>
+                  <a:srgbClr val="9CDCFE"/>
+                </a:solidFill>
+                <a:effectLst/>
+                <a:latin typeface="Consolas" panose="020B0609020204030204" pitchFamily="49" charset="0"/>
+                <a:ea typeface="Times New Roman" panose="02020603050405020304" pitchFamily="18" charset="0"/>
+                <a:cs typeface="Times New Roman" panose="02020603050405020304" pitchFamily="18" charset="0"/>
+              </a:rPr>
+              <a:t>mysqli</a:t>
+            </a:r>
+            <a:r>
+              <a:rPr lang="en-US" sz="1200" dirty="0">
+                <a:solidFill>
+                  <a:srgbClr val="D4D4D4"/>
+                </a:solidFill>
+                <a:effectLst/>
+                <a:latin typeface="Consolas" panose="020B0609020204030204" pitchFamily="49" charset="0"/>
+                <a:ea typeface="Times New Roman" panose="02020603050405020304" pitchFamily="18" charset="0"/>
+                <a:cs typeface="Times New Roman" panose="02020603050405020304" pitchFamily="18" charset="0"/>
+              </a:rPr>
+              <a:t>-&gt;</a:t>
+            </a:r>
+            <a:r>
+              <a:rPr lang="en-US" sz="1200" dirty="0" err="1">
+                <a:solidFill>
+                  <a:srgbClr val="9CDCFE"/>
+                </a:solidFill>
+                <a:effectLst/>
+                <a:latin typeface="Consolas" panose="020B0609020204030204" pitchFamily="49" charset="0"/>
+                <a:ea typeface="Times New Roman" panose="02020603050405020304" pitchFamily="18" charset="0"/>
+                <a:cs typeface="Times New Roman" panose="02020603050405020304" pitchFamily="18" charset="0"/>
+              </a:rPr>
+              <a:t>connect_error</a:t>
+            </a:r>
+            <a:r>
+              <a:rPr lang="en-US" sz="1200" dirty="0">
+                <a:solidFill>
+                  <a:srgbClr val="D4D4D4"/>
+                </a:solidFill>
+                <a:effectLst/>
+                <a:latin typeface="Consolas" panose="020B0609020204030204" pitchFamily="49" charset="0"/>
+                <a:ea typeface="Times New Roman" panose="02020603050405020304" pitchFamily="18" charset="0"/>
+                <a:cs typeface="Times New Roman" panose="02020603050405020304" pitchFamily="18" charset="0"/>
+              </a:rPr>
+              <a:t>);</a:t>
+            </a:r>
+            <a:endParaRPr lang="de-AT" sz="1200" dirty="0">
+              <a:effectLst/>
+              <a:latin typeface="Calibri" panose="020F0502020204030204" pitchFamily="34" charset="0"/>
+              <a:ea typeface="Calibri" panose="020F0502020204030204" pitchFamily="34" charset="0"/>
+              <a:cs typeface="Times New Roman" panose="02020603050405020304" pitchFamily="18" charset="0"/>
+            </a:endParaRPr>
+          </a:p>
+          <a:p>
+            <a:pPr>
+              <a:lnSpc>
+                <a:spcPts val="1425"/>
+              </a:lnSpc>
+              <a:spcAft>
+                <a:spcPts val="800"/>
+              </a:spcAft>
+            </a:pPr>
+            <a:r>
+              <a:rPr lang="en-US" sz="1200" dirty="0">
+                <a:solidFill>
+                  <a:srgbClr val="D4D4D4"/>
+                </a:solidFill>
+                <a:effectLst/>
+                <a:latin typeface="Consolas" panose="020B0609020204030204" pitchFamily="49" charset="0"/>
+                <a:ea typeface="Times New Roman" panose="02020603050405020304" pitchFamily="18" charset="0"/>
+                <a:cs typeface="Times New Roman" panose="02020603050405020304" pitchFamily="18" charset="0"/>
+              </a:rPr>
+              <a:t>        </a:t>
+            </a:r>
+            <a:r>
+              <a:rPr lang="en-US" sz="1200" dirty="0">
+                <a:solidFill>
+                  <a:srgbClr val="C586C0"/>
+                </a:solidFill>
+                <a:effectLst/>
+                <a:latin typeface="Consolas" panose="020B0609020204030204" pitchFamily="49" charset="0"/>
+                <a:ea typeface="Times New Roman" panose="02020603050405020304" pitchFamily="18" charset="0"/>
+                <a:cs typeface="Times New Roman" panose="02020603050405020304" pitchFamily="18" charset="0"/>
+              </a:rPr>
+              <a:t>exit</a:t>
+            </a:r>
+            <a:r>
+              <a:rPr lang="en-US" sz="1200" dirty="0">
+                <a:solidFill>
+                  <a:srgbClr val="D4D4D4"/>
+                </a:solidFill>
+                <a:effectLst/>
+                <a:latin typeface="Consolas" panose="020B0609020204030204" pitchFamily="49" charset="0"/>
+                <a:ea typeface="Times New Roman" panose="02020603050405020304" pitchFamily="18" charset="0"/>
+                <a:cs typeface="Times New Roman" panose="02020603050405020304" pitchFamily="18" charset="0"/>
+              </a:rPr>
+              <a:t>();</a:t>
+            </a:r>
+            <a:endParaRPr lang="de-AT" sz="1200" dirty="0">
+              <a:effectLst/>
+              <a:latin typeface="Calibri" panose="020F0502020204030204" pitchFamily="34" charset="0"/>
+              <a:ea typeface="Calibri" panose="020F0502020204030204" pitchFamily="34" charset="0"/>
+              <a:cs typeface="Times New Roman" panose="02020603050405020304" pitchFamily="18" charset="0"/>
+            </a:endParaRPr>
+          </a:p>
+          <a:p>
+            <a:pPr>
+              <a:lnSpc>
+                <a:spcPts val="1425"/>
+              </a:lnSpc>
+              <a:spcAft>
+                <a:spcPts val="800"/>
+              </a:spcAft>
+            </a:pPr>
+            <a:r>
+              <a:rPr lang="en-US" sz="1200" dirty="0">
+                <a:solidFill>
+                  <a:srgbClr val="D4D4D4"/>
+                </a:solidFill>
+                <a:effectLst/>
+                <a:latin typeface="Consolas" panose="020B0609020204030204" pitchFamily="49" charset="0"/>
+                <a:ea typeface="Times New Roman" panose="02020603050405020304" pitchFamily="18" charset="0"/>
+                <a:cs typeface="Times New Roman" panose="02020603050405020304" pitchFamily="18" charset="0"/>
+              </a:rPr>
+              <a:t>    }</a:t>
+            </a:r>
+            <a:endParaRPr lang="de-AT" sz="1200" dirty="0">
+              <a:effectLst/>
+              <a:latin typeface="Calibri" panose="020F0502020204030204" pitchFamily="34" charset="0"/>
+              <a:ea typeface="Calibri" panose="020F0502020204030204" pitchFamily="34" charset="0"/>
+              <a:cs typeface="Times New Roman" panose="02020603050405020304" pitchFamily="18" charset="0"/>
+            </a:endParaRPr>
+          </a:p>
+          <a:p>
+            <a:pPr>
+              <a:lnSpc>
+                <a:spcPts val="1425"/>
+              </a:lnSpc>
+              <a:spcAft>
+                <a:spcPts val="800"/>
+              </a:spcAft>
+            </a:pPr>
+            <a:r>
+              <a:rPr lang="en-US" sz="1200" dirty="0">
+                <a:solidFill>
+                  <a:srgbClr val="D4D4D4"/>
+                </a:solidFill>
+                <a:effectLst/>
+                <a:latin typeface="Consolas" panose="020B0609020204030204" pitchFamily="49" charset="0"/>
+                <a:ea typeface="Times New Roman" panose="02020603050405020304" pitchFamily="18" charset="0"/>
+                <a:cs typeface="Times New Roman" panose="02020603050405020304" pitchFamily="18" charset="0"/>
+              </a:rPr>
+              <a:t>    </a:t>
+            </a:r>
+            <a:r>
+              <a:rPr lang="en-US" sz="1200" dirty="0">
+                <a:solidFill>
+                  <a:srgbClr val="9CDCFE"/>
+                </a:solidFill>
+                <a:effectLst/>
+                <a:latin typeface="Consolas" panose="020B0609020204030204" pitchFamily="49" charset="0"/>
+                <a:ea typeface="Times New Roman" panose="02020603050405020304" pitchFamily="18" charset="0"/>
+                <a:cs typeface="Times New Roman" panose="02020603050405020304" pitchFamily="18" charset="0"/>
+              </a:rPr>
+              <a:t>$insert</a:t>
+            </a:r>
+            <a:r>
+              <a:rPr lang="en-US" sz="1200" dirty="0">
+                <a:solidFill>
+                  <a:srgbClr val="D4D4D4"/>
+                </a:solidFill>
+                <a:effectLst/>
+                <a:latin typeface="Consolas" panose="020B0609020204030204" pitchFamily="49" charset="0"/>
+                <a:ea typeface="Times New Roman" panose="02020603050405020304" pitchFamily="18" charset="0"/>
+                <a:cs typeface="Times New Roman" panose="02020603050405020304" pitchFamily="18" charset="0"/>
+              </a:rPr>
+              <a:t> = </a:t>
+            </a:r>
+            <a:r>
+              <a:rPr lang="en-US" sz="1200" dirty="0">
+                <a:solidFill>
+                  <a:srgbClr val="CE9178"/>
+                </a:solidFill>
+                <a:effectLst/>
+                <a:latin typeface="Consolas" panose="020B0609020204030204" pitchFamily="49" charset="0"/>
+                <a:ea typeface="Times New Roman" panose="02020603050405020304" pitchFamily="18" charset="0"/>
+                <a:cs typeface="Times New Roman" panose="02020603050405020304" pitchFamily="18" charset="0"/>
+              </a:rPr>
+              <a:t>"</a:t>
+            </a:r>
+            <a:r>
+              <a:rPr lang="en-US" sz="1200" dirty="0">
+                <a:solidFill>
+                  <a:srgbClr val="569CD6"/>
+                </a:solidFill>
+                <a:effectLst/>
+                <a:latin typeface="Consolas" panose="020B0609020204030204" pitchFamily="49" charset="0"/>
+                <a:ea typeface="Times New Roman" panose="02020603050405020304" pitchFamily="18" charset="0"/>
+                <a:cs typeface="Times New Roman" panose="02020603050405020304" pitchFamily="18" charset="0"/>
+              </a:rPr>
+              <a:t>INSERT</a:t>
+            </a:r>
+            <a:r>
+              <a:rPr lang="en-US" sz="1200" dirty="0">
+                <a:solidFill>
+                  <a:srgbClr val="CE9178"/>
+                </a:solidFill>
+                <a:effectLst/>
+                <a:latin typeface="Consolas" panose="020B0609020204030204" pitchFamily="49" charset="0"/>
+                <a:ea typeface="Times New Roman" panose="02020603050405020304" pitchFamily="18" charset="0"/>
+                <a:cs typeface="Times New Roman" panose="02020603050405020304" pitchFamily="18" charset="0"/>
+              </a:rPr>
+              <a:t> </a:t>
+            </a:r>
+            <a:r>
+              <a:rPr lang="en-US" sz="1200" dirty="0">
+                <a:solidFill>
+                  <a:srgbClr val="569CD6"/>
+                </a:solidFill>
+                <a:effectLst/>
+                <a:latin typeface="Consolas" panose="020B0609020204030204" pitchFamily="49" charset="0"/>
+                <a:ea typeface="Times New Roman" panose="02020603050405020304" pitchFamily="18" charset="0"/>
+                <a:cs typeface="Times New Roman" panose="02020603050405020304" pitchFamily="18" charset="0"/>
+              </a:rPr>
+              <a:t>INTO</a:t>
+            </a:r>
+            <a:r>
+              <a:rPr lang="en-US" sz="1200" dirty="0">
+                <a:solidFill>
+                  <a:srgbClr val="CE9178"/>
+                </a:solidFill>
+                <a:effectLst/>
+                <a:latin typeface="Consolas" panose="020B0609020204030204" pitchFamily="49" charset="0"/>
+                <a:ea typeface="Times New Roman" panose="02020603050405020304" pitchFamily="18" charset="0"/>
+                <a:cs typeface="Times New Roman" panose="02020603050405020304" pitchFamily="18" charset="0"/>
+              </a:rPr>
+              <a:t> user (username) </a:t>
+            </a:r>
+            <a:r>
+              <a:rPr lang="en-US" sz="1200" dirty="0">
+                <a:solidFill>
+                  <a:srgbClr val="569CD6"/>
+                </a:solidFill>
+                <a:effectLst/>
+                <a:latin typeface="Consolas" panose="020B0609020204030204" pitchFamily="49" charset="0"/>
+                <a:ea typeface="Times New Roman" panose="02020603050405020304" pitchFamily="18" charset="0"/>
+                <a:cs typeface="Times New Roman" panose="02020603050405020304" pitchFamily="18" charset="0"/>
+              </a:rPr>
+              <a:t>VALUES</a:t>
+            </a:r>
+            <a:r>
+              <a:rPr lang="en-US" sz="1200" dirty="0">
+                <a:solidFill>
+                  <a:srgbClr val="CE9178"/>
+                </a:solidFill>
+                <a:effectLst/>
+                <a:latin typeface="Consolas" panose="020B0609020204030204" pitchFamily="49" charset="0"/>
+                <a:ea typeface="Times New Roman" panose="02020603050405020304" pitchFamily="18" charset="0"/>
+                <a:cs typeface="Times New Roman" panose="02020603050405020304" pitchFamily="18" charset="0"/>
+              </a:rPr>
+              <a:t>('".</a:t>
+            </a:r>
+            <a:r>
+              <a:rPr lang="en-US" sz="1200" dirty="0">
+                <a:solidFill>
+                  <a:srgbClr val="9CDCFE"/>
+                </a:solidFill>
+                <a:effectLst/>
+                <a:latin typeface="Consolas" panose="020B0609020204030204" pitchFamily="49" charset="0"/>
+                <a:ea typeface="Times New Roman" panose="02020603050405020304" pitchFamily="18" charset="0"/>
+                <a:cs typeface="Times New Roman" panose="02020603050405020304" pitchFamily="18" charset="0"/>
+              </a:rPr>
+              <a:t>$_POST</a:t>
+            </a:r>
+            <a:r>
+              <a:rPr lang="en-US" sz="1200" dirty="0">
+                <a:solidFill>
+                  <a:srgbClr val="D4D4D4"/>
+                </a:solidFill>
+                <a:effectLst/>
+                <a:latin typeface="Consolas" panose="020B0609020204030204" pitchFamily="49" charset="0"/>
+                <a:ea typeface="Times New Roman" panose="02020603050405020304" pitchFamily="18" charset="0"/>
+                <a:cs typeface="Times New Roman" panose="02020603050405020304" pitchFamily="18" charset="0"/>
+              </a:rPr>
+              <a:t>[</a:t>
+            </a:r>
+            <a:r>
+              <a:rPr lang="en-US" sz="1200" dirty="0">
+                <a:solidFill>
+                  <a:srgbClr val="CE9178"/>
+                </a:solidFill>
+                <a:effectLst/>
+                <a:latin typeface="Consolas" panose="020B0609020204030204" pitchFamily="49" charset="0"/>
+                <a:ea typeface="Times New Roman" panose="02020603050405020304" pitchFamily="18" charset="0"/>
+                <a:cs typeface="Times New Roman" panose="02020603050405020304" pitchFamily="18" charset="0"/>
+              </a:rPr>
+              <a:t>'username'</a:t>
+            </a:r>
+            <a:r>
+              <a:rPr lang="en-US" sz="1200" dirty="0">
+                <a:solidFill>
+                  <a:srgbClr val="D4D4D4"/>
+                </a:solidFill>
+                <a:effectLst/>
+                <a:latin typeface="Consolas" panose="020B0609020204030204" pitchFamily="49" charset="0"/>
+                <a:ea typeface="Times New Roman" panose="02020603050405020304" pitchFamily="18" charset="0"/>
+                <a:cs typeface="Times New Roman" panose="02020603050405020304" pitchFamily="18" charset="0"/>
+              </a:rPr>
+              <a:t>]; </a:t>
+            </a:r>
+            <a:r>
+              <a:rPr lang="en-US" sz="1200" dirty="0">
+                <a:solidFill>
+                  <a:srgbClr val="CE9178"/>
+                </a:solidFill>
+                <a:effectLst/>
+                <a:latin typeface="Consolas" panose="020B0609020204030204" pitchFamily="49" charset="0"/>
+                <a:ea typeface="Times New Roman" panose="02020603050405020304" pitchFamily="18" charset="0"/>
+                <a:cs typeface="Times New Roman" panose="02020603050405020304" pitchFamily="18" charset="0"/>
+              </a:rPr>
+              <a:t>."');"</a:t>
+            </a:r>
+            <a:r>
+              <a:rPr lang="en-US" sz="1200" dirty="0">
+                <a:solidFill>
+                  <a:srgbClr val="D4D4D4"/>
+                </a:solidFill>
+                <a:effectLst/>
+                <a:latin typeface="Consolas" panose="020B0609020204030204" pitchFamily="49" charset="0"/>
+                <a:ea typeface="Times New Roman" panose="02020603050405020304" pitchFamily="18" charset="0"/>
+                <a:cs typeface="Times New Roman" panose="02020603050405020304" pitchFamily="18" charset="0"/>
+              </a:rPr>
+              <a:t>;         </a:t>
+            </a:r>
+            <a:endParaRPr lang="de-AT" sz="1200" dirty="0">
+              <a:effectLst/>
+              <a:latin typeface="Calibri" panose="020F0502020204030204" pitchFamily="34" charset="0"/>
+              <a:ea typeface="Calibri" panose="020F0502020204030204" pitchFamily="34" charset="0"/>
+              <a:cs typeface="Times New Roman" panose="02020603050405020304" pitchFamily="18" charset="0"/>
+            </a:endParaRPr>
+          </a:p>
+          <a:p>
+            <a:pPr>
+              <a:lnSpc>
+                <a:spcPts val="1425"/>
+              </a:lnSpc>
+              <a:spcAft>
+                <a:spcPts val="800"/>
+              </a:spcAft>
+            </a:pPr>
+            <a:r>
+              <a:rPr lang="en-US" sz="1200" dirty="0">
+                <a:solidFill>
+                  <a:srgbClr val="D4D4D4"/>
+                </a:solidFill>
+                <a:effectLst/>
+                <a:latin typeface="Consolas" panose="020B0609020204030204" pitchFamily="49" charset="0"/>
+                <a:ea typeface="Times New Roman" panose="02020603050405020304" pitchFamily="18" charset="0"/>
+                <a:cs typeface="Times New Roman" panose="02020603050405020304" pitchFamily="18" charset="0"/>
+              </a:rPr>
+              <a:t>    </a:t>
+            </a:r>
+            <a:r>
+              <a:rPr lang="en-US" sz="1200" dirty="0">
+                <a:solidFill>
+                  <a:srgbClr val="C586C0"/>
+                </a:solidFill>
+                <a:effectLst/>
+                <a:latin typeface="Consolas" panose="020B0609020204030204" pitchFamily="49" charset="0"/>
+                <a:ea typeface="Times New Roman" panose="02020603050405020304" pitchFamily="18" charset="0"/>
+                <a:cs typeface="Times New Roman" panose="02020603050405020304" pitchFamily="18" charset="0"/>
+              </a:rPr>
+              <a:t>if</a:t>
+            </a:r>
+            <a:r>
+              <a:rPr lang="en-US" sz="1200" dirty="0">
+                <a:solidFill>
+                  <a:srgbClr val="D4D4D4"/>
+                </a:solidFill>
+                <a:effectLst/>
+                <a:latin typeface="Consolas" panose="020B0609020204030204" pitchFamily="49" charset="0"/>
+                <a:ea typeface="Times New Roman" panose="02020603050405020304" pitchFamily="18" charset="0"/>
+                <a:cs typeface="Times New Roman" panose="02020603050405020304" pitchFamily="18" charset="0"/>
+              </a:rPr>
+              <a:t>(!</a:t>
+            </a:r>
+            <a:r>
+              <a:rPr lang="en-US" sz="1200" dirty="0">
+                <a:solidFill>
+                  <a:srgbClr val="9CDCFE"/>
+                </a:solidFill>
+                <a:effectLst/>
+                <a:latin typeface="Consolas" panose="020B0609020204030204" pitchFamily="49" charset="0"/>
+                <a:ea typeface="Times New Roman" panose="02020603050405020304" pitchFamily="18" charset="0"/>
+                <a:cs typeface="Times New Roman" panose="02020603050405020304" pitchFamily="18" charset="0"/>
+              </a:rPr>
+              <a:t>$</a:t>
+            </a:r>
+            <a:r>
+              <a:rPr lang="en-US" sz="1200" dirty="0" err="1">
+                <a:solidFill>
+                  <a:srgbClr val="9CDCFE"/>
+                </a:solidFill>
+                <a:effectLst/>
+                <a:latin typeface="Consolas" panose="020B0609020204030204" pitchFamily="49" charset="0"/>
+                <a:ea typeface="Times New Roman" panose="02020603050405020304" pitchFamily="18" charset="0"/>
+                <a:cs typeface="Times New Roman" panose="02020603050405020304" pitchFamily="18" charset="0"/>
+              </a:rPr>
+              <a:t>mysqli</a:t>
+            </a:r>
+            <a:r>
+              <a:rPr lang="en-US" sz="1200" dirty="0">
+                <a:solidFill>
+                  <a:srgbClr val="D4D4D4"/>
+                </a:solidFill>
+                <a:effectLst/>
+                <a:latin typeface="Consolas" panose="020B0609020204030204" pitchFamily="49" charset="0"/>
+                <a:ea typeface="Times New Roman" panose="02020603050405020304" pitchFamily="18" charset="0"/>
+                <a:cs typeface="Times New Roman" panose="02020603050405020304" pitchFamily="18" charset="0"/>
+              </a:rPr>
+              <a:t>-&gt;</a:t>
+            </a:r>
+            <a:r>
+              <a:rPr lang="en-US" sz="1200" dirty="0">
+                <a:solidFill>
+                  <a:srgbClr val="DCDCAA"/>
+                </a:solidFill>
+                <a:effectLst/>
+                <a:latin typeface="Consolas" panose="020B0609020204030204" pitchFamily="49" charset="0"/>
+                <a:ea typeface="Times New Roman" panose="02020603050405020304" pitchFamily="18" charset="0"/>
+                <a:cs typeface="Times New Roman" panose="02020603050405020304" pitchFamily="18" charset="0"/>
+              </a:rPr>
+              <a:t>query</a:t>
+            </a:r>
+            <a:r>
+              <a:rPr lang="en-US" sz="1200" dirty="0">
+                <a:solidFill>
+                  <a:srgbClr val="D4D4D4"/>
+                </a:solidFill>
+                <a:effectLst/>
+                <a:latin typeface="Consolas" panose="020B0609020204030204" pitchFamily="49" charset="0"/>
+                <a:ea typeface="Times New Roman" panose="02020603050405020304" pitchFamily="18" charset="0"/>
+                <a:cs typeface="Times New Roman" panose="02020603050405020304" pitchFamily="18" charset="0"/>
+              </a:rPr>
+              <a:t>(</a:t>
+            </a:r>
+            <a:r>
+              <a:rPr lang="en-US" sz="1200" dirty="0">
+                <a:solidFill>
+                  <a:srgbClr val="9CDCFE"/>
+                </a:solidFill>
+                <a:effectLst/>
+                <a:latin typeface="Consolas" panose="020B0609020204030204" pitchFamily="49" charset="0"/>
+                <a:ea typeface="Times New Roman" panose="02020603050405020304" pitchFamily="18" charset="0"/>
+                <a:cs typeface="Times New Roman" panose="02020603050405020304" pitchFamily="18" charset="0"/>
+              </a:rPr>
+              <a:t>$insert</a:t>
+            </a:r>
+            <a:r>
+              <a:rPr lang="en-US" sz="1200" dirty="0">
+                <a:solidFill>
+                  <a:srgbClr val="D4D4D4"/>
+                </a:solidFill>
+                <a:effectLst/>
+                <a:latin typeface="Consolas" panose="020B0609020204030204" pitchFamily="49" charset="0"/>
+                <a:ea typeface="Times New Roman" panose="02020603050405020304" pitchFamily="18" charset="0"/>
+                <a:cs typeface="Times New Roman" panose="02020603050405020304" pitchFamily="18" charset="0"/>
+              </a:rPr>
+              <a:t>)) {</a:t>
+            </a:r>
+            <a:endParaRPr lang="de-AT" sz="1200" dirty="0">
+              <a:effectLst/>
+              <a:latin typeface="Calibri" panose="020F0502020204030204" pitchFamily="34" charset="0"/>
+              <a:ea typeface="Calibri" panose="020F0502020204030204" pitchFamily="34" charset="0"/>
+              <a:cs typeface="Times New Roman" panose="02020603050405020304" pitchFamily="18" charset="0"/>
+            </a:endParaRPr>
+          </a:p>
+          <a:p>
+            <a:pPr>
+              <a:lnSpc>
+                <a:spcPts val="1425"/>
+              </a:lnSpc>
+              <a:spcAft>
+                <a:spcPts val="800"/>
+              </a:spcAft>
+            </a:pPr>
+            <a:r>
+              <a:rPr lang="en-US" sz="1200" dirty="0">
+                <a:solidFill>
+                  <a:srgbClr val="D4D4D4"/>
+                </a:solidFill>
+                <a:effectLst/>
+                <a:latin typeface="Consolas" panose="020B0609020204030204" pitchFamily="49" charset="0"/>
+                <a:ea typeface="Times New Roman" panose="02020603050405020304" pitchFamily="18" charset="0"/>
+                <a:cs typeface="Times New Roman" panose="02020603050405020304" pitchFamily="18" charset="0"/>
+              </a:rPr>
+              <a:t>        </a:t>
+            </a:r>
+            <a:r>
+              <a:rPr lang="en-US" sz="1200" dirty="0">
+                <a:solidFill>
+                  <a:srgbClr val="DCDCAA"/>
+                </a:solidFill>
+                <a:effectLst/>
+                <a:latin typeface="Consolas" panose="020B0609020204030204" pitchFamily="49" charset="0"/>
+                <a:ea typeface="Times New Roman" panose="02020603050405020304" pitchFamily="18" charset="0"/>
+                <a:cs typeface="Times New Roman" panose="02020603050405020304" pitchFamily="18" charset="0"/>
+              </a:rPr>
+              <a:t>echo</a:t>
+            </a:r>
+            <a:r>
+              <a:rPr lang="en-US" sz="1200" dirty="0">
+                <a:solidFill>
+                  <a:srgbClr val="D4D4D4"/>
+                </a:solidFill>
+                <a:effectLst/>
+                <a:latin typeface="Consolas" panose="020B0609020204030204" pitchFamily="49" charset="0"/>
+                <a:ea typeface="Times New Roman" panose="02020603050405020304" pitchFamily="18" charset="0"/>
+                <a:cs typeface="Times New Roman" panose="02020603050405020304" pitchFamily="18" charset="0"/>
+              </a:rPr>
+              <a:t> </a:t>
+            </a:r>
+            <a:r>
+              <a:rPr lang="en-US" sz="1200" dirty="0">
+                <a:solidFill>
+                  <a:srgbClr val="CE9178"/>
+                </a:solidFill>
+                <a:effectLst/>
+                <a:latin typeface="Consolas" panose="020B0609020204030204" pitchFamily="49" charset="0"/>
+                <a:ea typeface="Times New Roman" panose="02020603050405020304" pitchFamily="18" charset="0"/>
+                <a:cs typeface="Times New Roman" panose="02020603050405020304" pitchFamily="18" charset="0"/>
+              </a:rPr>
+              <a:t>"Query </a:t>
+            </a:r>
+            <a:r>
+              <a:rPr lang="en-US" sz="1200" dirty="0" err="1">
+                <a:solidFill>
+                  <a:srgbClr val="CE9178"/>
+                </a:solidFill>
+                <a:effectLst/>
+                <a:latin typeface="Consolas" panose="020B0609020204030204" pitchFamily="49" charset="0"/>
+                <a:ea typeface="Times New Roman" panose="02020603050405020304" pitchFamily="18" charset="0"/>
+                <a:cs typeface="Times New Roman" panose="02020603050405020304" pitchFamily="18" charset="0"/>
+              </a:rPr>
+              <a:t>fehlgeschlagen</a:t>
+            </a:r>
+            <a:r>
+              <a:rPr lang="en-US" sz="1200" dirty="0">
+                <a:solidFill>
+                  <a:srgbClr val="CE9178"/>
+                </a:solidFill>
+                <a:effectLst/>
+                <a:latin typeface="Consolas" panose="020B0609020204030204" pitchFamily="49" charset="0"/>
+                <a:ea typeface="Times New Roman" panose="02020603050405020304" pitchFamily="18" charset="0"/>
+                <a:cs typeface="Times New Roman" panose="02020603050405020304" pitchFamily="18" charset="0"/>
+              </a:rPr>
+              <a:t>: "</a:t>
+            </a:r>
+            <a:r>
+              <a:rPr lang="en-US" sz="1200" dirty="0">
+                <a:solidFill>
+                  <a:srgbClr val="D4D4D4"/>
+                </a:solidFill>
+                <a:effectLst/>
+                <a:latin typeface="Consolas" panose="020B0609020204030204" pitchFamily="49" charset="0"/>
+                <a:ea typeface="Times New Roman" panose="02020603050405020304" pitchFamily="18" charset="0"/>
+                <a:cs typeface="Times New Roman" panose="02020603050405020304" pitchFamily="18" charset="0"/>
+              </a:rPr>
+              <a:t>.</a:t>
+            </a:r>
+            <a:r>
+              <a:rPr lang="en-US" sz="1200" dirty="0">
+                <a:solidFill>
+                  <a:srgbClr val="9CDCFE"/>
+                </a:solidFill>
+                <a:effectLst/>
+                <a:latin typeface="Consolas" panose="020B0609020204030204" pitchFamily="49" charset="0"/>
+                <a:ea typeface="Times New Roman" panose="02020603050405020304" pitchFamily="18" charset="0"/>
+                <a:cs typeface="Times New Roman" panose="02020603050405020304" pitchFamily="18" charset="0"/>
+              </a:rPr>
+              <a:t>$</a:t>
+            </a:r>
+            <a:r>
+              <a:rPr lang="en-US" sz="1200" dirty="0" err="1">
+                <a:solidFill>
+                  <a:srgbClr val="9CDCFE"/>
+                </a:solidFill>
+                <a:effectLst/>
+                <a:latin typeface="Consolas" panose="020B0609020204030204" pitchFamily="49" charset="0"/>
+                <a:ea typeface="Times New Roman" panose="02020603050405020304" pitchFamily="18" charset="0"/>
+                <a:cs typeface="Times New Roman" panose="02020603050405020304" pitchFamily="18" charset="0"/>
+              </a:rPr>
+              <a:t>mysqli</a:t>
+            </a:r>
+            <a:r>
+              <a:rPr lang="en-US" sz="1200" dirty="0">
+                <a:solidFill>
+                  <a:srgbClr val="D4D4D4"/>
+                </a:solidFill>
+                <a:effectLst/>
+                <a:latin typeface="Consolas" panose="020B0609020204030204" pitchFamily="49" charset="0"/>
+                <a:ea typeface="Times New Roman" panose="02020603050405020304" pitchFamily="18" charset="0"/>
+                <a:cs typeface="Times New Roman" panose="02020603050405020304" pitchFamily="18" charset="0"/>
+              </a:rPr>
+              <a:t>-&gt;</a:t>
+            </a:r>
+            <a:r>
+              <a:rPr lang="en-US" sz="1200" dirty="0">
+                <a:solidFill>
+                  <a:srgbClr val="9CDCFE"/>
+                </a:solidFill>
+                <a:effectLst/>
+                <a:latin typeface="Consolas" panose="020B0609020204030204" pitchFamily="49" charset="0"/>
+                <a:ea typeface="Times New Roman" panose="02020603050405020304" pitchFamily="18" charset="0"/>
+                <a:cs typeface="Times New Roman" panose="02020603050405020304" pitchFamily="18" charset="0"/>
+              </a:rPr>
+              <a:t>error</a:t>
+            </a:r>
+            <a:r>
+              <a:rPr lang="en-US" sz="1200" dirty="0">
+                <a:solidFill>
+                  <a:srgbClr val="D4D4D4"/>
+                </a:solidFill>
+                <a:effectLst/>
+                <a:latin typeface="Consolas" panose="020B0609020204030204" pitchFamily="49" charset="0"/>
+                <a:ea typeface="Times New Roman" panose="02020603050405020304" pitchFamily="18" charset="0"/>
+                <a:cs typeface="Times New Roman" panose="02020603050405020304" pitchFamily="18" charset="0"/>
+              </a:rPr>
+              <a:t>;</a:t>
+            </a:r>
+            <a:endParaRPr lang="de-AT" sz="1200" dirty="0">
+              <a:effectLst/>
+              <a:latin typeface="Calibri" panose="020F0502020204030204" pitchFamily="34" charset="0"/>
+              <a:ea typeface="Calibri" panose="020F0502020204030204" pitchFamily="34" charset="0"/>
+              <a:cs typeface="Times New Roman" panose="02020603050405020304" pitchFamily="18" charset="0"/>
+            </a:endParaRPr>
+          </a:p>
+          <a:p>
+            <a:pPr>
+              <a:lnSpc>
+                <a:spcPts val="1425"/>
+              </a:lnSpc>
+              <a:spcAft>
+                <a:spcPts val="800"/>
+              </a:spcAft>
+            </a:pPr>
+            <a:r>
+              <a:rPr lang="en-US" sz="1200" dirty="0">
+                <a:solidFill>
+                  <a:srgbClr val="D4D4D4"/>
+                </a:solidFill>
+                <a:effectLst/>
+                <a:latin typeface="Consolas" panose="020B0609020204030204" pitchFamily="49" charset="0"/>
+                <a:ea typeface="Times New Roman" panose="02020603050405020304" pitchFamily="18" charset="0"/>
+                <a:cs typeface="Times New Roman" panose="02020603050405020304" pitchFamily="18" charset="0"/>
+              </a:rPr>
+              <a:t>    }</a:t>
+            </a:r>
+            <a:endParaRPr lang="de-AT" sz="1200" dirty="0">
+              <a:effectLst/>
+              <a:latin typeface="Calibri" panose="020F0502020204030204" pitchFamily="34" charset="0"/>
+              <a:ea typeface="Calibri" panose="020F0502020204030204" pitchFamily="34" charset="0"/>
+              <a:cs typeface="Times New Roman" panose="02020603050405020304" pitchFamily="18" charset="0"/>
+            </a:endParaRPr>
+          </a:p>
+          <a:p>
+            <a:pPr>
+              <a:lnSpc>
+                <a:spcPts val="1425"/>
+              </a:lnSpc>
+              <a:spcAft>
+                <a:spcPts val="800"/>
+              </a:spcAft>
+            </a:pPr>
+            <a:r>
+              <a:rPr lang="en-US" sz="1200" dirty="0">
+                <a:solidFill>
+                  <a:srgbClr val="D4D4D4"/>
+                </a:solidFill>
+                <a:effectLst/>
+                <a:latin typeface="Consolas" panose="020B0609020204030204" pitchFamily="49" charset="0"/>
+                <a:ea typeface="Times New Roman" panose="02020603050405020304" pitchFamily="18" charset="0"/>
+                <a:cs typeface="Times New Roman" panose="02020603050405020304" pitchFamily="18" charset="0"/>
+              </a:rPr>
+              <a:t>    </a:t>
+            </a:r>
+            <a:r>
+              <a:rPr lang="en-US" sz="1200" dirty="0">
+                <a:solidFill>
+                  <a:srgbClr val="C586C0"/>
+                </a:solidFill>
+                <a:effectLst/>
+                <a:latin typeface="Consolas" panose="020B0609020204030204" pitchFamily="49" charset="0"/>
+                <a:ea typeface="Times New Roman" panose="02020603050405020304" pitchFamily="18" charset="0"/>
+                <a:cs typeface="Times New Roman" panose="02020603050405020304" pitchFamily="18" charset="0"/>
+              </a:rPr>
+              <a:t>else</a:t>
+            </a:r>
+            <a:r>
+              <a:rPr lang="en-US" sz="1200" dirty="0">
+                <a:solidFill>
+                  <a:srgbClr val="D4D4D4"/>
+                </a:solidFill>
+                <a:effectLst/>
+                <a:latin typeface="Consolas" panose="020B0609020204030204" pitchFamily="49" charset="0"/>
+                <a:ea typeface="Times New Roman" panose="02020603050405020304" pitchFamily="18" charset="0"/>
+                <a:cs typeface="Times New Roman" panose="02020603050405020304" pitchFamily="18" charset="0"/>
+              </a:rPr>
+              <a:t>{</a:t>
+            </a:r>
+            <a:endParaRPr lang="de-AT" sz="1200" dirty="0">
+              <a:effectLst/>
+              <a:latin typeface="Calibri" panose="020F0502020204030204" pitchFamily="34" charset="0"/>
+              <a:ea typeface="Calibri" panose="020F0502020204030204" pitchFamily="34" charset="0"/>
+              <a:cs typeface="Times New Roman" panose="02020603050405020304" pitchFamily="18" charset="0"/>
+            </a:endParaRPr>
+          </a:p>
+          <a:p>
+            <a:pPr>
+              <a:lnSpc>
+                <a:spcPts val="1425"/>
+              </a:lnSpc>
+              <a:spcAft>
+                <a:spcPts val="800"/>
+              </a:spcAft>
+            </a:pPr>
+            <a:r>
+              <a:rPr lang="en-US" sz="1200" dirty="0">
+                <a:solidFill>
+                  <a:srgbClr val="D4D4D4"/>
+                </a:solidFill>
+                <a:effectLst/>
+                <a:latin typeface="Consolas" panose="020B0609020204030204" pitchFamily="49" charset="0"/>
+                <a:ea typeface="Times New Roman" panose="02020603050405020304" pitchFamily="18" charset="0"/>
+                <a:cs typeface="Times New Roman" panose="02020603050405020304" pitchFamily="18" charset="0"/>
+              </a:rPr>
+              <a:t>        </a:t>
+            </a:r>
+            <a:r>
+              <a:rPr lang="en-US" sz="1200" dirty="0">
+                <a:solidFill>
+                  <a:srgbClr val="9CDCFE"/>
+                </a:solidFill>
+                <a:effectLst/>
+                <a:latin typeface="Consolas" panose="020B0609020204030204" pitchFamily="49" charset="0"/>
+                <a:ea typeface="Times New Roman" panose="02020603050405020304" pitchFamily="18" charset="0"/>
+                <a:cs typeface="Times New Roman" panose="02020603050405020304" pitchFamily="18" charset="0"/>
+              </a:rPr>
+              <a:t>$</a:t>
+            </a:r>
+            <a:r>
+              <a:rPr lang="en-US" sz="1200" dirty="0" err="1">
+                <a:solidFill>
+                  <a:srgbClr val="9CDCFE"/>
+                </a:solidFill>
+                <a:effectLst/>
+                <a:latin typeface="Consolas" panose="020B0609020204030204" pitchFamily="49" charset="0"/>
+                <a:ea typeface="Times New Roman" panose="02020603050405020304" pitchFamily="18" charset="0"/>
+                <a:cs typeface="Times New Roman" panose="02020603050405020304" pitchFamily="18" charset="0"/>
+              </a:rPr>
+              <a:t>mysqli</a:t>
+            </a:r>
+            <a:r>
+              <a:rPr lang="en-US" sz="1200" dirty="0">
+                <a:solidFill>
+                  <a:srgbClr val="D4D4D4"/>
+                </a:solidFill>
+                <a:effectLst/>
+                <a:latin typeface="Consolas" panose="020B0609020204030204" pitchFamily="49" charset="0"/>
+                <a:ea typeface="Times New Roman" panose="02020603050405020304" pitchFamily="18" charset="0"/>
+                <a:cs typeface="Times New Roman" panose="02020603050405020304" pitchFamily="18" charset="0"/>
+              </a:rPr>
+              <a:t>-&gt;</a:t>
+            </a:r>
+            <a:r>
+              <a:rPr lang="en-US" sz="1200" dirty="0">
+                <a:solidFill>
+                  <a:srgbClr val="DCDCAA"/>
+                </a:solidFill>
+                <a:effectLst/>
+                <a:latin typeface="Consolas" panose="020B0609020204030204" pitchFamily="49" charset="0"/>
+                <a:ea typeface="Times New Roman" panose="02020603050405020304" pitchFamily="18" charset="0"/>
+                <a:cs typeface="Times New Roman" panose="02020603050405020304" pitchFamily="18" charset="0"/>
+              </a:rPr>
+              <a:t>query</a:t>
+            </a:r>
+            <a:r>
+              <a:rPr lang="en-US" sz="1200" dirty="0">
+                <a:solidFill>
+                  <a:srgbClr val="D4D4D4"/>
+                </a:solidFill>
+                <a:effectLst/>
+                <a:latin typeface="Consolas" panose="020B0609020204030204" pitchFamily="49" charset="0"/>
+                <a:ea typeface="Times New Roman" panose="02020603050405020304" pitchFamily="18" charset="0"/>
+                <a:cs typeface="Times New Roman" panose="02020603050405020304" pitchFamily="18" charset="0"/>
+              </a:rPr>
+              <a:t>(</a:t>
+            </a:r>
+            <a:r>
+              <a:rPr lang="en-US" sz="1200" dirty="0">
+                <a:solidFill>
+                  <a:srgbClr val="9CDCFE"/>
+                </a:solidFill>
+                <a:effectLst/>
+                <a:latin typeface="Consolas" panose="020B0609020204030204" pitchFamily="49" charset="0"/>
+                <a:ea typeface="Times New Roman" panose="02020603050405020304" pitchFamily="18" charset="0"/>
+                <a:cs typeface="Times New Roman" panose="02020603050405020304" pitchFamily="18" charset="0"/>
+              </a:rPr>
+              <a:t>$insert</a:t>
+            </a:r>
+            <a:r>
+              <a:rPr lang="en-US" sz="1200" dirty="0">
+                <a:solidFill>
+                  <a:srgbClr val="D4D4D4"/>
+                </a:solidFill>
+                <a:effectLst/>
+                <a:latin typeface="Consolas" panose="020B0609020204030204" pitchFamily="49" charset="0"/>
+                <a:ea typeface="Times New Roman" panose="02020603050405020304" pitchFamily="18" charset="0"/>
+                <a:cs typeface="Times New Roman" panose="02020603050405020304" pitchFamily="18" charset="0"/>
+              </a:rPr>
+              <a:t>);</a:t>
+            </a:r>
+            <a:endParaRPr lang="de-AT" sz="1200" dirty="0">
+              <a:effectLst/>
+              <a:latin typeface="Calibri" panose="020F0502020204030204" pitchFamily="34" charset="0"/>
+              <a:ea typeface="Calibri" panose="020F0502020204030204" pitchFamily="34" charset="0"/>
+              <a:cs typeface="Times New Roman" panose="02020603050405020304" pitchFamily="18" charset="0"/>
+            </a:endParaRPr>
+          </a:p>
+          <a:p>
+            <a:pPr>
+              <a:lnSpc>
+                <a:spcPts val="1425"/>
+              </a:lnSpc>
+              <a:spcAft>
+                <a:spcPts val="800"/>
+              </a:spcAft>
+            </a:pPr>
+            <a:r>
+              <a:rPr lang="en-US" sz="1200" dirty="0">
+                <a:solidFill>
+                  <a:srgbClr val="D4D4D4"/>
+                </a:solidFill>
+                <a:effectLst/>
+                <a:latin typeface="Consolas" panose="020B0609020204030204" pitchFamily="49" charset="0"/>
+                <a:ea typeface="Times New Roman" panose="02020603050405020304" pitchFamily="18" charset="0"/>
+                <a:cs typeface="Times New Roman" panose="02020603050405020304" pitchFamily="18" charset="0"/>
+              </a:rPr>
+              <a:t>        </a:t>
+            </a:r>
+            <a:r>
+              <a:rPr lang="en-US" sz="1200" dirty="0">
+                <a:solidFill>
+                  <a:srgbClr val="DCDCAA"/>
+                </a:solidFill>
+                <a:effectLst/>
+                <a:latin typeface="Consolas" panose="020B0609020204030204" pitchFamily="49" charset="0"/>
+                <a:ea typeface="Times New Roman" panose="02020603050405020304" pitchFamily="18" charset="0"/>
+                <a:cs typeface="Times New Roman" panose="02020603050405020304" pitchFamily="18" charset="0"/>
+              </a:rPr>
+              <a:t>echo</a:t>
+            </a:r>
+            <a:r>
+              <a:rPr lang="en-US" sz="1200" dirty="0">
+                <a:solidFill>
+                  <a:srgbClr val="D4D4D4"/>
+                </a:solidFill>
+                <a:effectLst/>
+                <a:latin typeface="Consolas" panose="020B0609020204030204" pitchFamily="49" charset="0"/>
+                <a:ea typeface="Times New Roman" panose="02020603050405020304" pitchFamily="18" charset="0"/>
+                <a:cs typeface="Times New Roman" panose="02020603050405020304" pitchFamily="18" charset="0"/>
+              </a:rPr>
+              <a:t> </a:t>
+            </a:r>
+            <a:r>
+              <a:rPr lang="en-US" sz="1200" dirty="0">
+                <a:solidFill>
+                  <a:srgbClr val="CE9178"/>
+                </a:solidFill>
+                <a:effectLst/>
+                <a:latin typeface="Consolas" panose="020B0609020204030204" pitchFamily="49" charset="0"/>
+                <a:ea typeface="Times New Roman" panose="02020603050405020304" pitchFamily="18" charset="0"/>
+                <a:cs typeface="Times New Roman" panose="02020603050405020304" pitchFamily="18" charset="0"/>
+              </a:rPr>
+              <a:t>"User </a:t>
+            </a:r>
+            <a:r>
+              <a:rPr lang="en-US" sz="1200" dirty="0" err="1">
+                <a:solidFill>
+                  <a:srgbClr val="CE9178"/>
+                </a:solidFill>
+                <a:effectLst/>
+                <a:latin typeface="Consolas" panose="020B0609020204030204" pitchFamily="49" charset="0"/>
+                <a:ea typeface="Times New Roman" panose="02020603050405020304" pitchFamily="18" charset="0"/>
+                <a:cs typeface="Times New Roman" panose="02020603050405020304" pitchFamily="18" charset="0"/>
+              </a:rPr>
+              <a:t>hinzugefügt</a:t>
+            </a:r>
+            <a:r>
+              <a:rPr lang="en-US" sz="1200" dirty="0">
+                <a:solidFill>
+                  <a:srgbClr val="CE9178"/>
+                </a:solidFill>
+                <a:effectLst/>
+                <a:latin typeface="Consolas" panose="020B0609020204030204" pitchFamily="49" charset="0"/>
+                <a:ea typeface="Times New Roman" panose="02020603050405020304" pitchFamily="18" charset="0"/>
+                <a:cs typeface="Times New Roman" panose="02020603050405020304" pitchFamily="18" charset="0"/>
+              </a:rPr>
+              <a:t>"</a:t>
+            </a:r>
+            <a:r>
+              <a:rPr lang="en-US" sz="1200" dirty="0">
+                <a:solidFill>
+                  <a:srgbClr val="D4D4D4"/>
+                </a:solidFill>
+                <a:effectLst/>
+                <a:latin typeface="Consolas" panose="020B0609020204030204" pitchFamily="49" charset="0"/>
+                <a:ea typeface="Times New Roman" panose="02020603050405020304" pitchFamily="18" charset="0"/>
+                <a:cs typeface="Times New Roman" panose="02020603050405020304" pitchFamily="18" charset="0"/>
+              </a:rPr>
+              <a:t>;</a:t>
+            </a:r>
+            <a:endParaRPr lang="de-AT" sz="1200" dirty="0">
+              <a:effectLst/>
+              <a:latin typeface="Calibri" panose="020F0502020204030204" pitchFamily="34" charset="0"/>
+              <a:ea typeface="Calibri" panose="020F0502020204030204" pitchFamily="34" charset="0"/>
+              <a:cs typeface="Times New Roman" panose="02020603050405020304" pitchFamily="18" charset="0"/>
+            </a:endParaRPr>
+          </a:p>
+          <a:p>
+            <a:pPr>
+              <a:lnSpc>
+                <a:spcPts val="1425"/>
+              </a:lnSpc>
+              <a:spcAft>
+                <a:spcPts val="800"/>
+              </a:spcAft>
+            </a:pPr>
+            <a:r>
+              <a:rPr lang="en-US" sz="1200" dirty="0">
+                <a:solidFill>
+                  <a:srgbClr val="D4D4D4"/>
+                </a:solidFill>
+                <a:effectLst/>
+                <a:latin typeface="Consolas" panose="020B0609020204030204" pitchFamily="49" charset="0"/>
+                <a:ea typeface="Times New Roman" panose="02020603050405020304" pitchFamily="18" charset="0"/>
+                <a:cs typeface="Times New Roman" panose="02020603050405020304" pitchFamily="18" charset="0"/>
+              </a:rPr>
+              <a:t>    </a:t>
+            </a:r>
+            <a:r>
+              <a:rPr lang="de-AT" sz="1200" dirty="0">
+                <a:solidFill>
+                  <a:srgbClr val="D4D4D4"/>
+                </a:solidFill>
+                <a:effectLst/>
+                <a:latin typeface="Consolas" panose="020B0609020204030204" pitchFamily="49" charset="0"/>
+                <a:ea typeface="Times New Roman" panose="02020603050405020304" pitchFamily="18" charset="0"/>
+                <a:cs typeface="Times New Roman" panose="02020603050405020304" pitchFamily="18" charset="0"/>
+              </a:rPr>
+              <a:t>}</a:t>
+            </a:r>
+            <a:endParaRPr lang="de-AT" sz="1200" dirty="0">
+              <a:effectLst/>
+              <a:latin typeface="Calibri" panose="020F0502020204030204" pitchFamily="34" charset="0"/>
+              <a:ea typeface="Calibri" panose="020F0502020204030204" pitchFamily="34" charset="0"/>
+              <a:cs typeface="Times New Roman" panose="02020603050405020304" pitchFamily="18" charset="0"/>
+            </a:endParaRPr>
+          </a:p>
+          <a:p>
+            <a:pPr>
+              <a:lnSpc>
+                <a:spcPts val="1425"/>
+              </a:lnSpc>
+              <a:spcAft>
+                <a:spcPts val="800"/>
+              </a:spcAft>
+            </a:pPr>
+            <a:r>
+              <a:rPr lang="de-AT" sz="1200" dirty="0">
+                <a:solidFill>
+                  <a:srgbClr val="D4D4D4"/>
+                </a:solidFill>
+                <a:effectLst/>
+                <a:latin typeface="Consolas" panose="020B0609020204030204" pitchFamily="49" charset="0"/>
+                <a:ea typeface="Times New Roman" panose="02020603050405020304" pitchFamily="18" charset="0"/>
+                <a:cs typeface="Times New Roman" panose="02020603050405020304" pitchFamily="18" charset="0"/>
+              </a:rPr>
+              <a:t>    </a:t>
+            </a:r>
+            <a:r>
+              <a:rPr lang="de-AT" sz="1200" dirty="0">
+                <a:solidFill>
+                  <a:srgbClr val="6A9955"/>
+                </a:solidFill>
+                <a:effectLst/>
+                <a:latin typeface="Consolas" panose="020B0609020204030204" pitchFamily="49" charset="0"/>
+                <a:ea typeface="Times New Roman" panose="02020603050405020304" pitchFamily="18" charset="0"/>
+                <a:cs typeface="Times New Roman" panose="02020603050405020304" pitchFamily="18" charset="0"/>
+              </a:rPr>
+              <a:t>//</a:t>
+            </a:r>
+            <a:r>
+              <a:rPr lang="de-AT" sz="1200" dirty="0" err="1">
+                <a:solidFill>
+                  <a:srgbClr val="6A9955"/>
+                </a:solidFill>
+                <a:effectLst/>
+                <a:latin typeface="Consolas" panose="020B0609020204030204" pitchFamily="49" charset="0"/>
+                <a:ea typeface="Times New Roman" panose="02020603050405020304" pitchFamily="18" charset="0"/>
+                <a:cs typeface="Times New Roman" panose="02020603050405020304" pitchFamily="18" charset="0"/>
+              </a:rPr>
+              <a:t>close</a:t>
+            </a:r>
+            <a:r>
+              <a:rPr lang="de-AT" sz="1200" dirty="0">
+                <a:solidFill>
+                  <a:srgbClr val="6A9955"/>
+                </a:solidFill>
+                <a:effectLst/>
+                <a:latin typeface="Consolas" panose="020B0609020204030204" pitchFamily="49" charset="0"/>
+                <a:ea typeface="Times New Roman" panose="02020603050405020304" pitchFamily="18" charset="0"/>
+                <a:cs typeface="Times New Roman" panose="02020603050405020304" pitchFamily="18" charset="0"/>
+              </a:rPr>
+              <a:t> </a:t>
+            </a:r>
+            <a:r>
+              <a:rPr lang="de-AT" sz="1200" dirty="0" err="1">
+                <a:solidFill>
+                  <a:srgbClr val="6A9955"/>
+                </a:solidFill>
+                <a:effectLst/>
+                <a:latin typeface="Consolas" panose="020B0609020204030204" pitchFamily="49" charset="0"/>
+                <a:ea typeface="Times New Roman" panose="02020603050405020304" pitchFamily="18" charset="0"/>
+                <a:cs typeface="Times New Roman" panose="02020603050405020304" pitchFamily="18" charset="0"/>
+              </a:rPr>
+              <a:t>connection</a:t>
+            </a:r>
+            <a:r>
+              <a:rPr lang="de-AT" sz="1200" dirty="0">
+                <a:solidFill>
+                  <a:srgbClr val="6A9955"/>
+                </a:solidFill>
+                <a:effectLst/>
+                <a:latin typeface="Consolas" panose="020B0609020204030204" pitchFamily="49" charset="0"/>
+                <a:ea typeface="Times New Roman" panose="02020603050405020304" pitchFamily="18" charset="0"/>
+                <a:cs typeface="Times New Roman" panose="02020603050405020304" pitchFamily="18" charset="0"/>
+              </a:rPr>
+              <a:t> </a:t>
+            </a:r>
+            <a:endParaRPr lang="de-AT" sz="1200" dirty="0">
+              <a:effectLst/>
+              <a:latin typeface="Calibri" panose="020F0502020204030204" pitchFamily="34" charset="0"/>
+              <a:ea typeface="Calibri" panose="020F0502020204030204" pitchFamily="34" charset="0"/>
+              <a:cs typeface="Times New Roman" panose="02020603050405020304" pitchFamily="18" charset="0"/>
+            </a:endParaRPr>
+          </a:p>
+          <a:p>
+            <a:pPr>
+              <a:lnSpc>
+                <a:spcPts val="1425"/>
+              </a:lnSpc>
+              <a:spcAft>
+                <a:spcPts val="800"/>
+              </a:spcAft>
+            </a:pPr>
+            <a:r>
+              <a:rPr lang="de-AT" sz="1200" dirty="0">
+                <a:solidFill>
+                  <a:srgbClr val="D4D4D4"/>
+                </a:solidFill>
+                <a:effectLst/>
+                <a:latin typeface="Consolas" panose="020B0609020204030204" pitchFamily="49" charset="0"/>
+                <a:ea typeface="Times New Roman" panose="02020603050405020304" pitchFamily="18" charset="0"/>
+                <a:cs typeface="Times New Roman" panose="02020603050405020304" pitchFamily="18" charset="0"/>
+              </a:rPr>
+              <a:t>    </a:t>
+            </a:r>
+            <a:r>
+              <a:rPr lang="de-AT" sz="1200" dirty="0">
+                <a:solidFill>
+                  <a:srgbClr val="9CDCFE"/>
+                </a:solidFill>
+                <a:effectLst/>
+                <a:latin typeface="Consolas" panose="020B0609020204030204" pitchFamily="49" charset="0"/>
+                <a:ea typeface="Times New Roman" panose="02020603050405020304" pitchFamily="18" charset="0"/>
+                <a:cs typeface="Times New Roman" panose="02020603050405020304" pitchFamily="18" charset="0"/>
+              </a:rPr>
+              <a:t>$</a:t>
+            </a:r>
+            <a:r>
+              <a:rPr lang="de-AT" sz="1200" dirty="0" err="1">
+                <a:solidFill>
+                  <a:srgbClr val="9CDCFE"/>
+                </a:solidFill>
+                <a:effectLst/>
+                <a:latin typeface="Consolas" panose="020B0609020204030204" pitchFamily="49" charset="0"/>
+                <a:ea typeface="Times New Roman" panose="02020603050405020304" pitchFamily="18" charset="0"/>
+                <a:cs typeface="Times New Roman" panose="02020603050405020304" pitchFamily="18" charset="0"/>
+              </a:rPr>
+              <a:t>mysqli</a:t>
+            </a:r>
+            <a:r>
+              <a:rPr lang="de-AT" sz="1200" dirty="0">
+                <a:solidFill>
+                  <a:srgbClr val="D4D4D4"/>
+                </a:solidFill>
+                <a:effectLst/>
+                <a:latin typeface="Consolas" panose="020B0609020204030204" pitchFamily="49" charset="0"/>
+                <a:ea typeface="Times New Roman" panose="02020603050405020304" pitchFamily="18" charset="0"/>
+                <a:cs typeface="Times New Roman" panose="02020603050405020304" pitchFamily="18" charset="0"/>
+              </a:rPr>
+              <a:t>-&gt;</a:t>
+            </a:r>
+            <a:r>
+              <a:rPr lang="de-AT" sz="1200" dirty="0" err="1">
+                <a:solidFill>
+                  <a:srgbClr val="DCDCAA"/>
+                </a:solidFill>
+                <a:effectLst/>
+                <a:latin typeface="Consolas" panose="020B0609020204030204" pitchFamily="49" charset="0"/>
+                <a:ea typeface="Times New Roman" panose="02020603050405020304" pitchFamily="18" charset="0"/>
+                <a:cs typeface="Times New Roman" panose="02020603050405020304" pitchFamily="18" charset="0"/>
+              </a:rPr>
+              <a:t>close</a:t>
+            </a:r>
+            <a:r>
+              <a:rPr lang="de-AT" sz="1200" dirty="0">
+                <a:solidFill>
+                  <a:srgbClr val="D4D4D4"/>
+                </a:solidFill>
+                <a:effectLst/>
+                <a:latin typeface="Consolas" panose="020B0609020204030204" pitchFamily="49" charset="0"/>
+                <a:ea typeface="Times New Roman" panose="02020603050405020304" pitchFamily="18" charset="0"/>
+                <a:cs typeface="Times New Roman" panose="02020603050405020304" pitchFamily="18" charset="0"/>
+              </a:rPr>
+              <a:t>();</a:t>
+            </a:r>
+          </a:p>
+          <a:p>
+            <a:pPr>
+              <a:lnSpc>
+                <a:spcPts val="1425"/>
+              </a:lnSpc>
+              <a:spcAft>
+                <a:spcPts val="800"/>
+              </a:spcAft>
+            </a:pPr>
+            <a:r>
+              <a:rPr lang="de-AT" sz="1200" dirty="0">
+                <a:solidFill>
+                  <a:srgbClr val="569CD6"/>
+                </a:solidFill>
+                <a:effectLst/>
+                <a:latin typeface="Consolas" panose="020B0609020204030204" pitchFamily="49" charset="0"/>
+                <a:ea typeface="Times New Roman" panose="02020603050405020304" pitchFamily="18" charset="0"/>
+                <a:cs typeface="Times New Roman" panose="02020603050405020304" pitchFamily="18" charset="0"/>
+              </a:rPr>
+              <a:t>?&gt;</a:t>
+            </a:r>
+            <a:endParaRPr lang="de-AT" sz="1200" dirty="0">
+              <a:effectLst/>
+              <a:latin typeface="Calibri" panose="020F0502020204030204" pitchFamily="34" charset="0"/>
+              <a:ea typeface="Calibri" panose="020F0502020204030204" pitchFamily="34" charset="0"/>
+              <a:cs typeface="Times New Roman" panose="02020603050405020304" pitchFamily="18" charset="0"/>
+            </a:endParaRPr>
+          </a:p>
+        </p:txBody>
+      </p:sp>
+      <p:sp>
+        <p:nvSpPr>
+          <p:cNvPr id="5" name="Textplatzhalter 3">
+            <a:extLst>
+              <a:ext uri="{FF2B5EF4-FFF2-40B4-BE49-F238E27FC236}">
+                <a16:creationId xmlns:a16="http://schemas.microsoft.com/office/drawing/2014/main" id="{E342094A-48C3-41AD-A65E-36DF146C602C}"/>
+              </a:ext>
+            </a:extLst>
+          </p:cNvPr>
+          <p:cNvSpPr>
+            <a:spLocks noGrp="1"/>
+          </p:cNvSpPr>
+          <p:nvPr>
+            <p:ph type="body" sz="quarter" idx="14"/>
+          </p:nvPr>
+        </p:nvSpPr>
+        <p:spPr>
+          <a:xfrm>
+            <a:off x="472939" y="1958226"/>
+            <a:ext cx="4321003" cy="2675604"/>
+          </a:xfrm>
+        </p:spPr>
+        <p:txBody>
+          <a:bodyPr/>
+          <a:lstStyle/>
+          <a:p>
+            <a:r>
+              <a:rPr lang="de-DE" dirty="0"/>
+              <a:t>Es wird ein neues </a:t>
+            </a:r>
+            <a:r>
+              <a:rPr lang="de-DE" b="1" dirty="0" err="1">
+                <a:solidFill>
+                  <a:srgbClr val="0070C0"/>
+                </a:solidFill>
+                <a:latin typeface="Source Code Pro" panose="020B0509030403020204" pitchFamily="49" charset="0"/>
+              </a:rPr>
+              <a:t>mysqli</a:t>
+            </a:r>
+            <a:r>
+              <a:rPr lang="de-DE" b="1" dirty="0">
+                <a:solidFill>
+                  <a:srgbClr val="0070C0"/>
+                </a:solidFill>
+                <a:latin typeface="Source Code Pro" panose="020B0509030403020204" pitchFamily="49" charset="0"/>
+              </a:rPr>
+              <a:t> </a:t>
+            </a:r>
+            <a:r>
+              <a:rPr lang="de-DE" dirty="0"/>
+              <a:t>Objekt erzeugt und die Verbindung zum MySQL-Datenbankserver angegeben. In den Klammern stehen vier Parameter: Hostname, Benutzername, Kennwort, Datenbankname.</a:t>
+            </a:r>
+          </a:p>
+          <a:p>
+            <a:r>
+              <a:rPr lang="de-DE" dirty="0"/>
+              <a:t>Die Funktion </a:t>
+            </a:r>
+            <a:r>
+              <a:rPr lang="de-AT" b="1" dirty="0" err="1">
+                <a:solidFill>
+                  <a:srgbClr val="0070C0"/>
+                </a:solidFill>
+                <a:latin typeface="Source Code Pro" panose="020B0509030403020204" pitchFamily="49" charset="0"/>
+              </a:rPr>
+              <a:t>query</a:t>
+            </a:r>
+            <a:r>
+              <a:rPr lang="de-AT" b="1" dirty="0">
+                <a:solidFill>
+                  <a:srgbClr val="0070C0"/>
+                </a:solidFill>
+                <a:latin typeface="Source Code Pro" panose="020B0509030403020204" pitchFamily="49" charset="0"/>
+              </a:rPr>
+              <a:t>($</a:t>
+            </a:r>
+            <a:r>
+              <a:rPr lang="de-AT" b="1" dirty="0" err="1">
+                <a:solidFill>
+                  <a:srgbClr val="0070C0"/>
+                </a:solidFill>
+                <a:latin typeface="Source Code Pro" panose="020B0509030403020204" pitchFamily="49" charset="0"/>
+              </a:rPr>
+              <a:t>insert</a:t>
+            </a:r>
+            <a:r>
+              <a:rPr lang="de-AT" b="1" dirty="0">
+                <a:solidFill>
+                  <a:srgbClr val="0070C0"/>
+                </a:solidFill>
+                <a:latin typeface="Source Code Pro" panose="020B0509030403020204" pitchFamily="49" charset="0"/>
+              </a:rPr>
+              <a:t>) </a:t>
+            </a:r>
+            <a:r>
+              <a:rPr lang="de-DE" dirty="0"/>
+              <a:t>führt eine Abfrage mit der SQL-Anweisung INSERT aus. Die Abfrage soll alle Datensätze der betroffenen Tabelle liefern. </a:t>
+            </a:r>
+          </a:p>
+          <a:p>
+            <a:r>
+              <a:rPr lang="de-DE" dirty="0"/>
+              <a:t>In diesem Fall gibt </a:t>
+            </a:r>
+            <a:r>
+              <a:rPr lang="de-DE" b="1" dirty="0" err="1">
+                <a:solidFill>
+                  <a:srgbClr val="0070C0"/>
+                </a:solidFill>
+                <a:latin typeface="Source Code Pro" panose="020B0509030403020204" pitchFamily="49" charset="0"/>
+              </a:rPr>
+              <a:t>query</a:t>
+            </a:r>
+            <a:r>
+              <a:rPr lang="de-DE" dirty="0"/>
+              <a:t> nichts zurück, entweder der </a:t>
+            </a:r>
+            <a:r>
+              <a:rPr lang="de-DE" dirty="0" err="1"/>
+              <a:t>insert</a:t>
+            </a:r>
+            <a:r>
+              <a:rPr lang="de-DE" dirty="0"/>
+              <a:t> funktioniert – oder nicht. Entsprechend müssen wir </a:t>
+            </a:r>
+            <a:r>
+              <a:rPr lang="de-DE" dirty="0" err="1"/>
+              <a:t>output</a:t>
+            </a:r>
+            <a:r>
+              <a:rPr lang="de-DE" dirty="0"/>
+              <a:t> liefern</a:t>
+            </a:r>
+          </a:p>
+        </p:txBody>
+      </p:sp>
+    </p:spTree>
+    <p:extLst>
+      <p:ext uri="{BB962C8B-B14F-4D97-AF65-F5344CB8AC3E}">
+        <p14:creationId xmlns:p14="http://schemas.microsoft.com/office/powerpoint/2010/main" val="2550609903"/>
+      </p:ext>
+    </p:extLst>
+  </p:cSld>
+  <p:clrMapOvr>
+    <a:masterClrMapping/>
+  </p:clrMapOvr>
+</p:sld>
+</file>
+
+<file path=ppt/slides/slide6.xml><?xml version="1.0" encoding="utf-8"?>
+<p:sld xmlns:a="http://schemas.openxmlformats.org/drawingml/2006/main" xmlns:r="http://schemas.openxmlformats.org/officeDocument/2006/relationships" xmlns:p="http://schemas.openxmlformats.org/presentationml/2006/main">
+  <p:cSld>
+    <p:spTree>
+      <p:nvGrpSpPr>
+        <p:cNvPr id="1" name=""/>
+        <p:cNvGrpSpPr/>
+        <p:nvPr/>
+      </p:nvGrpSpPr>
+      <p:grpSpPr>
+        <a:xfrm>
+          <a:off x="0" y="0"/>
+          <a:ext cx="0" cy="0"/>
+          <a:chOff x="0" y="0"/>
+          <a:chExt cx="0" cy="0"/>
+        </a:xfrm>
+      </p:grpSpPr>
+      <p:sp>
+        <p:nvSpPr>
+          <p:cNvPr id="3" name="Titel 2">
+            <a:extLst>
+              <a:ext uri="{FF2B5EF4-FFF2-40B4-BE49-F238E27FC236}">
+                <a16:creationId xmlns:a16="http://schemas.microsoft.com/office/drawing/2014/main" id="{E1F3FF4F-555C-47EB-ABFD-F353D319E8D9}"/>
+              </a:ext>
+            </a:extLst>
+          </p:cNvPr>
+          <p:cNvSpPr>
+            <a:spLocks noGrp="1"/>
+          </p:cNvSpPr>
+          <p:nvPr>
+            <p:ph type="title"/>
+          </p:nvPr>
+        </p:nvSpPr>
+        <p:spPr/>
+        <p:txBody>
+          <a:bodyPr>
+            <a:normAutofit fontScale="90000"/>
+          </a:bodyPr>
+          <a:lstStyle/>
+          <a:p>
+            <a:r>
+              <a:rPr lang="de-AT" dirty="0"/>
+              <a:t>Verbindung aufnehmen,</a:t>
+            </a:r>
+            <a:br>
+              <a:rPr lang="de-AT" dirty="0"/>
+            </a:br>
+            <a:r>
+              <a:rPr lang="de-AT" dirty="0"/>
+              <a:t>Datensätze Updaten</a:t>
+            </a:r>
+          </a:p>
+        </p:txBody>
+      </p:sp>
+      <p:sp>
+        <p:nvSpPr>
+          <p:cNvPr id="4" name="Rechteck 3">
+            <a:extLst>
+              <a:ext uri="{FF2B5EF4-FFF2-40B4-BE49-F238E27FC236}">
+                <a16:creationId xmlns:a16="http://schemas.microsoft.com/office/drawing/2014/main" id="{D70954CD-A7B6-49C4-8793-1B8235114A6E}"/>
+              </a:ext>
+            </a:extLst>
+          </p:cNvPr>
+          <p:cNvSpPr/>
+          <p:nvPr/>
+        </p:nvSpPr>
+        <p:spPr>
+          <a:xfrm>
+            <a:off x="5237826" y="739370"/>
+            <a:ext cx="6672286" cy="5627181"/>
+          </a:xfrm>
+          <a:prstGeom prst="rect">
+            <a:avLst/>
+          </a:prstGeom>
+          <a:solidFill>
+            <a:schemeClr val="tx1">
+              <a:lumMod val="85000"/>
+              <a:lumOff val="15000"/>
+            </a:schemeClr>
+          </a:solidFill>
+        </p:spPr>
+        <p:txBody>
+          <a:bodyPr wrap="square">
+            <a:spAutoFit/>
+          </a:bodyPr>
+          <a:lstStyle/>
+          <a:p>
+            <a:r>
+              <a:rPr lang="de-AT" sz="1200" dirty="0">
+                <a:solidFill>
+                  <a:srgbClr val="808080"/>
+                </a:solidFill>
+                <a:latin typeface="Source Code Pro" panose="020B0509030403020204" pitchFamily="49" charset="0"/>
+              </a:rPr>
+              <a:t>&lt;!</a:t>
+            </a:r>
+            <a:r>
+              <a:rPr lang="de-AT" sz="1200" dirty="0">
+                <a:solidFill>
+                  <a:srgbClr val="569CD6"/>
+                </a:solidFill>
+                <a:latin typeface="Source Code Pro" panose="020B0509030403020204" pitchFamily="49" charset="0"/>
+              </a:rPr>
+              <a:t>DOCTYPE</a:t>
+            </a:r>
+            <a:r>
+              <a:rPr lang="de-AT" sz="1200" dirty="0">
+                <a:solidFill>
+                  <a:srgbClr val="D4D4D4"/>
+                </a:solidFill>
+                <a:latin typeface="Source Code Pro" panose="020B0509030403020204" pitchFamily="49" charset="0"/>
+              </a:rPr>
+              <a:t> </a:t>
+            </a:r>
+            <a:r>
+              <a:rPr lang="de-AT" sz="1200" dirty="0" err="1">
+                <a:solidFill>
+                  <a:srgbClr val="9CDCFE"/>
+                </a:solidFill>
+                <a:latin typeface="Source Code Pro" panose="020B0509030403020204" pitchFamily="49" charset="0"/>
+              </a:rPr>
+              <a:t>html</a:t>
+            </a:r>
+            <a:r>
+              <a:rPr lang="de-AT" sz="1200" dirty="0">
+                <a:solidFill>
+                  <a:srgbClr val="808080"/>
+                </a:solidFill>
+                <a:latin typeface="Source Code Pro" panose="020B0509030403020204" pitchFamily="49" charset="0"/>
+              </a:rPr>
+              <a:t>&gt;&lt;</a:t>
+            </a:r>
+            <a:r>
+              <a:rPr lang="de-AT" sz="1200" dirty="0" err="1">
+                <a:solidFill>
+                  <a:srgbClr val="569CD6"/>
+                </a:solidFill>
+                <a:latin typeface="Source Code Pro" panose="020B0509030403020204" pitchFamily="49" charset="0"/>
+              </a:rPr>
+              <a:t>html</a:t>
+            </a:r>
+            <a:r>
+              <a:rPr lang="de-AT" sz="1200" dirty="0">
+                <a:solidFill>
+                  <a:srgbClr val="808080"/>
+                </a:solidFill>
+                <a:latin typeface="Source Code Pro" panose="020B0509030403020204" pitchFamily="49" charset="0"/>
+              </a:rPr>
+              <a:t>&gt;&lt;</a:t>
+            </a:r>
+            <a:r>
+              <a:rPr lang="de-AT" sz="1200" dirty="0" err="1">
+                <a:solidFill>
+                  <a:srgbClr val="569CD6"/>
+                </a:solidFill>
+                <a:latin typeface="Source Code Pro" panose="020B0509030403020204" pitchFamily="49" charset="0"/>
+              </a:rPr>
+              <a:t>head</a:t>
+            </a:r>
+            <a:r>
+              <a:rPr lang="de-AT" sz="1200" dirty="0">
+                <a:solidFill>
+                  <a:srgbClr val="808080"/>
+                </a:solidFill>
+                <a:latin typeface="Source Code Pro" panose="020B0509030403020204" pitchFamily="49" charset="0"/>
+              </a:rPr>
+              <a:t>&gt;&lt;</a:t>
+            </a:r>
+            <a:r>
+              <a:rPr lang="de-AT" sz="1200" dirty="0" err="1">
+                <a:solidFill>
+                  <a:srgbClr val="569CD6"/>
+                </a:solidFill>
+                <a:latin typeface="Source Code Pro" panose="020B0509030403020204" pitchFamily="49" charset="0"/>
+              </a:rPr>
+              <a:t>meta</a:t>
+            </a:r>
+            <a:r>
+              <a:rPr lang="de-AT" sz="1200" dirty="0">
+                <a:solidFill>
+                  <a:srgbClr val="D4D4D4"/>
+                </a:solidFill>
+                <a:latin typeface="Source Code Pro" panose="020B0509030403020204" pitchFamily="49" charset="0"/>
+              </a:rPr>
+              <a:t> </a:t>
+            </a:r>
+            <a:r>
+              <a:rPr lang="de-AT" sz="1200" dirty="0" err="1">
+                <a:solidFill>
+                  <a:srgbClr val="9CDCFE"/>
+                </a:solidFill>
+                <a:latin typeface="Source Code Pro" panose="020B0509030403020204" pitchFamily="49" charset="0"/>
+              </a:rPr>
+              <a:t>charset</a:t>
+            </a:r>
+            <a:r>
+              <a:rPr lang="de-AT" sz="1200" dirty="0">
+                <a:solidFill>
+                  <a:srgbClr val="D4D4D4"/>
+                </a:solidFill>
+                <a:latin typeface="Source Code Pro" panose="020B0509030403020204" pitchFamily="49" charset="0"/>
+              </a:rPr>
+              <a:t>=</a:t>
+            </a:r>
+            <a:r>
+              <a:rPr lang="de-AT" sz="1200" dirty="0">
+                <a:solidFill>
+                  <a:srgbClr val="CE9178"/>
+                </a:solidFill>
+                <a:latin typeface="Source Code Pro" panose="020B0509030403020204" pitchFamily="49" charset="0"/>
+              </a:rPr>
+              <a:t>"utf-8"</a:t>
+            </a:r>
+            <a:r>
+              <a:rPr lang="de-AT" sz="1200" dirty="0">
+                <a:solidFill>
+                  <a:srgbClr val="808080"/>
+                </a:solidFill>
+                <a:latin typeface="Source Code Pro" panose="020B0509030403020204" pitchFamily="49" charset="0"/>
+              </a:rPr>
+              <a:t>&gt;&lt;/</a:t>
+            </a:r>
+            <a:r>
+              <a:rPr lang="de-AT" sz="1200" dirty="0" err="1">
+                <a:solidFill>
+                  <a:srgbClr val="569CD6"/>
+                </a:solidFill>
+                <a:latin typeface="Source Code Pro" panose="020B0509030403020204" pitchFamily="49" charset="0"/>
+              </a:rPr>
+              <a:t>head</a:t>
+            </a:r>
+            <a:r>
+              <a:rPr lang="de-AT" sz="1200" dirty="0">
+                <a:solidFill>
+                  <a:srgbClr val="808080"/>
+                </a:solidFill>
+                <a:latin typeface="Source Code Pro" panose="020B0509030403020204" pitchFamily="49" charset="0"/>
+              </a:rPr>
+              <a:t>&gt;&lt;</a:t>
+            </a:r>
+            <a:r>
+              <a:rPr lang="de-AT" sz="1200" dirty="0" err="1">
+                <a:solidFill>
+                  <a:srgbClr val="569CD6"/>
+                </a:solidFill>
+                <a:latin typeface="Source Code Pro" panose="020B0509030403020204" pitchFamily="49" charset="0"/>
+              </a:rPr>
+              <a:t>body</a:t>
+            </a:r>
+            <a:r>
+              <a:rPr lang="de-AT" sz="1200" dirty="0">
+                <a:solidFill>
+                  <a:srgbClr val="808080"/>
+                </a:solidFill>
+                <a:latin typeface="Source Code Pro" panose="020B0509030403020204" pitchFamily="49" charset="0"/>
+              </a:rPr>
+              <a:t>&gt;</a:t>
+            </a:r>
+            <a:endParaRPr lang="de-AT" sz="1200" dirty="0">
+              <a:solidFill>
+                <a:srgbClr val="D4D4D4"/>
+              </a:solidFill>
+              <a:latin typeface="Source Code Pro" panose="020B0509030403020204" pitchFamily="49" charset="0"/>
+            </a:endParaRPr>
+          </a:p>
+          <a:p>
+            <a:r>
+              <a:rPr lang="de-AT" sz="1200" dirty="0">
+                <a:solidFill>
+                  <a:srgbClr val="569CD6"/>
+                </a:solidFill>
+                <a:latin typeface="Source Code Pro" panose="020B0509030403020204" pitchFamily="49" charset="0"/>
+              </a:rPr>
+              <a:t>&lt;?</a:t>
+            </a:r>
+            <a:r>
+              <a:rPr lang="de-AT" sz="1200" dirty="0" err="1">
+                <a:solidFill>
+                  <a:srgbClr val="569CD6"/>
+                </a:solidFill>
+                <a:latin typeface="Source Code Pro" panose="020B0509030403020204" pitchFamily="49" charset="0"/>
+              </a:rPr>
+              <a:t>php</a:t>
+            </a:r>
+            <a:endParaRPr lang="de-AT" sz="1200" dirty="0">
+              <a:solidFill>
+                <a:srgbClr val="569CD6"/>
+              </a:solidFill>
+              <a:latin typeface="Source Code Pro" panose="020B0509030403020204" pitchFamily="49" charset="0"/>
+            </a:endParaRPr>
+          </a:p>
+          <a:p>
+            <a:endParaRPr lang="de-AT" sz="1200" dirty="0">
+              <a:solidFill>
+                <a:srgbClr val="D4D4D4"/>
+              </a:solidFill>
+              <a:latin typeface="Source Code Pro" panose="020B0509030403020204" pitchFamily="49" charset="0"/>
+            </a:endParaRPr>
+          </a:p>
+          <a:p>
+            <a:pPr>
+              <a:lnSpc>
+                <a:spcPts val="1425"/>
+              </a:lnSpc>
+              <a:spcAft>
+                <a:spcPts val="800"/>
+              </a:spcAft>
+            </a:pPr>
+            <a:r>
+              <a:rPr lang="de-AT" sz="1200" dirty="0">
+                <a:solidFill>
+                  <a:srgbClr val="D4D4D4"/>
+                </a:solidFill>
+                <a:latin typeface="Source Code Pro" panose="020B0509030403020204" pitchFamily="49" charset="0"/>
+              </a:rPr>
+              <a:t>  </a:t>
+            </a:r>
+            <a:r>
+              <a:rPr lang="en-US" sz="1200" dirty="0">
+                <a:solidFill>
+                  <a:srgbClr val="9CDCFE"/>
+                </a:solidFill>
+                <a:effectLst/>
+                <a:latin typeface="Consolas" panose="020B0609020204030204" pitchFamily="49" charset="0"/>
+                <a:ea typeface="Times New Roman" panose="02020603050405020304" pitchFamily="18" charset="0"/>
+                <a:cs typeface="Times New Roman" panose="02020603050405020304" pitchFamily="18" charset="0"/>
+              </a:rPr>
+              <a:t>$</a:t>
+            </a:r>
+            <a:r>
+              <a:rPr lang="en-US" sz="1200" dirty="0" err="1">
+                <a:solidFill>
+                  <a:srgbClr val="9CDCFE"/>
+                </a:solidFill>
+                <a:effectLst/>
+                <a:latin typeface="Consolas" panose="020B0609020204030204" pitchFamily="49" charset="0"/>
+                <a:ea typeface="Times New Roman" panose="02020603050405020304" pitchFamily="18" charset="0"/>
+                <a:cs typeface="Times New Roman" panose="02020603050405020304" pitchFamily="18" charset="0"/>
+              </a:rPr>
+              <a:t>mysqli</a:t>
+            </a:r>
+            <a:r>
+              <a:rPr lang="en-US" sz="1200" dirty="0">
+                <a:solidFill>
+                  <a:srgbClr val="D4D4D4"/>
+                </a:solidFill>
+                <a:effectLst/>
+                <a:latin typeface="Consolas" panose="020B0609020204030204" pitchFamily="49" charset="0"/>
+                <a:ea typeface="Times New Roman" panose="02020603050405020304" pitchFamily="18" charset="0"/>
+                <a:cs typeface="Times New Roman" panose="02020603050405020304" pitchFamily="18" charset="0"/>
+              </a:rPr>
+              <a:t> = </a:t>
+            </a:r>
+            <a:r>
+              <a:rPr lang="en-US" sz="1200" dirty="0">
+                <a:solidFill>
+                  <a:srgbClr val="569CD6"/>
+                </a:solidFill>
+                <a:effectLst/>
+                <a:latin typeface="Consolas" panose="020B0609020204030204" pitchFamily="49" charset="0"/>
+                <a:ea typeface="Times New Roman" panose="02020603050405020304" pitchFamily="18" charset="0"/>
+                <a:cs typeface="Times New Roman" panose="02020603050405020304" pitchFamily="18" charset="0"/>
+              </a:rPr>
+              <a:t>new</a:t>
+            </a:r>
+            <a:r>
+              <a:rPr lang="en-US" sz="1200" dirty="0">
+                <a:solidFill>
+                  <a:srgbClr val="D4D4D4"/>
+                </a:solidFill>
+                <a:effectLst/>
+                <a:latin typeface="Consolas" panose="020B0609020204030204" pitchFamily="49" charset="0"/>
+                <a:ea typeface="Times New Roman" panose="02020603050405020304" pitchFamily="18" charset="0"/>
+                <a:cs typeface="Times New Roman" panose="02020603050405020304" pitchFamily="18" charset="0"/>
+              </a:rPr>
+              <a:t> </a:t>
+            </a:r>
+            <a:r>
+              <a:rPr lang="en-US" sz="1200" dirty="0" err="1">
+                <a:solidFill>
+                  <a:srgbClr val="4EC9B0"/>
+                </a:solidFill>
+                <a:effectLst/>
+                <a:latin typeface="Consolas" panose="020B0609020204030204" pitchFamily="49" charset="0"/>
+                <a:ea typeface="Times New Roman" panose="02020603050405020304" pitchFamily="18" charset="0"/>
+                <a:cs typeface="Times New Roman" panose="02020603050405020304" pitchFamily="18" charset="0"/>
+              </a:rPr>
+              <a:t>mysqli</a:t>
+            </a:r>
+            <a:r>
+              <a:rPr lang="en-US" sz="1200" dirty="0">
+                <a:solidFill>
+                  <a:srgbClr val="D4D4D4"/>
+                </a:solidFill>
+                <a:effectLst/>
+                <a:latin typeface="Consolas" panose="020B0609020204030204" pitchFamily="49" charset="0"/>
+                <a:ea typeface="Times New Roman" panose="02020603050405020304" pitchFamily="18" charset="0"/>
+                <a:cs typeface="Times New Roman" panose="02020603050405020304" pitchFamily="18" charset="0"/>
+              </a:rPr>
+              <a:t> (</a:t>
+            </a:r>
+            <a:r>
+              <a:rPr lang="en-US" sz="1200" dirty="0">
+                <a:solidFill>
+                  <a:srgbClr val="CE9178"/>
+                </a:solidFill>
+                <a:effectLst/>
+                <a:latin typeface="Consolas" panose="020B0609020204030204" pitchFamily="49" charset="0"/>
+                <a:ea typeface="Times New Roman" panose="02020603050405020304" pitchFamily="18" charset="0"/>
+                <a:cs typeface="Times New Roman" panose="02020603050405020304" pitchFamily="18" charset="0"/>
+              </a:rPr>
+              <a:t>"localhost"</a:t>
+            </a:r>
+            <a:r>
+              <a:rPr lang="en-US" sz="1200" dirty="0">
+                <a:solidFill>
+                  <a:srgbClr val="D4D4D4"/>
+                </a:solidFill>
+                <a:effectLst/>
+                <a:latin typeface="Consolas" panose="020B0609020204030204" pitchFamily="49" charset="0"/>
+                <a:ea typeface="Times New Roman" panose="02020603050405020304" pitchFamily="18" charset="0"/>
+                <a:cs typeface="Times New Roman" panose="02020603050405020304" pitchFamily="18" charset="0"/>
+              </a:rPr>
+              <a:t>, </a:t>
+            </a:r>
+            <a:r>
+              <a:rPr lang="en-US" sz="1200" dirty="0">
+                <a:solidFill>
+                  <a:srgbClr val="CE9178"/>
+                </a:solidFill>
+                <a:effectLst/>
+                <a:latin typeface="Consolas" panose="020B0609020204030204" pitchFamily="49" charset="0"/>
+                <a:ea typeface="Times New Roman" panose="02020603050405020304" pitchFamily="18" charset="0"/>
+                <a:cs typeface="Times New Roman" panose="02020603050405020304" pitchFamily="18" charset="0"/>
+              </a:rPr>
+              <a:t>"root"</a:t>
+            </a:r>
+            <a:r>
+              <a:rPr lang="en-US" sz="1200" dirty="0">
+                <a:solidFill>
+                  <a:srgbClr val="D4D4D4"/>
+                </a:solidFill>
+                <a:effectLst/>
+                <a:latin typeface="Consolas" panose="020B0609020204030204" pitchFamily="49" charset="0"/>
+                <a:ea typeface="Times New Roman" panose="02020603050405020304" pitchFamily="18" charset="0"/>
+                <a:cs typeface="Times New Roman" panose="02020603050405020304" pitchFamily="18" charset="0"/>
+              </a:rPr>
+              <a:t>, </a:t>
+            </a:r>
+            <a:r>
+              <a:rPr lang="en-US" sz="1200" dirty="0">
+                <a:solidFill>
+                  <a:srgbClr val="CE9178"/>
+                </a:solidFill>
+                <a:effectLst/>
+                <a:latin typeface="Consolas" panose="020B0609020204030204" pitchFamily="49" charset="0"/>
+                <a:ea typeface="Times New Roman" panose="02020603050405020304" pitchFamily="18" charset="0"/>
+                <a:cs typeface="Times New Roman" panose="02020603050405020304" pitchFamily="18" charset="0"/>
+              </a:rPr>
+              <a:t>""</a:t>
+            </a:r>
+            <a:r>
+              <a:rPr lang="en-US" sz="1200" dirty="0">
+                <a:solidFill>
+                  <a:srgbClr val="D4D4D4"/>
+                </a:solidFill>
+                <a:effectLst/>
+                <a:latin typeface="Consolas" panose="020B0609020204030204" pitchFamily="49" charset="0"/>
+                <a:ea typeface="Times New Roman" panose="02020603050405020304" pitchFamily="18" charset="0"/>
+                <a:cs typeface="Times New Roman" panose="02020603050405020304" pitchFamily="18" charset="0"/>
+              </a:rPr>
+              <a:t>, </a:t>
+            </a:r>
+            <a:r>
+              <a:rPr lang="en-US" sz="1200" dirty="0">
+                <a:solidFill>
+                  <a:srgbClr val="CE9178"/>
+                </a:solidFill>
+                <a:effectLst/>
+                <a:latin typeface="Consolas" panose="020B0609020204030204" pitchFamily="49" charset="0"/>
+                <a:ea typeface="Times New Roman" panose="02020603050405020304" pitchFamily="18" charset="0"/>
+                <a:cs typeface="Times New Roman" panose="02020603050405020304" pitchFamily="18" charset="0"/>
+              </a:rPr>
+              <a:t>"user"</a:t>
+            </a:r>
+            <a:r>
+              <a:rPr lang="en-US" sz="1200" dirty="0">
+                <a:solidFill>
+                  <a:srgbClr val="D4D4D4"/>
+                </a:solidFill>
+                <a:effectLst/>
+                <a:latin typeface="Consolas" panose="020B0609020204030204" pitchFamily="49" charset="0"/>
+                <a:ea typeface="Times New Roman" panose="02020603050405020304" pitchFamily="18" charset="0"/>
+                <a:cs typeface="Times New Roman" panose="02020603050405020304" pitchFamily="18" charset="0"/>
+              </a:rPr>
+              <a:t>);</a:t>
+            </a:r>
+            <a:endParaRPr lang="de-AT" sz="1200" dirty="0">
+              <a:effectLst/>
+              <a:latin typeface="Calibri" panose="020F0502020204030204" pitchFamily="34" charset="0"/>
+              <a:ea typeface="Calibri" panose="020F0502020204030204" pitchFamily="34" charset="0"/>
+              <a:cs typeface="Times New Roman" panose="02020603050405020304" pitchFamily="18" charset="0"/>
+            </a:endParaRPr>
+          </a:p>
+          <a:p>
+            <a:pPr>
+              <a:lnSpc>
+                <a:spcPts val="1425"/>
+              </a:lnSpc>
+              <a:spcAft>
+                <a:spcPts val="800"/>
+              </a:spcAft>
+            </a:pPr>
+            <a:r>
+              <a:rPr lang="en-US" sz="1200" dirty="0">
+                <a:solidFill>
+                  <a:srgbClr val="D4D4D4"/>
+                </a:solidFill>
+                <a:effectLst/>
+                <a:latin typeface="Consolas" panose="020B0609020204030204" pitchFamily="49" charset="0"/>
+                <a:ea typeface="Times New Roman" panose="02020603050405020304" pitchFamily="18" charset="0"/>
+                <a:cs typeface="Times New Roman" panose="02020603050405020304" pitchFamily="18" charset="0"/>
+              </a:rPr>
+              <a:t>   </a:t>
+            </a:r>
+            <a:r>
+              <a:rPr lang="en-US" sz="1200" dirty="0">
+                <a:solidFill>
+                  <a:srgbClr val="C586C0"/>
+                </a:solidFill>
+                <a:effectLst/>
+                <a:latin typeface="Consolas" panose="020B0609020204030204" pitchFamily="49" charset="0"/>
+                <a:ea typeface="Times New Roman" panose="02020603050405020304" pitchFamily="18" charset="0"/>
+                <a:cs typeface="Times New Roman" panose="02020603050405020304" pitchFamily="18" charset="0"/>
+              </a:rPr>
+              <a:t>if</a:t>
+            </a:r>
+            <a:r>
+              <a:rPr lang="en-US" sz="1200" dirty="0">
+                <a:solidFill>
+                  <a:srgbClr val="D4D4D4"/>
+                </a:solidFill>
+                <a:effectLst/>
+                <a:latin typeface="Consolas" panose="020B0609020204030204" pitchFamily="49" charset="0"/>
+                <a:ea typeface="Times New Roman" panose="02020603050405020304" pitchFamily="18" charset="0"/>
+                <a:cs typeface="Times New Roman" panose="02020603050405020304" pitchFamily="18" charset="0"/>
+              </a:rPr>
+              <a:t>(</a:t>
+            </a:r>
+            <a:r>
+              <a:rPr lang="en-US" sz="1200" dirty="0">
+                <a:solidFill>
+                  <a:srgbClr val="9CDCFE"/>
+                </a:solidFill>
+                <a:effectLst/>
+                <a:latin typeface="Consolas" panose="020B0609020204030204" pitchFamily="49" charset="0"/>
+                <a:ea typeface="Times New Roman" panose="02020603050405020304" pitchFamily="18" charset="0"/>
+                <a:cs typeface="Times New Roman" panose="02020603050405020304" pitchFamily="18" charset="0"/>
+              </a:rPr>
+              <a:t>$</a:t>
+            </a:r>
+            <a:r>
+              <a:rPr lang="en-US" sz="1200" dirty="0" err="1">
+                <a:solidFill>
+                  <a:srgbClr val="9CDCFE"/>
+                </a:solidFill>
+                <a:effectLst/>
+                <a:latin typeface="Consolas" panose="020B0609020204030204" pitchFamily="49" charset="0"/>
+                <a:ea typeface="Times New Roman" panose="02020603050405020304" pitchFamily="18" charset="0"/>
+                <a:cs typeface="Times New Roman" panose="02020603050405020304" pitchFamily="18" charset="0"/>
+              </a:rPr>
+              <a:t>mysqli</a:t>
+            </a:r>
+            <a:r>
+              <a:rPr lang="en-US" sz="1200" dirty="0">
+                <a:solidFill>
+                  <a:srgbClr val="D4D4D4"/>
+                </a:solidFill>
+                <a:effectLst/>
+                <a:latin typeface="Consolas" panose="020B0609020204030204" pitchFamily="49" charset="0"/>
+                <a:ea typeface="Times New Roman" panose="02020603050405020304" pitchFamily="18" charset="0"/>
+                <a:cs typeface="Times New Roman" panose="02020603050405020304" pitchFamily="18" charset="0"/>
+              </a:rPr>
+              <a:t>-&gt;</a:t>
+            </a:r>
+            <a:r>
+              <a:rPr lang="en-US" sz="1200" dirty="0" err="1">
+                <a:solidFill>
+                  <a:srgbClr val="9CDCFE"/>
+                </a:solidFill>
+                <a:effectLst/>
+                <a:latin typeface="Consolas" panose="020B0609020204030204" pitchFamily="49" charset="0"/>
+                <a:ea typeface="Times New Roman" panose="02020603050405020304" pitchFamily="18" charset="0"/>
+                <a:cs typeface="Times New Roman" panose="02020603050405020304" pitchFamily="18" charset="0"/>
+              </a:rPr>
+              <a:t>connect_errno</a:t>
+            </a:r>
+            <a:r>
+              <a:rPr lang="en-US" sz="1200" dirty="0">
+                <a:solidFill>
+                  <a:srgbClr val="D4D4D4"/>
+                </a:solidFill>
+                <a:effectLst/>
+                <a:latin typeface="Consolas" panose="020B0609020204030204" pitchFamily="49" charset="0"/>
+                <a:ea typeface="Times New Roman" panose="02020603050405020304" pitchFamily="18" charset="0"/>
+                <a:cs typeface="Times New Roman" panose="02020603050405020304" pitchFamily="18" charset="0"/>
+              </a:rPr>
+              <a:t>) {</a:t>
+            </a:r>
+            <a:endParaRPr lang="de-AT" sz="1200" dirty="0">
+              <a:effectLst/>
+              <a:latin typeface="Calibri" panose="020F0502020204030204" pitchFamily="34" charset="0"/>
+              <a:ea typeface="Calibri" panose="020F0502020204030204" pitchFamily="34" charset="0"/>
+              <a:cs typeface="Times New Roman" panose="02020603050405020304" pitchFamily="18" charset="0"/>
+            </a:endParaRPr>
+          </a:p>
+          <a:p>
+            <a:pPr>
+              <a:lnSpc>
+                <a:spcPts val="1425"/>
+              </a:lnSpc>
+              <a:spcAft>
+                <a:spcPts val="800"/>
+              </a:spcAft>
+            </a:pPr>
+            <a:r>
+              <a:rPr lang="en-US" sz="1200" dirty="0">
+                <a:solidFill>
+                  <a:srgbClr val="D4D4D4"/>
+                </a:solidFill>
+                <a:effectLst/>
+                <a:latin typeface="Consolas" panose="020B0609020204030204" pitchFamily="49" charset="0"/>
+                <a:ea typeface="Times New Roman" panose="02020603050405020304" pitchFamily="18" charset="0"/>
+                <a:cs typeface="Times New Roman" panose="02020603050405020304" pitchFamily="18" charset="0"/>
+              </a:rPr>
+              <a:t>        </a:t>
+            </a:r>
+            <a:r>
+              <a:rPr lang="en-US" sz="1200" dirty="0" err="1">
+                <a:solidFill>
+                  <a:srgbClr val="DCDCAA"/>
+                </a:solidFill>
+                <a:effectLst/>
+                <a:latin typeface="Consolas" panose="020B0609020204030204" pitchFamily="49" charset="0"/>
+                <a:ea typeface="Times New Roman" panose="02020603050405020304" pitchFamily="18" charset="0"/>
+                <a:cs typeface="Times New Roman" panose="02020603050405020304" pitchFamily="18" charset="0"/>
+              </a:rPr>
+              <a:t>printf</a:t>
+            </a:r>
+            <a:r>
+              <a:rPr lang="en-US" sz="1200" dirty="0">
+                <a:solidFill>
+                  <a:srgbClr val="D4D4D4"/>
+                </a:solidFill>
+                <a:effectLst/>
+                <a:latin typeface="Consolas" panose="020B0609020204030204" pitchFamily="49" charset="0"/>
+                <a:ea typeface="Times New Roman" panose="02020603050405020304" pitchFamily="18" charset="0"/>
+                <a:cs typeface="Times New Roman" panose="02020603050405020304" pitchFamily="18" charset="0"/>
+              </a:rPr>
+              <a:t>(</a:t>
+            </a:r>
+            <a:r>
+              <a:rPr lang="en-US" sz="1200" dirty="0">
+                <a:solidFill>
+                  <a:srgbClr val="CE9178"/>
+                </a:solidFill>
+                <a:effectLst/>
+                <a:latin typeface="Consolas" panose="020B0609020204030204" pitchFamily="49" charset="0"/>
+                <a:ea typeface="Times New Roman" panose="02020603050405020304" pitchFamily="18" charset="0"/>
+                <a:cs typeface="Times New Roman" panose="02020603050405020304" pitchFamily="18" charset="0"/>
+              </a:rPr>
+              <a:t>"Connection failed : %s</a:t>
+            </a:r>
+            <a:r>
+              <a:rPr lang="en-US" sz="1200" dirty="0">
+                <a:solidFill>
+                  <a:srgbClr val="D7BA7D"/>
+                </a:solidFill>
+                <a:effectLst/>
+                <a:latin typeface="Consolas" panose="020B0609020204030204" pitchFamily="49" charset="0"/>
+                <a:ea typeface="Times New Roman" panose="02020603050405020304" pitchFamily="18" charset="0"/>
+                <a:cs typeface="Times New Roman" panose="02020603050405020304" pitchFamily="18" charset="0"/>
+              </a:rPr>
+              <a:t>\n</a:t>
+            </a:r>
+            <a:r>
+              <a:rPr lang="en-US" sz="1200" dirty="0">
+                <a:solidFill>
+                  <a:srgbClr val="CE9178"/>
+                </a:solidFill>
+                <a:effectLst/>
+                <a:latin typeface="Consolas" panose="020B0609020204030204" pitchFamily="49" charset="0"/>
+                <a:ea typeface="Times New Roman" panose="02020603050405020304" pitchFamily="18" charset="0"/>
+                <a:cs typeface="Times New Roman" panose="02020603050405020304" pitchFamily="18" charset="0"/>
+              </a:rPr>
+              <a:t>"</a:t>
+            </a:r>
+            <a:r>
+              <a:rPr lang="en-US" sz="1200" dirty="0">
+                <a:solidFill>
+                  <a:srgbClr val="D4D4D4"/>
+                </a:solidFill>
+                <a:effectLst/>
+                <a:latin typeface="Consolas" panose="020B0609020204030204" pitchFamily="49" charset="0"/>
+                <a:ea typeface="Times New Roman" panose="02020603050405020304" pitchFamily="18" charset="0"/>
+                <a:cs typeface="Times New Roman" panose="02020603050405020304" pitchFamily="18" charset="0"/>
+              </a:rPr>
+              <a:t>, </a:t>
+            </a:r>
+            <a:r>
+              <a:rPr lang="en-US" sz="1200" dirty="0">
+                <a:solidFill>
+                  <a:srgbClr val="9CDCFE"/>
+                </a:solidFill>
+                <a:effectLst/>
+                <a:latin typeface="Consolas" panose="020B0609020204030204" pitchFamily="49" charset="0"/>
+                <a:ea typeface="Times New Roman" panose="02020603050405020304" pitchFamily="18" charset="0"/>
+                <a:cs typeface="Times New Roman" panose="02020603050405020304" pitchFamily="18" charset="0"/>
+              </a:rPr>
+              <a:t>$</a:t>
+            </a:r>
+            <a:r>
+              <a:rPr lang="en-US" sz="1200" dirty="0" err="1">
+                <a:solidFill>
+                  <a:srgbClr val="9CDCFE"/>
+                </a:solidFill>
+                <a:effectLst/>
+                <a:latin typeface="Consolas" panose="020B0609020204030204" pitchFamily="49" charset="0"/>
+                <a:ea typeface="Times New Roman" panose="02020603050405020304" pitchFamily="18" charset="0"/>
+                <a:cs typeface="Times New Roman" panose="02020603050405020304" pitchFamily="18" charset="0"/>
+              </a:rPr>
+              <a:t>mysqli</a:t>
+            </a:r>
+            <a:r>
+              <a:rPr lang="en-US" sz="1200" dirty="0">
+                <a:solidFill>
+                  <a:srgbClr val="D4D4D4"/>
+                </a:solidFill>
+                <a:effectLst/>
+                <a:latin typeface="Consolas" panose="020B0609020204030204" pitchFamily="49" charset="0"/>
+                <a:ea typeface="Times New Roman" panose="02020603050405020304" pitchFamily="18" charset="0"/>
+                <a:cs typeface="Times New Roman" panose="02020603050405020304" pitchFamily="18" charset="0"/>
+              </a:rPr>
+              <a:t>-&gt;</a:t>
+            </a:r>
+            <a:r>
+              <a:rPr lang="en-US" sz="1200" dirty="0" err="1">
+                <a:solidFill>
+                  <a:srgbClr val="9CDCFE"/>
+                </a:solidFill>
+                <a:effectLst/>
+                <a:latin typeface="Consolas" panose="020B0609020204030204" pitchFamily="49" charset="0"/>
+                <a:ea typeface="Times New Roman" panose="02020603050405020304" pitchFamily="18" charset="0"/>
+                <a:cs typeface="Times New Roman" panose="02020603050405020304" pitchFamily="18" charset="0"/>
+              </a:rPr>
+              <a:t>connect_error</a:t>
+            </a:r>
+            <a:r>
+              <a:rPr lang="en-US" sz="1200" dirty="0">
+                <a:solidFill>
+                  <a:srgbClr val="D4D4D4"/>
+                </a:solidFill>
+                <a:effectLst/>
+                <a:latin typeface="Consolas" panose="020B0609020204030204" pitchFamily="49" charset="0"/>
+                <a:ea typeface="Times New Roman" panose="02020603050405020304" pitchFamily="18" charset="0"/>
+                <a:cs typeface="Times New Roman" panose="02020603050405020304" pitchFamily="18" charset="0"/>
+              </a:rPr>
+              <a:t>);</a:t>
+            </a:r>
+            <a:endParaRPr lang="de-AT" sz="1200" dirty="0">
+              <a:effectLst/>
+              <a:latin typeface="Calibri" panose="020F0502020204030204" pitchFamily="34" charset="0"/>
+              <a:ea typeface="Calibri" panose="020F0502020204030204" pitchFamily="34" charset="0"/>
+              <a:cs typeface="Times New Roman" panose="02020603050405020304" pitchFamily="18" charset="0"/>
+            </a:endParaRPr>
+          </a:p>
+          <a:p>
+            <a:pPr>
+              <a:lnSpc>
+                <a:spcPts val="1425"/>
+              </a:lnSpc>
+              <a:spcAft>
+                <a:spcPts val="800"/>
+              </a:spcAft>
+            </a:pPr>
+            <a:r>
+              <a:rPr lang="en-US" sz="1200" dirty="0">
+                <a:solidFill>
+                  <a:srgbClr val="D4D4D4"/>
+                </a:solidFill>
+                <a:effectLst/>
+                <a:latin typeface="Consolas" panose="020B0609020204030204" pitchFamily="49" charset="0"/>
+                <a:ea typeface="Times New Roman" panose="02020603050405020304" pitchFamily="18" charset="0"/>
+                <a:cs typeface="Times New Roman" panose="02020603050405020304" pitchFamily="18" charset="0"/>
+              </a:rPr>
+              <a:t>        </a:t>
+            </a:r>
+            <a:r>
+              <a:rPr lang="en-US" sz="1200" dirty="0">
+                <a:solidFill>
+                  <a:srgbClr val="C586C0"/>
+                </a:solidFill>
+                <a:effectLst/>
+                <a:latin typeface="Consolas" panose="020B0609020204030204" pitchFamily="49" charset="0"/>
+                <a:ea typeface="Times New Roman" panose="02020603050405020304" pitchFamily="18" charset="0"/>
+                <a:cs typeface="Times New Roman" panose="02020603050405020304" pitchFamily="18" charset="0"/>
+              </a:rPr>
+              <a:t>exit</a:t>
+            </a:r>
+            <a:r>
+              <a:rPr lang="en-US" sz="1200" dirty="0">
+                <a:solidFill>
+                  <a:srgbClr val="D4D4D4"/>
+                </a:solidFill>
+                <a:effectLst/>
+                <a:latin typeface="Consolas" panose="020B0609020204030204" pitchFamily="49" charset="0"/>
+                <a:ea typeface="Times New Roman" panose="02020603050405020304" pitchFamily="18" charset="0"/>
+                <a:cs typeface="Times New Roman" panose="02020603050405020304" pitchFamily="18" charset="0"/>
+              </a:rPr>
+              <a:t>();</a:t>
+            </a:r>
+            <a:endParaRPr lang="de-AT" sz="1200" dirty="0">
+              <a:effectLst/>
+              <a:latin typeface="Calibri" panose="020F0502020204030204" pitchFamily="34" charset="0"/>
+              <a:ea typeface="Calibri" panose="020F0502020204030204" pitchFamily="34" charset="0"/>
+              <a:cs typeface="Times New Roman" panose="02020603050405020304" pitchFamily="18" charset="0"/>
+            </a:endParaRPr>
+          </a:p>
+          <a:p>
+            <a:pPr>
+              <a:lnSpc>
+                <a:spcPts val="1425"/>
+              </a:lnSpc>
+              <a:spcAft>
+                <a:spcPts val="800"/>
+              </a:spcAft>
+            </a:pPr>
+            <a:r>
+              <a:rPr lang="en-US" sz="1200" dirty="0">
+                <a:solidFill>
+                  <a:srgbClr val="D4D4D4"/>
+                </a:solidFill>
+                <a:effectLst/>
+                <a:latin typeface="Consolas" panose="020B0609020204030204" pitchFamily="49" charset="0"/>
+                <a:ea typeface="Times New Roman" panose="02020603050405020304" pitchFamily="18" charset="0"/>
+                <a:cs typeface="Times New Roman" panose="02020603050405020304" pitchFamily="18" charset="0"/>
+              </a:rPr>
+              <a:t>    }</a:t>
+            </a:r>
+            <a:endParaRPr lang="de-AT" sz="1200" dirty="0">
+              <a:effectLst/>
+              <a:latin typeface="Calibri" panose="020F0502020204030204" pitchFamily="34" charset="0"/>
+              <a:ea typeface="Calibri" panose="020F0502020204030204" pitchFamily="34" charset="0"/>
+              <a:cs typeface="Times New Roman" panose="02020603050405020304" pitchFamily="18" charset="0"/>
+            </a:endParaRPr>
+          </a:p>
+          <a:p>
+            <a:pPr>
+              <a:lnSpc>
+                <a:spcPts val="1425"/>
+              </a:lnSpc>
+              <a:spcAft>
+                <a:spcPts val="800"/>
+              </a:spcAft>
+            </a:pPr>
+            <a:r>
+              <a:rPr lang="en-US" sz="1200" dirty="0">
+                <a:solidFill>
+                  <a:srgbClr val="D4D4D4"/>
+                </a:solidFill>
+                <a:effectLst/>
+                <a:latin typeface="Consolas" panose="020B0609020204030204" pitchFamily="49" charset="0"/>
+                <a:ea typeface="Times New Roman" panose="02020603050405020304" pitchFamily="18" charset="0"/>
+                <a:cs typeface="Times New Roman" panose="02020603050405020304" pitchFamily="18" charset="0"/>
+              </a:rPr>
+              <a:t>    </a:t>
+            </a:r>
+            <a:r>
+              <a:rPr lang="en-US" sz="1200" dirty="0">
+                <a:solidFill>
+                  <a:srgbClr val="9CDCFE"/>
+                </a:solidFill>
+                <a:effectLst/>
+                <a:latin typeface="Consolas" panose="020B0609020204030204" pitchFamily="49" charset="0"/>
+                <a:ea typeface="Times New Roman" panose="02020603050405020304" pitchFamily="18" charset="0"/>
+                <a:cs typeface="Times New Roman" panose="02020603050405020304" pitchFamily="18" charset="0"/>
+              </a:rPr>
+              <a:t>$update</a:t>
+            </a:r>
+            <a:r>
+              <a:rPr lang="en-US" sz="1200" dirty="0">
+                <a:solidFill>
+                  <a:srgbClr val="D4D4D4"/>
+                </a:solidFill>
+                <a:effectLst/>
+                <a:latin typeface="Consolas" panose="020B0609020204030204" pitchFamily="49" charset="0"/>
+                <a:ea typeface="Times New Roman" panose="02020603050405020304" pitchFamily="18" charset="0"/>
+                <a:cs typeface="Times New Roman" panose="02020603050405020304" pitchFamily="18" charset="0"/>
+              </a:rPr>
+              <a:t> = </a:t>
+            </a:r>
+            <a:r>
+              <a:rPr lang="en-US" sz="1200" dirty="0">
+                <a:solidFill>
+                  <a:srgbClr val="CE9178"/>
+                </a:solidFill>
+                <a:effectLst/>
+                <a:latin typeface="Consolas" panose="020B0609020204030204" pitchFamily="49" charset="0"/>
+                <a:ea typeface="Times New Roman" panose="02020603050405020304" pitchFamily="18" charset="0"/>
+                <a:cs typeface="Times New Roman" panose="02020603050405020304" pitchFamily="18" charset="0"/>
+              </a:rPr>
+              <a:t>"</a:t>
+            </a:r>
+            <a:r>
+              <a:rPr lang="en-US" sz="1200" dirty="0">
+                <a:solidFill>
+                  <a:srgbClr val="569CD6"/>
+                </a:solidFill>
+                <a:effectLst/>
+                <a:latin typeface="Consolas" panose="020B0609020204030204" pitchFamily="49" charset="0"/>
+                <a:ea typeface="Times New Roman" panose="02020603050405020304" pitchFamily="18" charset="0"/>
+                <a:cs typeface="Times New Roman" panose="02020603050405020304" pitchFamily="18" charset="0"/>
+              </a:rPr>
+              <a:t>UPDATE</a:t>
+            </a:r>
+            <a:r>
+              <a:rPr lang="en-US" sz="1200" dirty="0">
+                <a:solidFill>
+                  <a:srgbClr val="CE9178"/>
+                </a:solidFill>
+                <a:effectLst/>
+                <a:latin typeface="Consolas" panose="020B0609020204030204" pitchFamily="49" charset="0"/>
+                <a:ea typeface="Times New Roman" panose="02020603050405020304" pitchFamily="18" charset="0"/>
+                <a:cs typeface="Times New Roman" panose="02020603050405020304" pitchFamily="18" charset="0"/>
+              </a:rPr>
+              <a:t> user </a:t>
+            </a:r>
+            <a:r>
+              <a:rPr lang="en-US" sz="1200" dirty="0">
+                <a:solidFill>
+                  <a:srgbClr val="569CD6"/>
+                </a:solidFill>
+                <a:effectLst/>
+                <a:latin typeface="Consolas" panose="020B0609020204030204" pitchFamily="49" charset="0"/>
+                <a:ea typeface="Times New Roman" panose="02020603050405020304" pitchFamily="18" charset="0"/>
+                <a:cs typeface="Times New Roman" panose="02020603050405020304" pitchFamily="18" charset="0"/>
+              </a:rPr>
+              <a:t>SET</a:t>
+            </a:r>
+            <a:r>
+              <a:rPr lang="en-US" sz="1200" dirty="0">
+                <a:solidFill>
+                  <a:srgbClr val="CE9178"/>
+                </a:solidFill>
+                <a:effectLst/>
+                <a:latin typeface="Consolas" panose="020B0609020204030204" pitchFamily="49" charset="0"/>
+                <a:ea typeface="Times New Roman" panose="02020603050405020304" pitchFamily="18" charset="0"/>
+                <a:cs typeface="Times New Roman" panose="02020603050405020304" pitchFamily="18" charset="0"/>
+              </a:rPr>
+              <a:t> color</a:t>
+            </a:r>
+            <a:r>
+              <a:rPr lang="en-US" sz="1200" dirty="0">
+                <a:solidFill>
+                  <a:srgbClr val="D4D4D4"/>
+                </a:solidFill>
+                <a:effectLst/>
+                <a:latin typeface="Consolas" panose="020B0609020204030204" pitchFamily="49" charset="0"/>
+                <a:ea typeface="Times New Roman" panose="02020603050405020304" pitchFamily="18" charset="0"/>
+                <a:cs typeface="Times New Roman" panose="02020603050405020304" pitchFamily="18" charset="0"/>
+              </a:rPr>
+              <a:t>=</a:t>
+            </a:r>
+            <a:r>
+              <a:rPr lang="en-US" sz="1200" dirty="0">
+                <a:solidFill>
+                  <a:srgbClr val="CE9178"/>
+                </a:solidFill>
+                <a:effectLst/>
+                <a:latin typeface="Consolas" panose="020B0609020204030204" pitchFamily="49" charset="0"/>
+                <a:ea typeface="Times New Roman" panose="02020603050405020304" pitchFamily="18" charset="0"/>
+                <a:cs typeface="Times New Roman" panose="02020603050405020304" pitchFamily="18" charset="0"/>
+              </a:rPr>
+              <a:t>'" . </a:t>
+            </a:r>
+            <a:r>
+              <a:rPr lang="en-US" sz="1200" dirty="0">
+                <a:solidFill>
+                  <a:srgbClr val="9CDCFE"/>
+                </a:solidFill>
+                <a:effectLst/>
+                <a:latin typeface="Consolas" panose="020B0609020204030204" pitchFamily="49" charset="0"/>
+                <a:ea typeface="Times New Roman" panose="02020603050405020304" pitchFamily="18" charset="0"/>
+                <a:cs typeface="Times New Roman" panose="02020603050405020304" pitchFamily="18" charset="0"/>
+              </a:rPr>
+              <a:t>$_POST</a:t>
+            </a:r>
+            <a:r>
+              <a:rPr lang="en-US" sz="1200" dirty="0">
+                <a:solidFill>
+                  <a:srgbClr val="CE9178"/>
+                </a:solidFill>
+                <a:effectLst/>
+                <a:latin typeface="Consolas" panose="020B0609020204030204" pitchFamily="49" charset="0"/>
+                <a:ea typeface="Times New Roman" panose="02020603050405020304" pitchFamily="18" charset="0"/>
+                <a:cs typeface="Times New Roman" panose="02020603050405020304" pitchFamily="18" charset="0"/>
+              </a:rPr>
+              <a:t>['color'] . "'"</a:t>
+            </a:r>
+            <a:r>
+              <a:rPr lang="en-US" sz="1200" dirty="0">
+                <a:solidFill>
+                  <a:srgbClr val="D4D4D4"/>
+                </a:solidFill>
+                <a:effectLst/>
+                <a:latin typeface="Consolas" panose="020B0609020204030204" pitchFamily="49" charset="0"/>
+                <a:ea typeface="Times New Roman" panose="02020603050405020304" pitchFamily="18" charset="0"/>
+                <a:cs typeface="Times New Roman" panose="02020603050405020304" pitchFamily="18" charset="0"/>
+              </a:rPr>
+              <a:t> .</a:t>
+            </a:r>
+            <a:endParaRPr lang="de-AT" sz="1200" dirty="0">
+              <a:effectLst/>
+              <a:latin typeface="Calibri" panose="020F0502020204030204" pitchFamily="34" charset="0"/>
+              <a:ea typeface="Calibri" panose="020F0502020204030204" pitchFamily="34" charset="0"/>
+              <a:cs typeface="Times New Roman" panose="02020603050405020304" pitchFamily="18" charset="0"/>
+            </a:endParaRPr>
+          </a:p>
+          <a:p>
+            <a:pPr>
+              <a:lnSpc>
+                <a:spcPts val="1425"/>
+              </a:lnSpc>
+              <a:spcAft>
+                <a:spcPts val="800"/>
+              </a:spcAft>
+            </a:pPr>
+            <a:r>
+              <a:rPr lang="en-US" sz="1200" dirty="0">
+                <a:solidFill>
+                  <a:srgbClr val="D4D4D4"/>
+                </a:solidFill>
+                <a:effectLst/>
+                <a:latin typeface="Consolas" panose="020B0609020204030204" pitchFamily="49" charset="0"/>
+                <a:ea typeface="Times New Roman" panose="02020603050405020304" pitchFamily="18" charset="0"/>
+                <a:cs typeface="Times New Roman" panose="02020603050405020304" pitchFamily="18" charset="0"/>
+              </a:rPr>
+              <a:t>                </a:t>
+            </a:r>
+            <a:r>
+              <a:rPr lang="en-US" sz="1200" dirty="0">
+                <a:solidFill>
+                  <a:srgbClr val="CE9178"/>
+                </a:solidFill>
+                <a:effectLst/>
+                <a:latin typeface="Consolas" panose="020B0609020204030204" pitchFamily="49" charset="0"/>
+                <a:ea typeface="Times New Roman" panose="02020603050405020304" pitchFamily="18" charset="0"/>
+                <a:cs typeface="Times New Roman" panose="02020603050405020304" pitchFamily="18" charset="0"/>
+              </a:rPr>
+              <a:t>" WHERE username='"</a:t>
+            </a:r>
+            <a:r>
+              <a:rPr lang="en-US" sz="1200" dirty="0">
+                <a:solidFill>
+                  <a:srgbClr val="D4D4D4"/>
+                </a:solidFill>
+                <a:effectLst/>
+                <a:latin typeface="Consolas" panose="020B0609020204030204" pitchFamily="49" charset="0"/>
+                <a:ea typeface="Times New Roman" panose="02020603050405020304" pitchFamily="18" charset="0"/>
+                <a:cs typeface="Times New Roman" panose="02020603050405020304" pitchFamily="18" charset="0"/>
+              </a:rPr>
+              <a:t> . </a:t>
+            </a:r>
+            <a:r>
+              <a:rPr lang="en-US" sz="1200" dirty="0">
+                <a:solidFill>
+                  <a:srgbClr val="9CDCFE"/>
+                </a:solidFill>
+                <a:effectLst/>
+                <a:latin typeface="Consolas" panose="020B0609020204030204" pitchFamily="49" charset="0"/>
+                <a:ea typeface="Times New Roman" panose="02020603050405020304" pitchFamily="18" charset="0"/>
+                <a:cs typeface="Times New Roman" panose="02020603050405020304" pitchFamily="18" charset="0"/>
+              </a:rPr>
+              <a:t>$_POST</a:t>
+            </a:r>
+            <a:r>
+              <a:rPr lang="en-US" sz="1200" dirty="0">
+                <a:solidFill>
+                  <a:srgbClr val="D4D4D4"/>
+                </a:solidFill>
+                <a:effectLst/>
+                <a:latin typeface="Consolas" panose="020B0609020204030204" pitchFamily="49" charset="0"/>
+                <a:ea typeface="Times New Roman" panose="02020603050405020304" pitchFamily="18" charset="0"/>
+                <a:cs typeface="Times New Roman" panose="02020603050405020304" pitchFamily="18" charset="0"/>
+              </a:rPr>
+              <a:t>[</a:t>
+            </a:r>
+            <a:r>
+              <a:rPr lang="en-US" sz="1200" dirty="0">
+                <a:solidFill>
+                  <a:srgbClr val="CE9178"/>
+                </a:solidFill>
+                <a:effectLst/>
+                <a:latin typeface="Consolas" panose="020B0609020204030204" pitchFamily="49" charset="0"/>
+                <a:ea typeface="Times New Roman" panose="02020603050405020304" pitchFamily="18" charset="0"/>
+                <a:cs typeface="Times New Roman" panose="02020603050405020304" pitchFamily="18" charset="0"/>
+              </a:rPr>
+              <a:t>'username'</a:t>
+            </a:r>
+            <a:r>
+              <a:rPr lang="en-US" sz="1200" dirty="0">
+                <a:solidFill>
+                  <a:srgbClr val="D4D4D4"/>
+                </a:solidFill>
+                <a:effectLst/>
+                <a:latin typeface="Consolas" panose="020B0609020204030204" pitchFamily="49" charset="0"/>
+                <a:ea typeface="Times New Roman" panose="02020603050405020304" pitchFamily="18" charset="0"/>
+                <a:cs typeface="Times New Roman" panose="02020603050405020304" pitchFamily="18" charset="0"/>
+              </a:rPr>
+              <a:t>] . </a:t>
+            </a:r>
+            <a:r>
+              <a:rPr lang="en-US" sz="1200" dirty="0">
+                <a:solidFill>
+                  <a:srgbClr val="CE9178"/>
+                </a:solidFill>
+                <a:effectLst/>
+                <a:latin typeface="Consolas" panose="020B0609020204030204" pitchFamily="49" charset="0"/>
+                <a:ea typeface="Times New Roman" panose="02020603050405020304" pitchFamily="18" charset="0"/>
+                <a:cs typeface="Times New Roman" panose="02020603050405020304" pitchFamily="18" charset="0"/>
+              </a:rPr>
+              <a:t>"'"</a:t>
+            </a:r>
+            <a:r>
+              <a:rPr lang="en-US" sz="1200" dirty="0">
+                <a:solidFill>
+                  <a:srgbClr val="D4D4D4"/>
+                </a:solidFill>
+                <a:effectLst/>
+                <a:latin typeface="Consolas" panose="020B0609020204030204" pitchFamily="49" charset="0"/>
+                <a:ea typeface="Times New Roman" panose="02020603050405020304" pitchFamily="18" charset="0"/>
+                <a:cs typeface="Times New Roman" panose="02020603050405020304" pitchFamily="18" charset="0"/>
+              </a:rPr>
+              <a:t>;</a:t>
+            </a:r>
+            <a:endParaRPr lang="de-AT" sz="1200" dirty="0">
+              <a:effectLst/>
+              <a:latin typeface="Calibri" panose="020F0502020204030204" pitchFamily="34" charset="0"/>
+              <a:ea typeface="Calibri" panose="020F0502020204030204" pitchFamily="34" charset="0"/>
+              <a:cs typeface="Times New Roman" panose="02020603050405020304" pitchFamily="18" charset="0"/>
+            </a:endParaRPr>
+          </a:p>
+          <a:p>
+            <a:pPr>
+              <a:lnSpc>
+                <a:spcPts val="1425"/>
+              </a:lnSpc>
+              <a:spcAft>
+                <a:spcPts val="800"/>
+              </a:spcAft>
+            </a:pPr>
+            <a:r>
+              <a:rPr lang="en-US" sz="1200" dirty="0">
+                <a:solidFill>
+                  <a:srgbClr val="D4D4D4"/>
+                </a:solidFill>
+                <a:effectLst/>
+                <a:latin typeface="Consolas" panose="020B0609020204030204" pitchFamily="49" charset="0"/>
+                <a:ea typeface="Times New Roman" panose="02020603050405020304" pitchFamily="18" charset="0"/>
+                <a:cs typeface="Times New Roman" panose="02020603050405020304" pitchFamily="18" charset="0"/>
+              </a:rPr>
+              <a:t>   </a:t>
+            </a:r>
+            <a:endParaRPr lang="de-AT" sz="1200" dirty="0">
+              <a:effectLst/>
+              <a:latin typeface="Calibri" panose="020F0502020204030204" pitchFamily="34" charset="0"/>
+              <a:ea typeface="Calibri" panose="020F0502020204030204" pitchFamily="34" charset="0"/>
+              <a:cs typeface="Times New Roman" panose="02020603050405020304" pitchFamily="18" charset="0"/>
+            </a:endParaRPr>
+          </a:p>
+          <a:p>
+            <a:pPr>
+              <a:lnSpc>
+                <a:spcPts val="1425"/>
+              </a:lnSpc>
+              <a:spcAft>
+                <a:spcPts val="800"/>
+              </a:spcAft>
+            </a:pPr>
+            <a:r>
+              <a:rPr lang="en-US" sz="1200" dirty="0">
+                <a:solidFill>
+                  <a:srgbClr val="D4D4D4"/>
+                </a:solidFill>
+                <a:effectLst/>
+                <a:latin typeface="Consolas" panose="020B0609020204030204" pitchFamily="49" charset="0"/>
+                <a:ea typeface="Times New Roman" panose="02020603050405020304" pitchFamily="18" charset="0"/>
+                <a:cs typeface="Times New Roman" panose="02020603050405020304" pitchFamily="18" charset="0"/>
+              </a:rPr>
+              <a:t>    </a:t>
+            </a:r>
+            <a:r>
+              <a:rPr lang="en-US" sz="1200" dirty="0">
+                <a:solidFill>
+                  <a:srgbClr val="C586C0"/>
+                </a:solidFill>
+                <a:effectLst/>
+                <a:latin typeface="Consolas" panose="020B0609020204030204" pitchFamily="49" charset="0"/>
+                <a:ea typeface="Times New Roman" panose="02020603050405020304" pitchFamily="18" charset="0"/>
+                <a:cs typeface="Times New Roman" panose="02020603050405020304" pitchFamily="18" charset="0"/>
+              </a:rPr>
+              <a:t>if</a:t>
+            </a:r>
+            <a:r>
+              <a:rPr lang="en-US" sz="1200" dirty="0">
+                <a:solidFill>
+                  <a:srgbClr val="D4D4D4"/>
+                </a:solidFill>
+                <a:effectLst/>
+                <a:latin typeface="Consolas" panose="020B0609020204030204" pitchFamily="49" charset="0"/>
+                <a:ea typeface="Times New Roman" panose="02020603050405020304" pitchFamily="18" charset="0"/>
+                <a:cs typeface="Times New Roman" panose="02020603050405020304" pitchFamily="18" charset="0"/>
+              </a:rPr>
+              <a:t>(!</a:t>
+            </a:r>
+            <a:r>
+              <a:rPr lang="en-US" sz="1200" dirty="0">
+                <a:solidFill>
+                  <a:srgbClr val="9CDCFE"/>
+                </a:solidFill>
+                <a:effectLst/>
+                <a:latin typeface="Consolas" panose="020B0609020204030204" pitchFamily="49" charset="0"/>
+                <a:ea typeface="Times New Roman" panose="02020603050405020304" pitchFamily="18" charset="0"/>
+                <a:cs typeface="Times New Roman" panose="02020603050405020304" pitchFamily="18" charset="0"/>
+              </a:rPr>
+              <a:t>$</a:t>
+            </a:r>
+            <a:r>
+              <a:rPr lang="en-US" sz="1200" dirty="0" err="1">
+                <a:solidFill>
+                  <a:srgbClr val="9CDCFE"/>
+                </a:solidFill>
+                <a:effectLst/>
+                <a:latin typeface="Consolas" panose="020B0609020204030204" pitchFamily="49" charset="0"/>
+                <a:ea typeface="Times New Roman" panose="02020603050405020304" pitchFamily="18" charset="0"/>
+                <a:cs typeface="Times New Roman" panose="02020603050405020304" pitchFamily="18" charset="0"/>
+              </a:rPr>
+              <a:t>mysqli</a:t>
+            </a:r>
+            <a:r>
+              <a:rPr lang="en-US" sz="1200" dirty="0">
+                <a:solidFill>
+                  <a:srgbClr val="D4D4D4"/>
+                </a:solidFill>
+                <a:effectLst/>
+                <a:latin typeface="Consolas" panose="020B0609020204030204" pitchFamily="49" charset="0"/>
+                <a:ea typeface="Times New Roman" panose="02020603050405020304" pitchFamily="18" charset="0"/>
+                <a:cs typeface="Times New Roman" panose="02020603050405020304" pitchFamily="18" charset="0"/>
+              </a:rPr>
+              <a:t>-&gt;</a:t>
+            </a:r>
+            <a:r>
+              <a:rPr lang="en-US" sz="1200" dirty="0">
+                <a:solidFill>
+                  <a:srgbClr val="DCDCAA"/>
+                </a:solidFill>
+                <a:effectLst/>
+                <a:latin typeface="Consolas" panose="020B0609020204030204" pitchFamily="49" charset="0"/>
+                <a:ea typeface="Times New Roman" panose="02020603050405020304" pitchFamily="18" charset="0"/>
+                <a:cs typeface="Times New Roman" panose="02020603050405020304" pitchFamily="18" charset="0"/>
+              </a:rPr>
+              <a:t>query</a:t>
+            </a:r>
+            <a:r>
+              <a:rPr lang="en-US" sz="1200" dirty="0">
+                <a:solidFill>
+                  <a:srgbClr val="D4D4D4"/>
+                </a:solidFill>
+                <a:effectLst/>
+                <a:latin typeface="Consolas" panose="020B0609020204030204" pitchFamily="49" charset="0"/>
+                <a:ea typeface="Times New Roman" panose="02020603050405020304" pitchFamily="18" charset="0"/>
+                <a:cs typeface="Times New Roman" panose="02020603050405020304" pitchFamily="18" charset="0"/>
+              </a:rPr>
+              <a:t>(</a:t>
+            </a:r>
+            <a:r>
+              <a:rPr lang="en-US" sz="1200" dirty="0">
+                <a:solidFill>
+                  <a:srgbClr val="9CDCFE"/>
+                </a:solidFill>
+                <a:effectLst/>
+                <a:latin typeface="Consolas" panose="020B0609020204030204" pitchFamily="49" charset="0"/>
+                <a:ea typeface="Times New Roman" panose="02020603050405020304" pitchFamily="18" charset="0"/>
+                <a:cs typeface="Times New Roman" panose="02020603050405020304" pitchFamily="18" charset="0"/>
+              </a:rPr>
+              <a:t>$update</a:t>
+            </a:r>
+            <a:r>
+              <a:rPr lang="en-US" sz="1200" dirty="0">
+                <a:solidFill>
+                  <a:srgbClr val="D4D4D4"/>
+                </a:solidFill>
+                <a:effectLst/>
+                <a:latin typeface="Consolas" panose="020B0609020204030204" pitchFamily="49" charset="0"/>
+                <a:ea typeface="Times New Roman" panose="02020603050405020304" pitchFamily="18" charset="0"/>
+                <a:cs typeface="Times New Roman" panose="02020603050405020304" pitchFamily="18" charset="0"/>
+              </a:rPr>
+              <a:t>)) {</a:t>
+            </a:r>
+            <a:endParaRPr lang="de-AT" sz="1200" dirty="0">
+              <a:effectLst/>
+              <a:latin typeface="Calibri" panose="020F0502020204030204" pitchFamily="34" charset="0"/>
+              <a:ea typeface="Calibri" panose="020F0502020204030204" pitchFamily="34" charset="0"/>
+              <a:cs typeface="Times New Roman" panose="02020603050405020304" pitchFamily="18" charset="0"/>
+            </a:endParaRPr>
+          </a:p>
+          <a:p>
+            <a:pPr>
+              <a:lnSpc>
+                <a:spcPts val="1425"/>
+              </a:lnSpc>
+              <a:spcAft>
+                <a:spcPts val="800"/>
+              </a:spcAft>
+            </a:pPr>
+            <a:r>
+              <a:rPr lang="en-US" sz="1200" dirty="0">
+                <a:solidFill>
+                  <a:srgbClr val="D4D4D4"/>
+                </a:solidFill>
+                <a:effectLst/>
+                <a:latin typeface="Consolas" panose="020B0609020204030204" pitchFamily="49" charset="0"/>
+                <a:ea typeface="Times New Roman" panose="02020603050405020304" pitchFamily="18" charset="0"/>
+                <a:cs typeface="Times New Roman" panose="02020603050405020304" pitchFamily="18" charset="0"/>
+              </a:rPr>
+              <a:t>        </a:t>
+            </a:r>
+            <a:r>
+              <a:rPr lang="en-US" sz="1200" dirty="0">
+                <a:solidFill>
+                  <a:srgbClr val="DCDCAA"/>
+                </a:solidFill>
+                <a:effectLst/>
+                <a:latin typeface="Consolas" panose="020B0609020204030204" pitchFamily="49" charset="0"/>
+                <a:ea typeface="Times New Roman" panose="02020603050405020304" pitchFamily="18" charset="0"/>
+                <a:cs typeface="Times New Roman" panose="02020603050405020304" pitchFamily="18" charset="0"/>
+              </a:rPr>
+              <a:t>echo</a:t>
+            </a:r>
+            <a:r>
+              <a:rPr lang="en-US" sz="1200" dirty="0">
+                <a:solidFill>
+                  <a:srgbClr val="D4D4D4"/>
+                </a:solidFill>
+                <a:effectLst/>
+                <a:latin typeface="Consolas" panose="020B0609020204030204" pitchFamily="49" charset="0"/>
+                <a:ea typeface="Times New Roman" panose="02020603050405020304" pitchFamily="18" charset="0"/>
+                <a:cs typeface="Times New Roman" panose="02020603050405020304" pitchFamily="18" charset="0"/>
+              </a:rPr>
+              <a:t> </a:t>
+            </a:r>
+            <a:r>
+              <a:rPr lang="en-US" sz="1200" dirty="0">
+                <a:solidFill>
+                  <a:srgbClr val="CE9178"/>
+                </a:solidFill>
+                <a:effectLst/>
+                <a:latin typeface="Consolas" panose="020B0609020204030204" pitchFamily="49" charset="0"/>
+                <a:ea typeface="Times New Roman" panose="02020603050405020304" pitchFamily="18" charset="0"/>
+                <a:cs typeface="Times New Roman" panose="02020603050405020304" pitchFamily="18" charset="0"/>
+              </a:rPr>
+              <a:t>"Query </a:t>
+            </a:r>
+            <a:r>
+              <a:rPr lang="en-US" sz="1200" dirty="0" err="1">
+                <a:solidFill>
+                  <a:srgbClr val="CE9178"/>
+                </a:solidFill>
+                <a:effectLst/>
+                <a:latin typeface="Consolas" panose="020B0609020204030204" pitchFamily="49" charset="0"/>
+                <a:ea typeface="Times New Roman" panose="02020603050405020304" pitchFamily="18" charset="0"/>
+                <a:cs typeface="Times New Roman" panose="02020603050405020304" pitchFamily="18" charset="0"/>
+              </a:rPr>
+              <a:t>fehlgeschlagen</a:t>
+            </a:r>
+            <a:r>
+              <a:rPr lang="en-US" sz="1200" dirty="0">
+                <a:solidFill>
+                  <a:srgbClr val="CE9178"/>
+                </a:solidFill>
+                <a:effectLst/>
+                <a:latin typeface="Consolas" panose="020B0609020204030204" pitchFamily="49" charset="0"/>
+                <a:ea typeface="Times New Roman" panose="02020603050405020304" pitchFamily="18" charset="0"/>
+                <a:cs typeface="Times New Roman" panose="02020603050405020304" pitchFamily="18" charset="0"/>
+              </a:rPr>
+              <a:t>: "</a:t>
+            </a:r>
+            <a:r>
+              <a:rPr lang="en-US" sz="1200" dirty="0">
+                <a:solidFill>
+                  <a:srgbClr val="D4D4D4"/>
+                </a:solidFill>
+                <a:effectLst/>
+                <a:latin typeface="Consolas" panose="020B0609020204030204" pitchFamily="49" charset="0"/>
+                <a:ea typeface="Times New Roman" panose="02020603050405020304" pitchFamily="18" charset="0"/>
+                <a:cs typeface="Times New Roman" panose="02020603050405020304" pitchFamily="18" charset="0"/>
+              </a:rPr>
+              <a:t>.</a:t>
+            </a:r>
+            <a:r>
+              <a:rPr lang="en-US" sz="1200" dirty="0">
+                <a:solidFill>
+                  <a:srgbClr val="9CDCFE"/>
+                </a:solidFill>
+                <a:effectLst/>
+                <a:latin typeface="Consolas" panose="020B0609020204030204" pitchFamily="49" charset="0"/>
+                <a:ea typeface="Times New Roman" panose="02020603050405020304" pitchFamily="18" charset="0"/>
+                <a:cs typeface="Times New Roman" panose="02020603050405020304" pitchFamily="18" charset="0"/>
+              </a:rPr>
+              <a:t>$</a:t>
+            </a:r>
+            <a:r>
+              <a:rPr lang="en-US" sz="1200" dirty="0" err="1">
+                <a:solidFill>
+                  <a:srgbClr val="9CDCFE"/>
+                </a:solidFill>
+                <a:effectLst/>
+                <a:latin typeface="Consolas" panose="020B0609020204030204" pitchFamily="49" charset="0"/>
+                <a:ea typeface="Times New Roman" panose="02020603050405020304" pitchFamily="18" charset="0"/>
+                <a:cs typeface="Times New Roman" panose="02020603050405020304" pitchFamily="18" charset="0"/>
+              </a:rPr>
+              <a:t>mysqli</a:t>
+            </a:r>
+            <a:r>
+              <a:rPr lang="en-US" sz="1200" dirty="0">
+                <a:solidFill>
+                  <a:srgbClr val="D4D4D4"/>
+                </a:solidFill>
+                <a:effectLst/>
+                <a:latin typeface="Consolas" panose="020B0609020204030204" pitchFamily="49" charset="0"/>
+                <a:ea typeface="Times New Roman" panose="02020603050405020304" pitchFamily="18" charset="0"/>
+                <a:cs typeface="Times New Roman" panose="02020603050405020304" pitchFamily="18" charset="0"/>
+              </a:rPr>
+              <a:t>-&gt;</a:t>
+            </a:r>
+            <a:r>
+              <a:rPr lang="en-US" sz="1200" dirty="0">
+                <a:solidFill>
+                  <a:srgbClr val="9CDCFE"/>
+                </a:solidFill>
+                <a:effectLst/>
+                <a:latin typeface="Consolas" panose="020B0609020204030204" pitchFamily="49" charset="0"/>
+                <a:ea typeface="Times New Roman" panose="02020603050405020304" pitchFamily="18" charset="0"/>
+                <a:cs typeface="Times New Roman" panose="02020603050405020304" pitchFamily="18" charset="0"/>
+              </a:rPr>
+              <a:t>error</a:t>
+            </a:r>
+            <a:r>
+              <a:rPr lang="en-US" sz="1200" dirty="0">
+                <a:solidFill>
+                  <a:srgbClr val="D4D4D4"/>
+                </a:solidFill>
+                <a:effectLst/>
+                <a:latin typeface="Consolas" panose="020B0609020204030204" pitchFamily="49" charset="0"/>
+                <a:ea typeface="Times New Roman" panose="02020603050405020304" pitchFamily="18" charset="0"/>
+                <a:cs typeface="Times New Roman" panose="02020603050405020304" pitchFamily="18" charset="0"/>
+              </a:rPr>
+              <a:t>;</a:t>
+            </a:r>
+            <a:endParaRPr lang="de-AT" sz="1200" dirty="0">
+              <a:effectLst/>
+              <a:latin typeface="Calibri" panose="020F0502020204030204" pitchFamily="34" charset="0"/>
+              <a:ea typeface="Calibri" panose="020F0502020204030204" pitchFamily="34" charset="0"/>
+              <a:cs typeface="Times New Roman" panose="02020603050405020304" pitchFamily="18" charset="0"/>
+            </a:endParaRPr>
+          </a:p>
+          <a:p>
+            <a:pPr>
+              <a:lnSpc>
+                <a:spcPts val="1425"/>
+              </a:lnSpc>
+              <a:spcAft>
+                <a:spcPts val="800"/>
+              </a:spcAft>
+            </a:pPr>
+            <a:r>
+              <a:rPr lang="en-US" sz="1200" dirty="0">
+                <a:solidFill>
+                  <a:srgbClr val="D4D4D4"/>
+                </a:solidFill>
+                <a:effectLst/>
+                <a:latin typeface="Consolas" panose="020B0609020204030204" pitchFamily="49" charset="0"/>
+                <a:ea typeface="Times New Roman" panose="02020603050405020304" pitchFamily="18" charset="0"/>
+                <a:cs typeface="Times New Roman" panose="02020603050405020304" pitchFamily="18" charset="0"/>
+              </a:rPr>
+              <a:t>    }</a:t>
+            </a:r>
+            <a:endParaRPr lang="de-AT" sz="1200" dirty="0">
+              <a:effectLst/>
+              <a:latin typeface="Calibri" panose="020F0502020204030204" pitchFamily="34" charset="0"/>
+              <a:ea typeface="Calibri" panose="020F0502020204030204" pitchFamily="34" charset="0"/>
+              <a:cs typeface="Times New Roman" panose="02020603050405020304" pitchFamily="18" charset="0"/>
+            </a:endParaRPr>
+          </a:p>
+          <a:p>
+            <a:pPr>
+              <a:lnSpc>
+                <a:spcPts val="1425"/>
+              </a:lnSpc>
+              <a:spcAft>
+                <a:spcPts val="800"/>
+              </a:spcAft>
+            </a:pPr>
+            <a:r>
+              <a:rPr lang="en-US" sz="1200" dirty="0">
+                <a:solidFill>
+                  <a:srgbClr val="D4D4D4"/>
+                </a:solidFill>
+                <a:effectLst/>
+                <a:latin typeface="Consolas" panose="020B0609020204030204" pitchFamily="49" charset="0"/>
+                <a:ea typeface="Times New Roman" panose="02020603050405020304" pitchFamily="18" charset="0"/>
+                <a:cs typeface="Times New Roman" panose="02020603050405020304" pitchFamily="18" charset="0"/>
+              </a:rPr>
+              <a:t>    </a:t>
+            </a:r>
+            <a:r>
+              <a:rPr lang="en-US" sz="1200" dirty="0">
+                <a:solidFill>
+                  <a:srgbClr val="C586C0"/>
+                </a:solidFill>
+                <a:effectLst/>
+                <a:latin typeface="Consolas" panose="020B0609020204030204" pitchFamily="49" charset="0"/>
+                <a:ea typeface="Times New Roman" panose="02020603050405020304" pitchFamily="18" charset="0"/>
+                <a:cs typeface="Times New Roman" panose="02020603050405020304" pitchFamily="18" charset="0"/>
+              </a:rPr>
+              <a:t>else</a:t>
+            </a:r>
+            <a:r>
+              <a:rPr lang="en-US" sz="1200" dirty="0">
+                <a:solidFill>
+                  <a:srgbClr val="D4D4D4"/>
+                </a:solidFill>
+                <a:effectLst/>
+                <a:latin typeface="Consolas" panose="020B0609020204030204" pitchFamily="49" charset="0"/>
+                <a:ea typeface="Times New Roman" panose="02020603050405020304" pitchFamily="18" charset="0"/>
+                <a:cs typeface="Times New Roman" panose="02020603050405020304" pitchFamily="18" charset="0"/>
+              </a:rPr>
+              <a:t>{</a:t>
+            </a:r>
+            <a:endParaRPr lang="de-AT" sz="1200" dirty="0">
+              <a:effectLst/>
+              <a:latin typeface="Calibri" panose="020F0502020204030204" pitchFamily="34" charset="0"/>
+              <a:ea typeface="Calibri" panose="020F0502020204030204" pitchFamily="34" charset="0"/>
+              <a:cs typeface="Times New Roman" panose="02020603050405020304" pitchFamily="18" charset="0"/>
+            </a:endParaRPr>
+          </a:p>
+          <a:p>
+            <a:pPr>
+              <a:lnSpc>
+                <a:spcPts val="1425"/>
+              </a:lnSpc>
+              <a:spcAft>
+                <a:spcPts val="800"/>
+              </a:spcAft>
+            </a:pPr>
+            <a:r>
+              <a:rPr lang="en-US" sz="1200" dirty="0">
+                <a:solidFill>
+                  <a:srgbClr val="D4D4D4"/>
+                </a:solidFill>
+                <a:effectLst/>
+                <a:latin typeface="Consolas" panose="020B0609020204030204" pitchFamily="49" charset="0"/>
+                <a:ea typeface="Times New Roman" panose="02020603050405020304" pitchFamily="18" charset="0"/>
+                <a:cs typeface="Times New Roman" panose="02020603050405020304" pitchFamily="18" charset="0"/>
+              </a:rPr>
+              <a:t>        </a:t>
+            </a:r>
+            <a:r>
+              <a:rPr lang="en-US" sz="1200" dirty="0">
+                <a:solidFill>
+                  <a:srgbClr val="9CDCFE"/>
+                </a:solidFill>
+                <a:effectLst/>
+                <a:latin typeface="Consolas" panose="020B0609020204030204" pitchFamily="49" charset="0"/>
+                <a:ea typeface="Times New Roman" panose="02020603050405020304" pitchFamily="18" charset="0"/>
+                <a:cs typeface="Times New Roman" panose="02020603050405020304" pitchFamily="18" charset="0"/>
+              </a:rPr>
+              <a:t>$</a:t>
+            </a:r>
+            <a:r>
+              <a:rPr lang="en-US" sz="1200" dirty="0" err="1">
+                <a:solidFill>
+                  <a:srgbClr val="9CDCFE"/>
+                </a:solidFill>
+                <a:effectLst/>
+                <a:latin typeface="Consolas" panose="020B0609020204030204" pitchFamily="49" charset="0"/>
+                <a:ea typeface="Times New Roman" panose="02020603050405020304" pitchFamily="18" charset="0"/>
+                <a:cs typeface="Times New Roman" panose="02020603050405020304" pitchFamily="18" charset="0"/>
+              </a:rPr>
+              <a:t>mysqli</a:t>
+            </a:r>
+            <a:r>
+              <a:rPr lang="en-US" sz="1200" dirty="0">
+                <a:solidFill>
+                  <a:srgbClr val="D4D4D4"/>
+                </a:solidFill>
+                <a:effectLst/>
+                <a:latin typeface="Consolas" panose="020B0609020204030204" pitchFamily="49" charset="0"/>
+                <a:ea typeface="Times New Roman" panose="02020603050405020304" pitchFamily="18" charset="0"/>
+                <a:cs typeface="Times New Roman" panose="02020603050405020304" pitchFamily="18" charset="0"/>
+              </a:rPr>
+              <a:t>-&gt;</a:t>
+            </a:r>
+            <a:r>
+              <a:rPr lang="en-US" sz="1200" dirty="0">
+                <a:solidFill>
+                  <a:srgbClr val="DCDCAA"/>
+                </a:solidFill>
+                <a:effectLst/>
+                <a:latin typeface="Consolas" panose="020B0609020204030204" pitchFamily="49" charset="0"/>
+                <a:ea typeface="Times New Roman" panose="02020603050405020304" pitchFamily="18" charset="0"/>
+                <a:cs typeface="Times New Roman" panose="02020603050405020304" pitchFamily="18" charset="0"/>
+              </a:rPr>
+              <a:t>query</a:t>
+            </a:r>
+            <a:r>
+              <a:rPr lang="en-US" sz="1200" dirty="0">
+                <a:solidFill>
+                  <a:srgbClr val="D4D4D4"/>
+                </a:solidFill>
+                <a:effectLst/>
+                <a:latin typeface="Consolas" panose="020B0609020204030204" pitchFamily="49" charset="0"/>
+                <a:ea typeface="Times New Roman" panose="02020603050405020304" pitchFamily="18" charset="0"/>
+                <a:cs typeface="Times New Roman" panose="02020603050405020304" pitchFamily="18" charset="0"/>
+              </a:rPr>
+              <a:t>(</a:t>
+            </a:r>
+            <a:r>
+              <a:rPr lang="en-US" sz="1200" dirty="0">
+                <a:solidFill>
+                  <a:srgbClr val="9CDCFE"/>
+                </a:solidFill>
+                <a:effectLst/>
+                <a:latin typeface="Consolas" panose="020B0609020204030204" pitchFamily="49" charset="0"/>
+                <a:ea typeface="Times New Roman" panose="02020603050405020304" pitchFamily="18" charset="0"/>
+                <a:cs typeface="Times New Roman" panose="02020603050405020304" pitchFamily="18" charset="0"/>
+              </a:rPr>
+              <a:t>$update</a:t>
+            </a:r>
+            <a:r>
+              <a:rPr lang="en-US" sz="1200" dirty="0">
+                <a:solidFill>
+                  <a:srgbClr val="D4D4D4"/>
+                </a:solidFill>
+                <a:effectLst/>
+                <a:latin typeface="Consolas" panose="020B0609020204030204" pitchFamily="49" charset="0"/>
+                <a:ea typeface="Times New Roman" panose="02020603050405020304" pitchFamily="18" charset="0"/>
+                <a:cs typeface="Times New Roman" panose="02020603050405020304" pitchFamily="18" charset="0"/>
+              </a:rPr>
+              <a:t>);</a:t>
+            </a:r>
+            <a:endParaRPr lang="de-AT" sz="1200" dirty="0">
+              <a:effectLst/>
+              <a:latin typeface="Calibri" panose="020F0502020204030204" pitchFamily="34" charset="0"/>
+              <a:ea typeface="Calibri" panose="020F0502020204030204" pitchFamily="34" charset="0"/>
+              <a:cs typeface="Times New Roman" panose="02020603050405020304" pitchFamily="18" charset="0"/>
+            </a:endParaRPr>
+          </a:p>
+          <a:p>
+            <a:pPr>
+              <a:lnSpc>
+                <a:spcPts val="1425"/>
+              </a:lnSpc>
+              <a:spcAft>
+                <a:spcPts val="800"/>
+              </a:spcAft>
+            </a:pPr>
+            <a:r>
+              <a:rPr lang="en-US" sz="1200" dirty="0">
+                <a:solidFill>
+                  <a:srgbClr val="D4D4D4"/>
+                </a:solidFill>
+                <a:effectLst/>
+                <a:latin typeface="Consolas" panose="020B0609020204030204" pitchFamily="49" charset="0"/>
+                <a:ea typeface="Times New Roman" panose="02020603050405020304" pitchFamily="18" charset="0"/>
+                <a:cs typeface="Times New Roman" panose="02020603050405020304" pitchFamily="18" charset="0"/>
+              </a:rPr>
+              <a:t>        </a:t>
+            </a:r>
+            <a:r>
+              <a:rPr lang="en-US" sz="1200" dirty="0">
+                <a:solidFill>
+                  <a:srgbClr val="DCDCAA"/>
+                </a:solidFill>
+                <a:effectLst/>
+                <a:latin typeface="Consolas" panose="020B0609020204030204" pitchFamily="49" charset="0"/>
+                <a:ea typeface="Times New Roman" panose="02020603050405020304" pitchFamily="18" charset="0"/>
+                <a:cs typeface="Times New Roman" panose="02020603050405020304" pitchFamily="18" charset="0"/>
+              </a:rPr>
+              <a:t>echo</a:t>
+            </a:r>
+            <a:r>
+              <a:rPr lang="en-US" sz="1200" dirty="0">
+                <a:solidFill>
+                  <a:srgbClr val="D4D4D4"/>
+                </a:solidFill>
+                <a:effectLst/>
+                <a:latin typeface="Consolas" panose="020B0609020204030204" pitchFamily="49" charset="0"/>
+                <a:ea typeface="Times New Roman" panose="02020603050405020304" pitchFamily="18" charset="0"/>
+                <a:cs typeface="Times New Roman" panose="02020603050405020304" pitchFamily="18" charset="0"/>
+              </a:rPr>
+              <a:t> </a:t>
+            </a:r>
+            <a:r>
+              <a:rPr lang="en-US" sz="1200" dirty="0">
+                <a:solidFill>
+                  <a:srgbClr val="CE9178"/>
+                </a:solidFill>
+                <a:effectLst/>
+                <a:latin typeface="Consolas" panose="020B0609020204030204" pitchFamily="49" charset="0"/>
+                <a:ea typeface="Times New Roman" panose="02020603050405020304" pitchFamily="18" charset="0"/>
+                <a:cs typeface="Times New Roman" panose="02020603050405020304" pitchFamily="18" charset="0"/>
+              </a:rPr>
+              <a:t>"User </a:t>
+            </a:r>
+            <a:r>
+              <a:rPr lang="en-US" sz="1200" dirty="0" err="1">
+                <a:solidFill>
+                  <a:srgbClr val="CE9178"/>
+                </a:solidFill>
+                <a:effectLst/>
+                <a:latin typeface="Consolas" panose="020B0609020204030204" pitchFamily="49" charset="0"/>
+                <a:ea typeface="Times New Roman" panose="02020603050405020304" pitchFamily="18" charset="0"/>
+                <a:cs typeface="Times New Roman" panose="02020603050405020304" pitchFamily="18" charset="0"/>
+              </a:rPr>
+              <a:t>upgedated</a:t>
+            </a:r>
+            <a:r>
+              <a:rPr lang="en-US" sz="1200" dirty="0">
+                <a:solidFill>
+                  <a:srgbClr val="CE9178"/>
+                </a:solidFill>
+                <a:effectLst/>
+                <a:latin typeface="Consolas" panose="020B0609020204030204" pitchFamily="49" charset="0"/>
+                <a:ea typeface="Times New Roman" panose="02020603050405020304" pitchFamily="18" charset="0"/>
+                <a:cs typeface="Times New Roman" panose="02020603050405020304" pitchFamily="18" charset="0"/>
+              </a:rPr>
+              <a:t>"</a:t>
+            </a:r>
+            <a:r>
+              <a:rPr lang="en-US" sz="1200" dirty="0">
+                <a:solidFill>
+                  <a:srgbClr val="D4D4D4"/>
+                </a:solidFill>
+                <a:effectLst/>
+                <a:latin typeface="Consolas" panose="020B0609020204030204" pitchFamily="49" charset="0"/>
+                <a:ea typeface="Times New Roman" panose="02020603050405020304" pitchFamily="18" charset="0"/>
+                <a:cs typeface="Times New Roman" panose="02020603050405020304" pitchFamily="18" charset="0"/>
+              </a:rPr>
+              <a:t>;</a:t>
+            </a:r>
+            <a:endParaRPr lang="de-AT" sz="1200" dirty="0">
+              <a:effectLst/>
+              <a:latin typeface="Calibri" panose="020F0502020204030204" pitchFamily="34" charset="0"/>
+              <a:ea typeface="Calibri" panose="020F0502020204030204" pitchFamily="34" charset="0"/>
+              <a:cs typeface="Times New Roman" panose="02020603050405020304" pitchFamily="18" charset="0"/>
+            </a:endParaRPr>
+          </a:p>
+          <a:p>
+            <a:pPr>
+              <a:lnSpc>
+                <a:spcPts val="1425"/>
+              </a:lnSpc>
+              <a:spcAft>
+                <a:spcPts val="800"/>
+              </a:spcAft>
+            </a:pPr>
+            <a:r>
+              <a:rPr lang="en-US" sz="1200" dirty="0">
+                <a:solidFill>
+                  <a:srgbClr val="D4D4D4"/>
+                </a:solidFill>
+                <a:effectLst/>
+                <a:latin typeface="Consolas" panose="020B0609020204030204" pitchFamily="49" charset="0"/>
+                <a:ea typeface="Times New Roman" panose="02020603050405020304" pitchFamily="18" charset="0"/>
+                <a:cs typeface="Times New Roman" panose="02020603050405020304" pitchFamily="18" charset="0"/>
+              </a:rPr>
+              <a:t>    </a:t>
+            </a:r>
+            <a:r>
+              <a:rPr lang="de-AT" sz="1200" dirty="0">
+                <a:solidFill>
+                  <a:srgbClr val="D4D4D4"/>
+                </a:solidFill>
+                <a:effectLst/>
+                <a:latin typeface="Consolas" panose="020B0609020204030204" pitchFamily="49" charset="0"/>
+                <a:ea typeface="Times New Roman" panose="02020603050405020304" pitchFamily="18" charset="0"/>
+                <a:cs typeface="Times New Roman" panose="02020603050405020304" pitchFamily="18" charset="0"/>
+              </a:rPr>
+              <a:t>}</a:t>
+            </a:r>
+            <a:endParaRPr lang="de-AT" sz="1200" dirty="0">
+              <a:effectLst/>
+              <a:latin typeface="Calibri" panose="020F0502020204030204" pitchFamily="34" charset="0"/>
+              <a:ea typeface="Calibri" panose="020F0502020204030204" pitchFamily="34" charset="0"/>
+              <a:cs typeface="Times New Roman" panose="02020603050405020304" pitchFamily="18" charset="0"/>
+            </a:endParaRPr>
+          </a:p>
+          <a:p>
+            <a:pPr>
+              <a:lnSpc>
+                <a:spcPts val="1425"/>
+              </a:lnSpc>
+              <a:spcAft>
+                <a:spcPts val="800"/>
+              </a:spcAft>
+            </a:pPr>
+            <a:r>
+              <a:rPr lang="de-AT" sz="1200" dirty="0">
+                <a:solidFill>
+                  <a:srgbClr val="D4D4D4"/>
+                </a:solidFill>
+                <a:effectLst/>
+                <a:latin typeface="Consolas" panose="020B0609020204030204" pitchFamily="49" charset="0"/>
+                <a:ea typeface="Times New Roman" panose="02020603050405020304" pitchFamily="18" charset="0"/>
+                <a:cs typeface="Times New Roman" panose="02020603050405020304" pitchFamily="18" charset="0"/>
+              </a:rPr>
+              <a:t>    </a:t>
+            </a:r>
+            <a:r>
+              <a:rPr lang="de-AT" sz="1200" dirty="0">
+                <a:solidFill>
+                  <a:srgbClr val="6A9955"/>
+                </a:solidFill>
+                <a:effectLst/>
+                <a:latin typeface="Consolas" panose="020B0609020204030204" pitchFamily="49" charset="0"/>
+                <a:ea typeface="Times New Roman" panose="02020603050405020304" pitchFamily="18" charset="0"/>
+                <a:cs typeface="Times New Roman" panose="02020603050405020304" pitchFamily="18" charset="0"/>
+              </a:rPr>
+              <a:t>//</a:t>
+            </a:r>
+            <a:r>
+              <a:rPr lang="de-AT" sz="1200" dirty="0" err="1">
+                <a:solidFill>
+                  <a:srgbClr val="6A9955"/>
+                </a:solidFill>
+                <a:effectLst/>
+                <a:latin typeface="Consolas" panose="020B0609020204030204" pitchFamily="49" charset="0"/>
+                <a:ea typeface="Times New Roman" panose="02020603050405020304" pitchFamily="18" charset="0"/>
+                <a:cs typeface="Times New Roman" panose="02020603050405020304" pitchFamily="18" charset="0"/>
+              </a:rPr>
+              <a:t>close</a:t>
+            </a:r>
+            <a:r>
+              <a:rPr lang="de-AT" sz="1200" dirty="0">
+                <a:solidFill>
+                  <a:srgbClr val="6A9955"/>
+                </a:solidFill>
+                <a:effectLst/>
+                <a:latin typeface="Consolas" panose="020B0609020204030204" pitchFamily="49" charset="0"/>
+                <a:ea typeface="Times New Roman" panose="02020603050405020304" pitchFamily="18" charset="0"/>
+                <a:cs typeface="Times New Roman" panose="02020603050405020304" pitchFamily="18" charset="0"/>
+              </a:rPr>
+              <a:t> </a:t>
+            </a:r>
+            <a:r>
+              <a:rPr lang="de-AT" sz="1200" dirty="0" err="1">
+                <a:solidFill>
+                  <a:srgbClr val="6A9955"/>
+                </a:solidFill>
+                <a:effectLst/>
+                <a:latin typeface="Consolas" panose="020B0609020204030204" pitchFamily="49" charset="0"/>
+                <a:ea typeface="Times New Roman" panose="02020603050405020304" pitchFamily="18" charset="0"/>
+                <a:cs typeface="Times New Roman" panose="02020603050405020304" pitchFamily="18" charset="0"/>
+              </a:rPr>
+              <a:t>connection</a:t>
+            </a:r>
+            <a:r>
+              <a:rPr lang="de-AT" sz="1200" dirty="0">
+                <a:solidFill>
+                  <a:srgbClr val="6A9955"/>
+                </a:solidFill>
+                <a:effectLst/>
+                <a:latin typeface="Consolas" panose="020B0609020204030204" pitchFamily="49" charset="0"/>
+                <a:ea typeface="Times New Roman" panose="02020603050405020304" pitchFamily="18" charset="0"/>
+                <a:cs typeface="Times New Roman" panose="02020603050405020304" pitchFamily="18" charset="0"/>
+              </a:rPr>
+              <a:t> </a:t>
+            </a:r>
+            <a:endParaRPr lang="de-AT" sz="1200" dirty="0">
+              <a:effectLst/>
+              <a:latin typeface="Calibri" panose="020F0502020204030204" pitchFamily="34" charset="0"/>
+              <a:ea typeface="Calibri" panose="020F0502020204030204" pitchFamily="34" charset="0"/>
+              <a:cs typeface="Times New Roman" panose="02020603050405020304" pitchFamily="18" charset="0"/>
+            </a:endParaRPr>
+          </a:p>
+          <a:p>
+            <a:pPr>
+              <a:lnSpc>
+                <a:spcPts val="1425"/>
+              </a:lnSpc>
+              <a:spcAft>
+                <a:spcPts val="800"/>
+              </a:spcAft>
+            </a:pPr>
+            <a:r>
+              <a:rPr lang="de-AT" sz="1200" dirty="0">
+                <a:solidFill>
+                  <a:srgbClr val="D4D4D4"/>
+                </a:solidFill>
+                <a:effectLst/>
+                <a:latin typeface="Consolas" panose="020B0609020204030204" pitchFamily="49" charset="0"/>
+                <a:ea typeface="Times New Roman" panose="02020603050405020304" pitchFamily="18" charset="0"/>
+                <a:cs typeface="Times New Roman" panose="02020603050405020304" pitchFamily="18" charset="0"/>
+              </a:rPr>
+              <a:t>    </a:t>
+            </a:r>
+            <a:r>
+              <a:rPr lang="de-AT" sz="1200" dirty="0">
+                <a:solidFill>
+                  <a:srgbClr val="9CDCFE"/>
+                </a:solidFill>
+                <a:effectLst/>
+                <a:latin typeface="Consolas" panose="020B0609020204030204" pitchFamily="49" charset="0"/>
+                <a:ea typeface="Times New Roman" panose="02020603050405020304" pitchFamily="18" charset="0"/>
+                <a:cs typeface="Times New Roman" panose="02020603050405020304" pitchFamily="18" charset="0"/>
+              </a:rPr>
+              <a:t>$</a:t>
+            </a:r>
+            <a:r>
+              <a:rPr lang="de-AT" sz="1200" dirty="0" err="1">
+                <a:solidFill>
+                  <a:srgbClr val="9CDCFE"/>
+                </a:solidFill>
+                <a:effectLst/>
+                <a:latin typeface="Consolas" panose="020B0609020204030204" pitchFamily="49" charset="0"/>
+                <a:ea typeface="Times New Roman" panose="02020603050405020304" pitchFamily="18" charset="0"/>
+                <a:cs typeface="Times New Roman" panose="02020603050405020304" pitchFamily="18" charset="0"/>
+              </a:rPr>
+              <a:t>mysqli</a:t>
+            </a:r>
+            <a:r>
+              <a:rPr lang="de-AT" sz="1200" dirty="0">
+                <a:solidFill>
+                  <a:srgbClr val="D4D4D4"/>
+                </a:solidFill>
+                <a:effectLst/>
+                <a:latin typeface="Consolas" panose="020B0609020204030204" pitchFamily="49" charset="0"/>
+                <a:ea typeface="Times New Roman" panose="02020603050405020304" pitchFamily="18" charset="0"/>
+                <a:cs typeface="Times New Roman" panose="02020603050405020304" pitchFamily="18" charset="0"/>
+              </a:rPr>
+              <a:t>-&gt;</a:t>
+            </a:r>
+            <a:r>
+              <a:rPr lang="de-AT" sz="1200" dirty="0" err="1">
+                <a:solidFill>
+                  <a:srgbClr val="DCDCAA"/>
+                </a:solidFill>
+                <a:effectLst/>
+                <a:latin typeface="Consolas" panose="020B0609020204030204" pitchFamily="49" charset="0"/>
+                <a:ea typeface="Times New Roman" panose="02020603050405020304" pitchFamily="18" charset="0"/>
+                <a:cs typeface="Times New Roman" panose="02020603050405020304" pitchFamily="18" charset="0"/>
+              </a:rPr>
+              <a:t>close</a:t>
+            </a:r>
+            <a:r>
+              <a:rPr lang="de-AT" sz="1200" dirty="0">
+                <a:solidFill>
+                  <a:srgbClr val="D4D4D4"/>
+                </a:solidFill>
+                <a:effectLst/>
+                <a:latin typeface="Consolas" panose="020B0609020204030204" pitchFamily="49" charset="0"/>
+                <a:ea typeface="Times New Roman" panose="02020603050405020304" pitchFamily="18" charset="0"/>
+                <a:cs typeface="Times New Roman" panose="02020603050405020304" pitchFamily="18" charset="0"/>
+              </a:rPr>
+              <a:t>();</a:t>
+            </a:r>
+            <a:endParaRPr lang="de-AT" sz="1200" dirty="0">
+              <a:effectLst/>
+              <a:latin typeface="Calibri" panose="020F0502020204030204" pitchFamily="34" charset="0"/>
+              <a:ea typeface="Calibri" panose="020F0502020204030204" pitchFamily="34" charset="0"/>
+              <a:cs typeface="Times New Roman" panose="02020603050405020304" pitchFamily="18" charset="0"/>
+            </a:endParaRPr>
+          </a:p>
+          <a:p>
+            <a:r>
+              <a:rPr lang="de-AT" sz="1200" dirty="0">
+                <a:solidFill>
+                  <a:srgbClr val="569CD6"/>
+                </a:solidFill>
+                <a:effectLst/>
+                <a:latin typeface="Consolas" panose="020B0609020204030204" pitchFamily="49" charset="0"/>
+                <a:ea typeface="Times New Roman" panose="02020603050405020304" pitchFamily="18" charset="0"/>
+                <a:cs typeface="Times New Roman" panose="02020603050405020304" pitchFamily="18" charset="0"/>
+              </a:rPr>
+              <a:t>?&gt;</a:t>
+            </a:r>
+            <a:endParaRPr lang="de-AT" sz="1200" dirty="0">
+              <a:effectLst/>
+              <a:latin typeface="Calibri" panose="020F0502020204030204" pitchFamily="34" charset="0"/>
+              <a:ea typeface="Calibri" panose="020F0502020204030204" pitchFamily="34" charset="0"/>
+              <a:cs typeface="Times New Roman" panose="02020603050405020304" pitchFamily="18" charset="0"/>
+            </a:endParaRPr>
+          </a:p>
+        </p:txBody>
+      </p:sp>
+      <p:sp>
+        <p:nvSpPr>
+          <p:cNvPr id="5" name="Textplatzhalter 3">
+            <a:extLst>
+              <a:ext uri="{FF2B5EF4-FFF2-40B4-BE49-F238E27FC236}">
+                <a16:creationId xmlns:a16="http://schemas.microsoft.com/office/drawing/2014/main" id="{E342094A-48C3-41AD-A65E-36DF146C602C}"/>
+              </a:ext>
+            </a:extLst>
+          </p:cNvPr>
+          <p:cNvSpPr>
+            <a:spLocks noGrp="1"/>
+          </p:cNvSpPr>
+          <p:nvPr>
+            <p:ph type="body" sz="quarter" idx="14"/>
+          </p:nvPr>
+        </p:nvSpPr>
+        <p:spPr>
+          <a:xfrm>
+            <a:off x="472939" y="1958226"/>
+            <a:ext cx="4321003" cy="2869503"/>
+          </a:xfrm>
+        </p:spPr>
+        <p:txBody>
+          <a:bodyPr/>
+          <a:lstStyle/>
+          <a:p>
+            <a:r>
+              <a:rPr lang="de-DE" dirty="0"/>
+              <a:t>Es wird ein neues </a:t>
+            </a:r>
+            <a:r>
+              <a:rPr lang="de-DE" b="1" dirty="0" err="1">
+                <a:solidFill>
+                  <a:srgbClr val="0070C0"/>
+                </a:solidFill>
+                <a:latin typeface="Source Code Pro" panose="020B0509030403020204" pitchFamily="49" charset="0"/>
+              </a:rPr>
+              <a:t>mysqli</a:t>
+            </a:r>
+            <a:r>
+              <a:rPr lang="de-DE" b="1" dirty="0">
+                <a:solidFill>
+                  <a:srgbClr val="0070C0"/>
+                </a:solidFill>
+                <a:latin typeface="Source Code Pro" panose="020B0509030403020204" pitchFamily="49" charset="0"/>
+              </a:rPr>
+              <a:t> </a:t>
+            </a:r>
+            <a:r>
+              <a:rPr lang="de-DE" dirty="0"/>
+              <a:t>Objekt erzeugt und die Verbindung zum MySQL-Datenbankserver angegeben. In den Klammern stehen vier Parameter: Hostname, Benutzername, Kennwort, Datenbankname.</a:t>
+            </a:r>
+          </a:p>
+          <a:p>
+            <a:r>
+              <a:rPr lang="de-DE" dirty="0"/>
+              <a:t>Die Funktion </a:t>
+            </a:r>
+            <a:r>
+              <a:rPr lang="de-AT" b="1" dirty="0" err="1">
+                <a:solidFill>
+                  <a:srgbClr val="0070C0"/>
+                </a:solidFill>
+                <a:latin typeface="Source Code Pro" panose="020B0509030403020204" pitchFamily="49" charset="0"/>
+              </a:rPr>
+              <a:t>query</a:t>
+            </a:r>
+            <a:r>
+              <a:rPr lang="de-AT" b="1" dirty="0">
+                <a:solidFill>
+                  <a:srgbClr val="0070C0"/>
+                </a:solidFill>
+                <a:latin typeface="Source Code Pro" panose="020B0509030403020204" pitchFamily="49" charset="0"/>
+              </a:rPr>
+              <a:t>($update) </a:t>
+            </a:r>
+            <a:r>
+              <a:rPr lang="de-DE" dirty="0"/>
+              <a:t>führt eine Abfrage mit der SQL-Anweisung UPDATE aus. Die Abfrage soll alle Datensätze der betroffenen Tabelle updaten. </a:t>
+            </a:r>
+          </a:p>
+          <a:p>
+            <a:r>
+              <a:rPr lang="de-DE" dirty="0"/>
+              <a:t>In diesem Fall gibt </a:t>
+            </a:r>
+            <a:r>
+              <a:rPr lang="de-DE" b="1" dirty="0" err="1">
+                <a:solidFill>
+                  <a:srgbClr val="0070C0"/>
+                </a:solidFill>
+                <a:latin typeface="Source Code Pro" panose="020B0509030403020204" pitchFamily="49" charset="0"/>
+              </a:rPr>
+              <a:t>query</a:t>
+            </a:r>
+            <a:r>
+              <a:rPr lang="de-DE" dirty="0"/>
+              <a:t> nichts zurück, entweder funktioniert die Abfrage – oder nicht. Entsprechend müssen wir dem User Feedback liefern</a:t>
+            </a:r>
+          </a:p>
+        </p:txBody>
+      </p:sp>
+    </p:spTree>
+    <p:extLst>
+      <p:ext uri="{BB962C8B-B14F-4D97-AF65-F5344CB8AC3E}">
+        <p14:creationId xmlns:p14="http://schemas.microsoft.com/office/powerpoint/2010/main" val="3333199614"/>
+      </p:ext>
+    </p:extLst>
+  </p:cSld>
+  <p:clrMapOvr>
+    <a:masterClrMapping/>
+  </p:clrMapOvr>
+</p:sld>
+</file>
+
+<file path=ppt/slides/slide7.xml><?xml version="1.0" encoding="utf-8"?>
+<p:sld xmlns:a="http://schemas.openxmlformats.org/drawingml/2006/main" xmlns:r="http://schemas.openxmlformats.org/officeDocument/2006/relationships" xmlns:p="http://schemas.openxmlformats.org/presentationml/2006/main">
+  <p:cSld>
+    <p:spTree>
+      <p:nvGrpSpPr>
+        <p:cNvPr id="1" name=""/>
+        <p:cNvGrpSpPr/>
+        <p:nvPr/>
+      </p:nvGrpSpPr>
+      <p:grpSpPr>
+        <a:xfrm>
+          <a:off x="0" y="0"/>
+          <a:ext cx="0" cy="0"/>
+          <a:chOff x="0" y="0"/>
+          <a:chExt cx="0" cy="0"/>
+        </a:xfrm>
+      </p:grpSpPr>
+      <p:sp>
+        <p:nvSpPr>
+          <p:cNvPr id="3" name="Titel 2">
+            <a:extLst>
+              <a:ext uri="{FF2B5EF4-FFF2-40B4-BE49-F238E27FC236}">
+                <a16:creationId xmlns:a16="http://schemas.microsoft.com/office/drawing/2014/main" id="{E1F3FF4F-555C-47EB-ABFD-F353D319E8D9}"/>
+              </a:ext>
+            </a:extLst>
+          </p:cNvPr>
+          <p:cNvSpPr>
+            <a:spLocks noGrp="1"/>
+          </p:cNvSpPr>
+          <p:nvPr>
+            <p:ph type="title"/>
+          </p:nvPr>
+        </p:nvSpPr>
+        <p:spPr/>
+        <p:txBody>
+          <a:bodyPr>
+            <a:normAutofit fontScale="90000"/>
+          </a:bodyPr>
+          <a:lstStyle/>
+          <a:p>
+            <a:r>
+              <a:rPr lang="de-AT" dirty="0"/>
+              <a:t>Verbindung aufnehmen,</a:t>
+            </a:r>
+            <a:br>
+              <a:rPr lang="de-AT" dirty="0"/>
+            </a:br>
+            <a:r>
+              <a:rPr lang="de-AT" dirty="0"/>
+              <a:t>Datensätze Löschen</a:t>
+            </a:r>
+          </a:p>
+        </p:txBody>
+      </p:sp>
+      <p:sp>
+        <p:nvSpPr>
+          <p:cNvPr id="4" name="Rechteck 3">
+            <a:extLst>
+              <a:ext uri="{FF2B5EF4-FFF2-40B4-BE49-F238E27FC236}">
+                <a16:creationId xmlns:a16="http://schemas.microsoft.com/office/drawing/2014/main" id="{D70954CD-A7B6-49C4-8793-1B8235114A6E}"/>
+              </a:ext>
+            </a:extLst>
+          </p:cNvPr>
+          <p:cNvSpPr/>
+          <p:nvPr/>
+        </p:nvSpPr>
+        <p:spPr>
+          <a:xfrm>
+            <a:off x="5237826" y="739370"/>
+            <a:ext cx="6672286" cy="5345053"/>
+          </a:xfrm>
+          <a:prstGeom prst="rect">
+            <a:avLst/>
+          </a:prstGeom>
+          <a:solidFill>
+            <a:schemeClr val="tx1">
+              <a:lumMod val="85000"/>
+              <a:lumOff val="15000"/>
+            </a:schemeClr>
+          </a:solidFill>
+        </p:spPr>
+        <p:txBody>
+          <a:bodyPr wrap="square">
+            <a:spAutoFit/>
+          </a:bodyPr>
+          <a:lstStyle/>
+          <a:p>
+            <a:r>
+              <a:rPr lang="de-AT" sz="1200" dirty="0">
+                <a:solidFill>
+                  <a:srgbClr val="808080"/>
+                </a:solidFill>
+                <a:latin typeface="Source Code Pro" panose="020B0509030403020204" pitchFamily="49" charset="0"/>
+              </a:rPr>
+              <a:t>&lt;!</a:t>
+            </a:r>
+            <a:r>
+              <a:rPr lang="de-AT" sz="1200" dirty="0">
+                <a:solidFill>
+                  <a:srgbClr val="569CD6"/>
+                </a:solidFill>
+                <a:latin typeface="Source Code Pro" panose="020B0509030403020204" pitchFamily="49" charset="0"/>
+              </a:rPr>
+              <a:t>DOCTYPE</a:t>
+            </a:r>
+            <a:r>
+              <a:rPr lang="de-AT" sz="1200" dirty="0">
+                <a:solidFill>
+                  <a:srgbClr val="D4D4D4"/>
+                </a:solidFill>
+                <a:latin typeface="Source Code Pro" panose="020B0509030403020204" pitchFamily="49" charset="0"/>
+              </a:rPr>
+              <a:t> </a:t>
+            </a:r>
+            <a:r>
+              <a:rPr lang="de-AT" sz="1200" dirty="0" err="1">
+                <a:solidFill>
+                  <a:srgbClr val="9CDCFE"/>
+                </a:solidFill>
+                <a:latin typeface="Source Code Pro" panose="020B0509030403020204" pitchFamily="49" charset="0"/>
+              </a:rPr>
+              <a:t>html</a:t>
+            </a:r>
+            <a:r>
+              <a:rPr lang="de-AT" sz="1200" dirty="0">
+                <a:solidFill>
+                  <a:srgbClr val="808080"/>
+                </a:solidFill>
+                <a:latin typeface="Source Code Pro" panose="020B0509030403020204" pitchFamily="49" charset="0"/>
+              </a:rPr>
+              <a:t>&gt;&lt;</a:t>
+            </a:r>
+            <a:r>
+              <a:rPr lang="de-AT" sz="1200" dirty="0" err="1">
+                <a:solidFill>
+                  <a:srgbClr val="569CD6"/>
+                </a:solidFill>
+                <a:latin typeface="Source Code Pro" panose="020B0509030403020204" pitchFamily="49" charset="0"/>
+              </a:rPr>
+              <a:t>html</a:t>
+            </a:r>
+            <a:r>
+              <a:rPr lang="de-AT" sz="1200" dirty="0">
+                <a:solidFill>
+                  <a:srgbClr val="808080"/>
+                </a:solidFill>
+                <a:latin typeface="Source Code Pro" panose="020B0509030403020204" pitchFamily="49" charset="0"/>
+              </a:rPr>
+              <a:t>&gt;&lt;</a:t>
+            </a:r>
+            <a:r>
+              <a:rPr lang="de-AT" sz="1200" dirty="0" err="1">
+                <a:solidFill>
+                  <a:srgbClr val="569CD6"/>
+                </a:solidFill>
+                <a:latin typeface="Source Code Pro" panose="020B0509030403020204" pitchFamily="49" charset="0"/>
+              </a:rPr>
+              <a:t>head</a:t>
+            </a:r>
+            <a:r>
+              <a:rPr lang="de-AT" sz="1200" dirty="0">
+                <a:solidFill>
+                  <a:srgbClr val="808080"/>
+                </a:solidFill>
+                <a:latin typeface="Source Code Pro" panose="020B0509030403020204" pitchFamily="49" charset="0"/>
+              </a:rPr>
+              <a:t>&gt;&lt;</a:t>
+            </a:r>
+            <a:r>
+              <a:rPr lang="de-AT" sz="1200" dirty="0" err="1">
+                <a:solidFill>
+                  <a:srgbClr val="569CD6"/>
+                </a:solidFill>
+                <a:latin typeface="Source Code Pro" panose="020B0509030403020204" pitchFamily="49" charset="0"/>
+              </a:rPr>
+              <a:t>meta</a:t>
+            </a:r>
+            <a:r>
+              <a:rPr lang="de-AT" sz="1200" dirty="0">
+                <a:solidFill>
+                  <a:srgbClr val="D4D4D4"/>
+                </a:solidFill>
+                <a:latin typeface="Source Code Pro" panose="020B0509030403020204" pitchFamily="49" charset="0"/>
+              </a:rPr>
+              <a:t> </a:t>
+            </a:r>
+            <a:r>
+              <a:rPr lang="de-AT" sz="1200" dirty="0" err="1">
+                <a:solidFill>
+                  <a:srgbClr val="9CDCFE"/>
+                </a:solidFill>
+                <a:latin typeface="Source Code Pro" panose="020B0509030403020204" pitchFamily="49" charset="0"/>
+              </a:rPr>
+              <a:t>charset</a:t>
+            </a:r>
+            <a:r>
+              <a:rPr lang="de-AT" sz="1200" dirty="0">
+                <a:solidFill>
+                  <a:srgbClr val="D4D4D4"/>
+                </a:solidFill>
+                <a:latin typeface="Source Code Pro" panose="020B0509030403020204" pitchFamily="49" charset="0"/>
+              </a:rPr>
+              <a:t>=</a:t>
+            </a:r>
+            <a:r>
+              <a:rPr lang="de-AT" sz="1200" dirty="0">
+                <a:solidFill>
+                  <a:srgbClr val="CE9178"/>
+                </a:solidFill>
+                <a:latin typeface="Source Code Pro" panose="020B0509030403020204" pitchFamily="49" charset="0"/>
+              </a:rPr>
+              <a:t>"utf-8"</a:t>
+            </a:r>
+            <a:r>
+              <a:rPr lang="de-AT" sz="1200" dirty="0">
+                <a:solidFill>
+                  <a:srgbClr val="808080"/>
+                </a:solidFill>
+                <a:latin typeface="Source Code Pro" panose="020B0509030403020204" pitchFamily="49" charset="0"/>
+              </a:rPr>
+              <a:t>&gt;&lt;/</a:t>
+            </a:r>
+            <a:r>
+              <a:rPr lang="de-AT" sz="1200" dirty="0" err="1">
+                <a:solidFill>
+                  <a:srgbClr val="569CD6"/>
+                </a:solidFill>
+                <a:latin typeface="Source Code Pro" panose="020B0509030403020204" pitchFamily="49" charset="0"/>
+              </a:rPr>
+              <a:t>head</a:t>
+            </a:r>
+            <a:r>
+              <a:rPr lang="de-AT" sz="1200" dirty="0">
+                <a:solidFill>
+                  <a:srgbClr val="808080"/>
+                </a:solidFill>
+                <a:latin typeface="Source Code Pro" panose="020B0509030403020204" pitchFamily="49" charset="0"/>
+              </a:rPr>
+              <a:t>&gt;&lt;</a:t>
+            </a:r>
+            <a:r>
+              <a:rPr lang="de-AT" sz="1200" dirty="0" err="1">
+                <a:solidFill>
+                  <a:srgbClr val="569CD6"/>
+                </a:solidFill>
+                <a:latin typeface="Source Code Pro" panose="020B0509030403020204" pitchFamily="49" charset="0"/>
+              </a:rPr>
+              <a:t>body</a:t>
+            </a:r>
+            <a:r>
+              <a:rPr lang="de-AT" sz="1200" dirty="0">
+                <a:solidFill>
+                  <a:srgbClr val="808080"/>
+                </a:solidFill>
+                <a:latin typeface="Source Code Pro" panose="020B0509030403020204" pitchFamily="49" charset="0"/>
+              </a:rPr>
+              <a:t>&gt;</a:t>
+            </a:r>
+            <a:endParaRPr lang="de-AT" sz="1200" dirty="0">
+              <a:solidFill>
+                <a:srgbClr val="D4D4D4"/>
+              </a:solidFill>
+              <a:latin typeface="Source Code Pro" panose="020B0509030403020204" pitchFamily="49" charset="0"/>
+            </a:endParaRPr>
+          </a:p>
+          <a:p>
+            <a:r>
+              <a:rPr lang="de-AT" sz="1200" dirty="0">
+                <a:solidFill>
+                  <a:srgbClr val="569CD6"/>
+                </a:solidFill>
+                <a:latin typeface="Source Code Pro" panose="020B0509030403020204" pitchFamily="49" charset="0"/>
+              </a:rPr>
+              <a:t>&lt;?</a:t>
+            </a:r>
+            <a:r>
+              <a:rPr lang="de-AT" sz="1200" dirty="0" err="1">
+                <a:solidFill>
+                  <a:srgbClr val="569CD6"/>
+                </a:solidFill>
+                <a:latin typeface="Source Code Pro" panose="020B0509030403020204" pitchFamily="49" charset="0"/>
+              </a:rPr>
+              <a:t>php</a:t>
+            </a:r>
+            <a:endParaRPr lang="de-AT" sz="1200" dirty="0">
+              <a:solidFill>
+                <a:srgbClr val="569CD6"/>
+              </a:solidFill>
+              <a:latin typeface="Source Code Pro" panose="020B0509030403020204" pitchFamily="49" charset="0"/>
+            </a:endParaRPr>
+          </a:p>
+          <a:p>
+            <a:endParaRPr lang="de-AT" sz="1200" dirty="0">
+              <a:solidFill>
+                <a:srgbClr val="D4D4D4"/>
+              </a:solidFill>
+              <a:latin typeface="Source Code Pro" panose="020B0509030403020204" pitchFamily="49" charset="0"/>
+            </a:endParaRPr>
+          </a:p>
+          <a:p>
+            <a:pPr>
+              <a:lnSpc>
+                <a:spcPts val="1425"/>
+              </a:lnSpc>
+              <a:spcAft>
+                <a:spcPts val="800"/>
+              </a:spcAft>
+            </a:pPr>
+            <a:r>
+              <a:rPr lang="de-AT" sz="1200" dirty="0">
+                <a:solidFill>
+                  <a:srgbClr val="D4D4D4"/>
+                </a:solidFill>
+                <a:latin typeface="Source Code Pro" panose="020B0509030403020204" pitchFamily="49" charset="0"/>
+              </a:rPr>
+              <a:t>  </a:t>
+            </a:r>
+            <a:r>
+              <a:rPr lang="en-US" sz="1200" dirty="0">
+                <a:solidFill>
+                  <a:srgbClr val="9CDCFE"/>
+                </a:solidFill>
+                <a:effectLst/>
+                <a:latin typeface="Consolas" panose="020B0609020204030204" pitchFamily="49" charset="0"/>
+                <a:ea typeface="Times New Roman" panose="02020603050405020304" pitchFamily="18" charset="0"/>
+                <a:cs typeface="Times New Roman" panose="02020603050405020304" pitchFamily="18" charset="0"/>
+              </a:rPr>
+              <a:t>$</a:t>
+            </a:r>
+            <a:r>
+              <a:rPr lang="en-US" sz="1200" dirty="0" err="1">
+                <a:solidFill>
+                  <a:srgbClr val="9CDCFE"/>
+                </a:solidFill>
+                <a:effectLst/>
+                <a:latin typeface="Consolas" panose="020B0609020204030204" pitchFamily="49" charset="0"/>
+                <a:ea typeface="Times New Roman" panose="02020603050405020304" pitchFamily="18" charset="0"/>
+                <a:cs typeface="Times New Roman" panose="02020603050405020304" pitchFamily="18" charset="0"/>
+              </a:rPr>
+              <a:t>mysqli</a:t>
+            </a:r>
+            <a:r>
+              <a:rPr lang="en-US" sz="1200" dirty="0">
+                <a:solidFill>
+                  <a:srgbClr val="D4D4D4"/>
+                </a:solidFill>
+                <a:effectLst/>
+                <a:latin typeface="Consolas" panose="020B0609020204030204" pitchFamily="49" charset="0"/>
+                <a:ea typeface="Times New Roman" panose="02020603050405020304" pitchFamily="18" charset="0"/>
+                <a:cs typeface="Times New Roman" panose="02020603050405020304" pitchFamily="18" charset="0"/>
+              </a:rPr>
+              <a:t> = </a:t>
+            </a:r>
+            <a:r>
+              <a:rPr lang="en-US" sz="1200" dirty="0">
+                <a:solidFill>
+                  <a:srgbClr val="569CD6"/>
+                </a:solidFill>
+                <a:effectLst/>
+                <a:latin typeface="Consolas" panose="020B0609020204030204" pitchFamily="49" charset="0"/>
+                <a:ea typeface="Times New Roman" panose="02020603050405020304" pitchFamily="18" charset="0"/>
+                <a:cs typeface="Times New Roman" panose="02020603050405020304" pitchFamily="18" charset="0"/>
+              </a:rPr>
+              <a:t>new</a:t>
+            </a:r>
+            <a:r>
+              <a:rPr lang="en-US" sz="1200" dirty="0">
+                <a:solidFill>
+                  <a:srgbClr val="D4D4D4"/>
+                </a:solidFill>
+                <a:effectLst/>
+                <a:latin typeface="Consolas" panose="020B0609020204030204" pitchFamily="49" charset="0"/>
+                <a:ea typeface="Times New Roman" panose="02020603050405020304" pitchFamily="18" charset="0"/>
+                <a:cs typeface="Times New Roman" panose="02020603050405020304" pitchFamily="18" charset="0"/>
+              </a:rPr>
+              <a:t> </a:t>
+            </a:r>
+            <a:r>
+              <a:rPr lang="en-US" sz="1200" dirty="0" err="1">
+                <a:solidFill>
+                  <a:srgbClr val="4EC9B0"/>
+                </a:solidFill>
+                <a:effectLst/>
+                <a:latin typeface="Consolas" panose="020B0609020204030204" pitchFamily="49" charset="0"/>
+                <a:ea typeface="Times New Roman" panose="02020603050405020304" pitchFamily="18" charset="0"/>
+                <a:cs typeface="Times New Roman" panose="02020603050405020304" pitchFamily="18" charset="0"/>
+              </a:rPr>
+              <a:t>mysqli</a:t>
+            </a:r>
+            <a:r>
+              <a:rPr lang="en-US" sz="1200" dirty="0">
+                <a:solidFill>
+                  <a:srgbClr val="D4D4D4"/>
+                </a:solidFill>
+                <a:effectLst/>
+                <a:latin typeface="Consolas" panose="020B0609020204030204" pitchFamily="49" charset="0"/>
+                <a:ea typeface="Times New Roman" panose="02020603050405020304" pitchFamily="18" charset="0"/>
+                <a:cs typeface="Times New Roman" panose="02020603050405020304" pitchFamily="18" charset="0"/>
+              </a:rPr>
+              <a:t> (</a:t>
+            </a:r>
+            <a:r>
+              <a:rPr lang="en-US" sz="1200" dirty="0">
+                <a:solidFill>
+                  <a:srgbClr val="CE9178"/>
+                </a:solidFill>
+                <a:effectLst/>
+                <a:latin typeface="Consolas" panose="020B0609020204030204" pitchFamily="49" charset="0"/>
+                <a:ea typeface="Times New Roman" panose="02020603050405020304" pitchFamily="18" charset="0"/>
+                <a:cs typeface="Times New Roman" panose="02020603050405020304" pitchFamily="18" charset="0"/>
+              </a:rPr>
+              <a:t>"localhost"</a:t>
+            </a:r>
+            <a:r>
+              <a:rPr lang="en-US" sz="1200" dirty="0">
+                <a:solidFill>
+                  <a:srgbClr val="D4D4D4"/>
+                </a:solidFill>
+                <a:effectLst/>
+                <a:latin typeface="Consolas" panose="020B0609020204030204" pitchFamily="49" charset="0"/>
+                <a:ea typeface="Times New Roman" panose="02020603050405020304" pitchFamily="18" charset="0"/>
+                <a:cs typeface="Times New Roman" panose="02020603050405020304" pitchFamily="18" charset="0"/>
+              </a:rPr>
+              <a:t>, </a:t>
+            </a:r>
+            <a:r>
+              <a:rPr lang="en-US" sz="1200" dirty="0">
+                <a:solidFill>
+                  <a:srgbClr val="CE9178"/>
+                </a:solidFill>
+                <a:effectLst/>
+                <a:latin typeface="Consolas" panose="020B0609020204030204" pitchFamily="49" charset="0"/>
+                <a:ea typeface="Times New Roman" panose="02020603050405020304" pitchFamily="18" charset="0"/>
+                <a:cs typeface="Times New Roman" panose="02020603050405020304" pitchFamily="18" charset="0"/>
+              </a:rPr>
+              <a:t>"root"</a:t>
+            </a:r>
+            <a:r>
+              <a:rPr lang="en-US" sz="1200" dirty="0">
+                <a:solidFill>
+                  <a:srgbClr val="D4D4D4"/>
+                </a:solidFill>
+                <a:effectLst/>
+                <a:latin typeface="Consolas" panose="020B0609020204030204" pitchFamily="49" charset="0"/>
+                <a:ea typeface="Times New Roman" panose="02020603050405020304" pitchFamily="18" charset="0"/>
+                <a:cs typeface="Times New Roman" panose="02020603050405020304" pitchFamily="18" charset="0"/>
+              </a:rPr>
+              <a:t>, </a:t>
+            </a:r>
+            <a:r>
+              <a:rPr lang="en-US" sz="1200" dirty="0">
+                <a:solidFill>
+                  <a:srgbClr val="CE9178"/>
+                </a:solidFill>
+                <a:effectLst/>
+                <a:latin typeface="Consolas" panose="020B0609020204030204" pitchFamily="49" charset="0"/>
+                <a:ea typeface="Times New Roman" panose="02020603050405020304" pitchFamily="18" charset="0"/>
+                <a:cs typeface="Times New Roman" panose="02020603050405020304" pitchFamily="18" charset="0"/>
+              </a:rPr>
+              <a:t>""</a:t>
+            </a:r>
+            <a:r>
+              <a:rPr lang="en-US" sz="1200" dirty="0">
+                <a:solidFill>
+                  <a:srgbClr val="D4D4D4"/>
+                </a:solidFill>
+                <a:effectLst/>
+                <a:latin typeface="Consolas" panose="020B0609020204030204" pitchFamily="49" charset="0"/>
+                <a:ea typeface="Times New Roman" panose="02020603050405020304" pitchFamily="18" charset="0"/>
+                <a:cs typeface="Times New Roman" panose="02020603050405020304" pitchFamily="18" charset="0"/>
+              </a:rPr>
+              <a:t>, </a:t>
+            </a:r>
+            <a:r>
+              <a:rPr lang="en-US" sz="1200" dirty="0">
+                <a:solidFill>
+                  <a:srgbClr val="CE9178"/>
+                </a:solidFill>
+                <a:effectLst/>
+                <a:latin typeface="Consolas" panose="020B0609020204030204" pitchFamily="49" charset="0"/>
+                <a:ea typeface="Times New Roman" panose="02020603050405020304" pitchFamily="18" charset="0"/>
+                <a:cs typeface="Times New Roman" panose="02020603050405020304" pitchFamily="18" charset="0"/>
+              </a:rPr>
+              <a:t>"user"</a:t>
+            </a:r>
+            <a:r>
+              <a:rPr lang="en-US" sz="1200" dirty="0">
+                <a:solidFill>
+                  <a:srgbClr val="D4D4D4"/>
+                </a:solidFill>
+                <a:effectLst/>
+                <a:latin typeface="Consolas" panose="020B0609020204030204" pitchFamily="49" charset="0"/>
+                <a:ea typeface="Times New Roman" panose="02020603050405020304" pitchFamily="18" charset="0"/>
+                <a:cs typeface="Times New Roman" panose="02020603050405020304" pitchFamily="18" charset="0"/>
+              </a:rPr>
+              <a:t>);</a:t>
+            </a:r>
+            <a:endParaRPr lang="de-AT" sz="1200" dirty="0">
+              <a:effectLst/>
+              <a:latin typeface="Calibri" panose="020F0502020204030204" pitchFamily="34" charset="0"/>
+              <a:ea typeface="Calibri" panose="020F0502020204030204" pitchFamily="34" charset="0"/>
+              <a:cs typeface="Times New Roman" panose="02020603050405020304" pitchFamily="18" charset="0"/>
+            </a:endParaRPr>
+          </a:p>
+          <a:p>
+            <a:pPr>
+              <a:lnSpc>
+                <a:spcPts val="1425"/>
+              </a:lnSpc>
+              <a:spcAft>
+                <a:spcPts val="800"/>
+              </a:spcAft>
+            </a:pPr>
+            <a:r>
+              <a:rPr lang="en-US" sz="1200" dirty="0">
+                <a:solidFill>
+                  <a:srgbClr val="D4D4D4"/>
+                </a:solidFill>
+                <a:effectLst/>
+                <a:latin typeface="Consolas" panose="020B0609020204030204" pitchFamily="49" charset="0"/>
+                <a:ea typeface="Times New Roman" panose="02020603050405020304" pitchFamily="18" charset="0"/>
+                <a:cs typeface="Times New Roman" panose="02020603050405020304" pitchFamily="18" charset="0"/>
+              </a:rPr>
+              <a:t>   </a:t>
+            </a:r>
+            <a:r>
+              <a:rPr lang="en-US" sz="1200" dirty="0">
+                <a:solidFill>
+                  <a:srgbClr val="C586C0"/>
+                </a:solidFill>
+                <a:effectLst/>
+                <a:latin typeface="Consolas" panose="020B0609020204030204" pitchFamily="49" charset="0"/>
+                <a:ea typeface="Times New Roman" panose="02020603050405020304" pitchFamily="18" charset="0"/>
+                <a:cs typeface="Times New Roman" panose="02020603050405020304" pitchFamily="18" charset="0"/>
+              </a:rPr>
+              <a:t>if</a:t>
+            </a:r>
+            <a:r>
+              <a:rPr lang="en-US" sz="1200" dirty="0">
+                <a:solidFill>
+                  <a:srgbClr val="D4D4D4"/>
+                </a:solidFill>
+                <a:effectLst/>
+                <a:latin typeface="Consolas" panose="020B0609020204030204" pitchFamily="49" charset="0"/>
+                <a:ea typeface="Times New Roman" panose="02020603050405020304" pitchFamily="18" charset="0"/>
+                <a:cs typeface="Times New Roman" panose="02020603050405020304" pitchFamily="18" charset="0"/>
+              </a:rPr>
+              <a:t>(</a:t>
+            </a:r>
+            <a:r>
+              <a:rPr lang="en-US" sz="1200" dirty="0">
+                <a:solidFill>
+                  <a:srgbClr val="9CDCFE"/>
+                </a:solidFill>
+                <a:effectLst/>
+                <a:latin typeface="Consolas" panose="020B0609020204030204" pitchFamily="49" charset="0"/>
+                <a:ea typeface="Times New Roman" panose="02020603050405020304" pitchFamily="18" charset="0"/>
+                <a:cs typeface="Times New Roman" panose="02020603050405020304" pitchFamily="18" charset="0"/>
+              </a:rPr>
+              <a:t>$</a:t>
+            </a:r>
+            <a:r>
+              <a:rPr lang="en-US" sz="1200" dirty="0" err="1">
+                <a:solidFill>
+                  <a:srgbClr val="9CDCFE"/>
+                </a:solidFill>
+                <a:effectLst/>
+                <a:latin typeface="Consolas" panose="020B0609020204030204" pitchFamily="49" charset="0"/>
+                <a:ea typeface="Times New Roman" panose="02020603050405020304" pitchFamily="18" charset="0"/>
+                <a:cs typeface="Times New Roman" panose="02020603050405020304" pitchFamily="18" charset="0"/>
+              </a:rPr>
+              <a:t>mysqli</a:t>
+            </a:r>
+            <a:r>
+              <a:rPr lang="en-US" sz="1200" dirty="0">
+                <a:solidFill>
+                  <a:srgbClr val="D4D4D4"/>
+                </a:solidFill>
+                <a:effectLst/>
+                <a:latin typeface="Consolas" panose="020B0609020204030204" pitchFamily="49" charset="0"/>
+                <a:ea typeface="Times New Roman" panose="02020603050405020304" pitchFamily="18" charset="0"/>
+                <a:cs typeface="Times New Roman" panose="02020603050405020304" pitchFamily="18" charset="0"/>
+              </a:rPr>
+              <a:t>-&gt;</a:t>
+            </a:r>
+            <a:r>
+              <a:rPr lang="en-US" sz="1200" dirty="0" err="1">
+                <a:solidFill>
+                  <a:srgbClr val="9CDCFE"/>
+                </a:solidFill>
+                <a:effectLst/>
+                <a:latin typeface="Consolas" panose="020B0609020204030204" pitchFamily="49" charset="0"/>
+                <a:ea typeface="Times New Roman" panose="02020603050405020304" pitchFamily="18" charset="0"/>
+                <a:cs typeface="Times New Roman" panose="02020603050405020304" pitchFamily="18" charset="0"/>
+              </a:rPr>
+              <a:t>connect_errno</a:t>
+            </a:r>
+            <a:r>
+              <a:rPr lang="en-US" sz="1200" dirty="0">
+                <a:solidFill>
+                  <a:srgbClr val="D4D4D4"/>
+                </a:solidFill>
+                <a:effectLst/>
+                <a:latin typeface="Consolas" panose="020B0609020204030204" pitchFamily="49" charset="0"/>
+                <a:ea typeface="Times New Roman" panose="02020603050405020304" pitchFamily="18" charset="0"/>
+                <a:cs typeface="Times New Roman" panose="02020603050405020304" pitchFamily="18" charset="0"/>
+              </a:rPr>
+              <a:t>) {</a:t>
+            </a:r>
+            <a:endParaRPr lang="de-AT" sz="1200" dirty="0">
+              <a:effectLst/>
+              <a:latin typeface="Calibri" panose="020F0502020204030204" pitchFamily="34" charset="0"/>
+              <a:ea typeface="Calibri" panose="020F0502020204030204" pitchFamily="34" charset="0"/>
+              <a:cs typeface="Times New Roman" panose="02020603050405020304" pitchFamily="18" charset="0"/>
+            </a:endParaRPr>
+          </a:p>
+          <a:p>
+            <a:pPr>
+              <a:lnSpc>
+                <a:spcPts val="1425"/>
+              </a:lnSpc>
+              <a:spcAft>
+                <a:spcPts val="800"/>
+              </a:spcAft>
+            </a:pPr>
+            <a:r>
+              <a:rPr lang="en-US" sz="1200" dirty="0">
+                <a:solidFill>
+                  <a:srgbClr val="D4D4D4"/>
+                </a:solidFill>
+                <a:effectLst/>
+                <a:latin typeface="Consolas" panose="020B0609020204030204" pitchFamily="49" charset="0"/>
+                <a:ea typeface="Times New Roman" panose="02020603050405020304" pitchFamily="18" charset="0"/>
+                <a:cs typeface="Times New Roman" panose="02020603050405020304" pitchFamily="18" charset="0"/>
+              </a:rPr>
+              <a:t>        </a:t>
+            </a:r>
+            <a:r>
+              <a:rPr lang="en-US" sz="1200" dirty="0" err="1">
+                <a:solidFill>
+                  <a:srgbClr val="DCDCAA"/>
+                </a:solidFill>
+                <a:effectLst/>
+                <a:latin typeface="Consolas" panose="020B0609020204030204" pitchFamily="49" charset="0"/>
+                <a:ea typeface="Times New Roman" panose="02020603050405020304" pitchFamily="18" charset="0"/>
+                <a:cs typeface="Times New Roman" panose="02020603050405020304" pitchFamily="18" charset="0"/>
+              </a:rPr>
+              <a:t>printf</a:t>
+            </a:r>
+            <a:r>
+              <a:rPr lang="en-US" sz="1200" dirty="0">
+                <a:solidFill>
+                  <a:srgbClr val="D4D4D4"/>
+                </a:solidFill>
+                <a:effectLst/>
+                <a:latin typeface="Consolas" panose="020B0609020204030204" pitchFamily="49" charset="0"/>
+                <a:ea typeface="Times New Roman" panose="02020603050405020304" pitchFamily="18" charset="0"/>
+                <a:cs typeface="Times New Roman" panose="02020603050405020304" pitchFamily="18" charset="0"/>
+              </a:rPr>
+              <a:t>(</a:t>
+            </a:r>
+            <a:r>
+              <a:rPr lang="en-US" sz="1200" dirty="0">
+                <a:solidFill>
+                  <a:srgbClr val="CE9178"/>
+                </a:solidFill>
+                <a:effectLst/>
+                <a:latin typeface="Consolas" panose="020B0609020204030204" pitchFamily="49" charset="0"/>
+                <a:ea typeface="Times New Roman" panose="02020603050405020304" pitchFamily="18" charset="0"/>
+                <a:cs typeface="Times New Roman" panose="02020603050405020304" pitchFamily="18" charset="0"/>
+              </a:rPr>
+              <a:t>"Connection failed : %s</a:t>
+            </a:r>
+            <a:r>
+              <a:rPr lang="en-US" sz="1200" dirty="0">
+                <a:solidFill>
+                  <a:srgbClr val="D7BA7D"/>
+                </a:solidFill>
+                <a:effectLst/>
+                <a:latin typeface="Consolas" panose="020B0609020204030204" pitchFamily="49" charset="0"/>
+                <a:ea typeface="Times New Roman" panose="02020603050405020304" pitchFamily="18" charset="0"/>
+                <a:cs typeface="Times New Roman" panose="02020603050405020304" pitchFamily="18" charset="0"/>
+              </a:rPr>
+              <a:t>\n</a:t>
+            </a:r>
+            <a:r>
+              <a:rPr lang="en-US" sz="1200" dirty="0">
+                <a:solidFill>
+                  <a:srgbClr val="CE9178"/>
+                </a:solidFill>
+                <a:effectLst/>
+                <a:latin typeface="Consolas" panose="020B0609020204030204" pitchFamily="49" charset="0"/>
+                <a:ea typeface="Times New Roman" panose="02020603050405020304" pitchFamily="18" charset="0"/>
+                <a:cs typeface="Times New Roman" panose="02020603050405020304" pitchFamily="18" charset="0"/>
+              </a:rPr>
+              <a:t>"</a:t>
+            </a:r>
+            <a:r>
+              <a:rPr lang="en-US" sz="1200" dirty="0">
+                <a:solidFill>
+                  <a:srgbClr val="D4D4D4"/>
+                </a:solidFill>
+                <a:effectLst/>
+                <a:latin typeface="Consolas" panose="020B0609020204030204" pitchFamily="49" charset="0"/>
+                <a:ea typeface="Times New Roman" panose="02020603050405020304" pitchFamily="18" charset="0"/>
+                <a:cs typeface="Times New Roman" panose="02020603050405020304" pitchFamily="18" charset="0"/>
+              </a:rPr>
+              <a:t>, </a:t>
+            </a:r>
+            <a:r>
+              <a:rPr lang="en-US" sz="1200" dirty="0">
+                <a:solidFill>
+                  <a:srgbClr val="9CDCFE"/>
+                </a:solidFill>
+                <a:effectLst/>
+                <a:latin typeface="Consolas" panose="020B0609020204030204" pitchFamily="49" charset="0"/>
+                <a:ea typeface="Times New Roman" panose="02020603050405020304" pitchFamily="18" charset="0"/>
+                <a:cs typeface="Times New Roman" panose="02020603050405020304" pitchFamily="18" charset="0"/>
+              </a:rPr>
+              <a:t>$</a:t>
+            </a:r>
+            <a:r>
+              <a:rPr lang="en-US" sz="1200" dirty="0" err="1">
+                <a:solidFill>
+                  <a:srgbClr val="9CDCFE"/>
+                </a:solidFill>
+                <a:effectLst/>
+                <a:latin typeface="Consolas" panose="020B0609020204030204" pitchFamily="49" charset="0"/>
+                <a:ea typeface="Times New Roman" panose="02020603050405020304" pitchFamily="18" charset="0"/>
+                <a:cs typeface="Times New Roman" panose="02020603050405020304" pitchFamily="18" charset="0"/>
+              </a:rPr>
+              <a:t>mysqli</a:t>
+            </a:r>
+            <a:r>
+              <a:rPr lang="en-US" sz="1200" dirty="0">
+                <a:solidFill>
+                  <a:srgbClr val="D4D4D4"/>
+                </a:solidFill>
+                <a:effectLst/>
+                <a:latin typeface="Consolas" panose="020B0609020204030204" pitchFamily="49" charset="0"/>
+                <a:ea typeface="Times New Roman" panose="02020603050405020304" pitchFamily="18" charset="0"/>
+                <a:cs typeface="Times New Roman" panose="02020603050405020304" pitchFamily="18" charset="0"/>
+              </a:rPr>
+              <a:t>-&gt;</a:t>
+            </a:r>
+            <a:r>
+              <a:rPr lang="en-US" sz="1200" dirty="0" err="1">
+                <a:solidFill>
+                  <a:srgbClr val="9CDCFE"/>
+                </a:solidFill>
+                <a:effectLst/>
+                <a:latin typeface="Consolas" panose="020B0609020204030204" pitchFamily="49" charset="0"/>
+                <a:ea typeface="Times New Roman" panose="02020603050405020304" pitchFamily="18" charset="0"/>
+                <a:cs typeface="Times New Roman" panose="02020603050405020304" pitchFamily="18" charset="0"/>
+              </a:rPr>
+              <a:t>connect_error</a:t>
+            </a:r>
+            <a:r>
+              <a:rPr lang="en-US" sz="1200" dirty="0">
+                <a:solidFill>
+                  <a:srgbClr val="D4D4D4"/>
+                </a:solidFill>
+                <a:effectLst/>
+                <a:latin typeface="Consolas" panose="020B0609020204030204" pitchFamily="49" charset="0"/>
+                <a:ea typeface="Times New Roman" panose="02020603050405020304" pitchFamily="18" charset="0"/>
+                <a:cs typeface="Times New Roman" panose="02020603050405020304" pitchFamily="18" charset="0"/>
+              </a:rPr>
+              <a:t>);</a:t>
+            </a:r>
+            <a:endParaRPr lang="de-AT" sz="1200" dirty="0">
+              <a:effectLst/>
+              <a:latin typeface="Calibri" panose="020F0502020204030204" pitchFamily="34" charset="0"/>
+              <a:ea typeface="Calibri" panose="020F0502020204030204" pitchFamily="34" charset="0"/>
+              <a:cs typeface="Times New Roman" panose="02020603050405020304" pitchFamily="18" charset="0"/>
+            </a:endParaRPr>
+          </a:p>
+          <a:p>
+            <a:pPr>
+              <a:lnSpc>
+                <a:spcPts val="1425"/>
+              </a:lnSpc>
+              <a:spcAft>
+                <a:spcPts val="800"/>
+              </a:spcAft>
+            </a:pPr>
+            <a:r>
+              <a:rPr lang="en-US" sz="1200" dirty="0">
+                <a:solidFill>
+                  <a:srgbClr val="D4D4D4"/>
+                </a:solidFill>
+                <a:effectLst/>
+                <a:latin typeface="Consolas" panose="020B0609020204030204" pitchFamily="49" charset="0"/>
+                <a:ea typeface="Times New Roman" panose="02020603050405020304" pitchFamily="18" charset="0"/>
+                <a:cs typeface="Times New Roman" panose="02020603050405020304" pitchFamily="18" charset="0"/>
+              </a:rPr>
+              <a:t>        </a:t>
+            </a:r>
+            <a:r>
+              <a:rPr lang="en-US" sz="1200" dirty="0">
+                <a:solidFill>
+                  <a:srgbClr val="C586C0"/>
+                </a:solidFill>
+                <a:effectLst/>
+                <a:latin typeface="Consolas" panose="020B0609020204030204" pitchFamily="49" charset="0"/>
+                <a:ea typeface="Times New Roman" panose="02020603050405020304" pitchFamily="18" charset="0"/>
+                <a:cs typeface="Times New Roman" panose="02020603050405020304" pitchFamily="18" charset="0"/>
+              </a:rPr>
+              <a:t>exit</a:t>
+            </a:r>
+            <a:r>
+              <a:rPr lang="en-US" sz="1200" dirty="0">
+                <a:solidFill>
+                  <a:srgbClr val="D4D4D4"/>
+                </a:solidFill>
+                <a:effectLst/>
+                <a:latin typeface="Consolas" panose="020B0609020204030204" pitchFamily="49" charset="0"/>
+                <a:ea typeface="Times New Roman" panose="02020603050405020304" pitchFamily="18" charset="0"/>
+                <a:cs typeface="Times New Roman" panose="02020603050405020304" pitchFamily="18" charset="0"/>
+              </a:rPr>
+              <a:t>();</a:t>
+            </a:r>
+            <a:endParaRPr lang="de-AT" sz="1200" dirty="0">
+              <a:effectLst/>
+              <a:latin typeface="Calibri" panose="020F0502020204030204" pitchFamily="34" charset="0"/>
+              <a:ea typeface="Calibri" panose="020F0502020204030204" pitchFamily="34" charset="0"/>
+              <a:cs typeface="Times New Roman" panose="02020603050405020304" pitchFamily="18" charset="0"/>
+            </a:endParaRPr>
+          </a:p>
+          <a:p>
+            <a:pPr>
+              <a:lnSpc>
+                <a:spcPts val="1425"/>
+              </a:lnSpc>
+              <a:spcAft>
+                <a:spcPts val="800"/>
+              </a:spcAft>
+            </a:pPr>
+            <a:r>
+              <a:rPr lang="en-US" sz="1200" dirty="0">
+                <a:solidFill>
+                  <a:srgbClr val="D4D4D4"/>
+                </a:solidFill>
+                <a:effectLst/>
+                <a:latin typeface="Consolas" panose="020B0609020204030204" pitchFamily="49" charset="0"/>
+                <a:ea typeface="Times New Roman" panose="02020603050405020304" pitchFamily="18" charset="0"/>
+                <a:cs typeface="Times New Roman" panose="02020603050405020304" pitchFamily="18" charset="0"/>
+              </a:rPr>
+              <a:t>    }</a:t>
+            </a:r>
+            <a:endParaRPr lang="de-AT" sz="1200" dirty="0">
+              <a:effectLst/>
+              <a:latin typeface="Calibri" panose="020F0502020204030204" pitchFamily="34" charset="0"/>
+              <a:ea typeface="Calibri" panose="020F0502020204030204" pitchFamily="34" charset="0"/>
+              <a:cs typeface="Times New Roman" panose="02020603050405020304" pitchFamily="18" charset="0"/>
+            </a:endParaRPr>
+          </a:p>
+          <a:p>
+            <a:pPr>
+              <a:lnSpc>
+                <a:spcPts val="1425"/>
+              </a:lnSpc>
+              <a:spcAft>
+                <a:spcPts val="800"/>
+              </a:spcAft>
+            </a:pPr>
+            <a:r>
+              <a:rPr lang="en-US" sz="1200" dirty="0">
+                <a:solidFill>
+                  <a:srgbClr val="D4D4D4"/>
+                </a:solidFill>
+                <a:effectLst/>
+                <a:latin typeface="Consolas" panose="020B0609020204030204" pitchFamily="49" charset="0"/>
+                <a:ea typeface="Times New Roman" panose="02020603050405020304" pitchFamily="18" charset="0"/>
+                <a:cs typeface="Times New Roman" panose="02020603050405020304" pitchFamily="18" charset="0"/>
+              </a:rPr>
+              <a:t>    </a:t>
+            </a:r>
+            <a:r>
+              <a:rPr lang="en-US" sz="1200" dirty="0">
+                <a:solidFill>
+                  <a:srgbClr val="9CDCFE"/>
+                </a:solidFill>
+                <a:effectLst/>
+                <a:latin typeface="Consolas" panose="020B0609020204030204" pitchFamily="49" charset="0"/>
+                <a:ea typeface="Times New Roman" panose="02020603050405020304" pitchFamily="18" charset="0"/>
+                <a:cs typeface="Times New Roman" panose="02020603050405020304" pitchFamily="18" charset="0"/>
+              </a:rPr>
+              <a:t>$delete</a:t>
+            </a:r>
+            <a:r>
+              <a:rPr lang="en-US" sz="1200" dirty="0">
+                <a:solidFill>
+                  <a:srgbClr val="D4D4D4"/>
+                </a:solidFill>
+                <a:effectLst/>
+                <a:latin typeface="Consolas" panose="020B0609020204030204" pitchFamily="49" charset="0"/>
+                <a:ea typeface="Times New Roman" panose="02020603050405020304" pitchFamily="18" charset="0"/>
+                <a:cs typeface="Times New Roman" panose="02020603050405020304" pitchFamily="18" charset="0"/>
+              </a:rPr>
+              <a:t> = </a:t>
+            </a:r>
+            <a:r>
+              <a:rPr lang="en-US" sz="1200" dirty="0">
+                <a:solidFill>
+                  <a:srgbClr val="CE9178"/>
+                </a:solidFill>
+                <a:effectLst/>
+                <a:latin typeface="Consolas" panose="020B0609020204030204" pitchFamily="49" charset="0"/>
+                <a:ea typeface="Times New Roman" panose="02020603050405020304" pitchFamily="18" charset="0"/>
+                <a:cs typeface="Times New Roman" panose="02020603050405020304" pitchFamily="18" charset="0"/>
+              </a:rPr>
+              <a:t>"</a:t>
+            </a:r>
+            <a:r>
+              <a:rPr lang="en-US" sz="1200" dirty="0">
+                <a:solidFill>
+                  <a:srgbClr val="569CD6"/>
+                </a:solidFill>
+                <a:effectLst/>
+                <a:latin typeface="Consolas" panose="020B0609020204030204" pitchFamily="49" charset="0"/>
+                <a:ea typeface="Times New Roman" panose="02020603050405020304" pitchFamily="18" charset="0"/>
+                <a:cs typeface="Times New Roman" panose="02020603050405020304" pitchFamily="18" charset="0"/>
+              </a:rPr>
+              <a:t>DELETE</a:t>
+            </a:r>
+            <a:r>
+              <a:rPr lang="en-US" sz="1200" dirty="0">
+                <a:solidFill>
+                  <a:srgbClr val="CE9178"/>
+                </a:solidFill>
+                <a:effectLst/>
+                <a:latin typeface="Consolas" panose="020B0609020204030204" pitchFamily="49" charset="0"/>
+                <a:ea typeface="Times New Roman" panose="02020603050405020304" pitchFamily="18" charset="0"/>
+                <a:cs typeface="Times New Roman" panose="02020603050405020304" pitchFamily="18" charset="0"/>
+              </a:rPr>
+              <a:t> </a:t>
+            </a:r>
+            <a:r>
+              <a:rPr lang="en-US" sz="1200" dirty="0">
+                <a:solidFill>
+                  <a:srgbClr val="569CD6"/>
+                </a:solidFill>
+                <a:effectLst/>
+                <a:latin typeface="Consolas" panose="020B0609020204030204" pitchFamily="49" charset="0"/>
+                <a:ea typeface="Times New Roman" panose="02020603050405020304" pitchFamily="18" charset="0"/>
+                <a:cs typeface="Times New Roman" panose="02020603050405020304" pitchFamily="18" charset="0"/>
+              </a:rPr>
+              <a:t>FROM</a:t>
+            </a:r>
+            <a:r>
+              <a:rPr lang="en-US" sz="1200" dirty="0">
+                <a:solidFill>
+                  <a:srgbClr val="CE9178"/>
+                </a:solidFill>
+                <a:effectLst/>
+                <a:latin typeface="Consolas" panose="020B0609020204030204" pitchFamily="49" charset="0"/>
+                <a:ea typeface="Times New Roman" panose="02020603050405020304" pitchFamily="18" charset="0"/>
+                <a:cs typeface="Times New Roman" panose="02020603050405020304" pitchFamily="18" charset="0"/>
+              </a:rPr>
+              <a:t> user </a:t>
+            </a:r>
+            <a:r>
+              <a:rPr lang="en-US" sz="1200" dirty="0">
+                <a:solidFill>
+                  <a:srgbClr val="569CD6"/>
+                </a:solidFill>
+                <a:effectLst/>
+                <a:latin typeface="Consolas" panose="020B0609020204030204" pitchFamily="49" charset="0"/>
+                <a:ea typeface="Times New Roman" panose="02020603050405020304" pitchFamily="18" charset="0"/>
+                <a:cs typeface="Times New Roman" panose="02020603050405020304" pitchFamily="18" charset="0"/>
+              </a:rPr>
+              <a:t>WHERE</a:t>
+            </a:r>
+            <a:r>
+              <a:rPr lang="en-US" sz="1200" dirty="0">
+                <a:solidFill>
+                  <a:srgbClr val="CE9178"/>
+                </a:solidFill>
+                <a:effectLst/>
+                <a:latin typeface="Consolas" panose="020B0609020204030204" pitchFamily="49" charset="0"/>
+                <a:ea typeface="Times New Roman" panose="02020603050405020304" pitchFamily="18" charset="0"/>
+                <a:cs typeface="Times New Roman" panose="02020603050405020304" pitchFamily="18" charset="0"/>
+              </a:rPr>
+              <a:t> username</a:t>
+            </a:r>
+            <a:r>
+              <a:rPr lang="en-US" sz="1200" dirty="0">
+                <a:solidFill>
+                  <a:srgbClr val="D4D4D4"/>
+                </a:solidFill>
+                <a:effectLst/>
+                <a:latin typeface="Consolas" panose="020B0609020204030204" pitchFamily="49" charset="0"/>
+                <a:ea typeface="Times New Roman" panose="02020603050405020304" pitchFamily="18" charset="0"/>
+                <a:cs typeface="Times New Roman" panose="02020603050405020304" pitchFamily="18" charset="0"/>
+              </a:rPr>
+              <a:t>=</a:t>
+            </a:r>
+            <a:r>
+              <a:rPr lang="en-US" sz="1200" dirty="0">
+                <a:solidFill>
+                  <a:srgbClr val="CE9178"/>
+                </a:solidFill>
+                <a:effectLst/>
+                <a:latin typeface="Consolas" panose="020B0609020204030204" pitchFamily="49" charset="0"/>
+                <a:ea typeface="Times New Roman" panose="02020603050405020304" pitchFamily="18" charset="0"/>
+                <a:cs typeface="Times New Roman" panose="02020603050405020304" pitchFamily="18" charset="0"/>
+              </a:rPr>
+              <a:t>'".</a:t>
+            </a:r>
+            <a:r>
+              <a:rPr lang="en-US" sz="1200" dirty="0">
+                <a:solidFill>
+                  <a:srgbClr val="9CDCFE"/>
+                </a:solidFill>
+                <a:effectLst/>
+                <a:latin typeface="Consolas" panose="020B0609020204030204" pitchFamily="49" charset="0"/>
+                <a:ea typeface="Times New Roman" panose="02020603050405020304" pitchFamily="18" charset="0"/>
+                <a:cs typeface="Times New Roman" panose="02020603050405020304" pitchFamily="18" charset="0"/>
+              </a:rPr>
+              <a:t>$_POST</a:t>
+            </a:r>
+            <a:r>
+              <a:rPr lang="en-US" sz="1200" dirty="0">
+                <a:solidFill>
+                  <a:srgbClr val="CE9178"/>
+                </a:solidFill>
+                <a:effectLst/>
+                <a:latin typeface="Consolas" panose="020B0609020204030204" pitchFamily="49" charset="0"/>
+                <a:ea typeface="Times New Roman" panose="02020603050405020304" pitchFamily="18" charset="0"/>
+                <a:cs typeface="Times New Roman" panose="02020603050405020304" pitchFamily="18" charset="0"/>
+              </a:rPr>
+              <a:t>['username']."'"</a:t>
+            </a:r>
+            <a:r>
+              <a:rPr lang="en-US" sz="1200" dirty="0">
+                <a:solidFill>
+                  <a:srgbClr val="D4D4D4"/>
+                </a:solidFill>
+                <a:effectLst/>
+                <a:latin typeface="Consolas" panose="020B0609020204030204" pitchFamily="49" charset="0"/>
+                <a:ea typeface="Times New Roman" panose="02020603050405020304" pitchFamily="18" charset="0"/>
+                <a:cs typeface="Times New Roman" panose="02020603050405020304" pitchFamily="18" charset="0"/>
+              </a:rPr>
+              <a:t>;   </a:t>
+            </a:r>
+            <a:endParaRPr lang="de-AT" sz="1200" dirty="0">
+              <a:effectLst/>
+              <a:latin typeface="Calibri" panose="020F0502020204030204" pitchFamily="34" charset="0"/>
+              <a:ea typeface="Calibri" panose="020F0502020204030204" pitchFamily="34" charset="0"/>
+              <a:cs typeface="Times New Roman" panose="02020603050405020304" pitchFamily="18" charset="0"/>
+            </a:endParaRPr>
+          </a:p>
+          <a:p>
+            <a:pPr>
+              <a:lnSpc>
+                <a:spcPts val="1425"/>
+              </a:lnSpc>
+              <a:spcAft>
+                <a:spcPts val="800"/>
+              </a:spcAft>
+            </a:pPr>
+            <a:r>
+              <a:rPr lang="en-US" sz="1200" dirty="0">
+                <a:solidFill>
+                  <a:srgbClr val="D4D4D4"/>
+                </a:solidFill>
+                <a:effectLst/>
+                <a:latin typeface="Consolas" panose="020B0609020204030204" pitchFamily="49" charset="0"/>
+                <a:ea typeface="Times New Roman" panose="02020603050405020304" pitchFamily="18" charset="0"/>
+                <a:cs typeface="Times New Roman" panose="02020603050405020304" pitchFamily="18" charset="0"/>
+              </a:rPr>
+              <a:t>    </a:t>
+            </a:r>
+          </a:p>
+          <a:p>
+            <a:pPr>
+              <a:lnSpc>
+                <a:spcPts val="1425"/>
+              </a:lnSpc>
+              <a:spcAft>
+                <a:spcPts val="800"/>
+              </a:spcAft>
+            </a:pPr>
+            <a:r>
+              <a:rPr lang="en-US" sz="1200" dirty="0">
+                <a:solidFill>
+                  <a:srgbClr val="D4D4D4"/>
+                </a:solidFill>
+                <a:latin typeface="Consolas" panose="020B0609020204030204" pitchFamily="49" charset="0"/>
+                <a:ea typeface="Times New Roman" panose="02020603050405020304" pitchFamily="18" charset="0"/>
+                <a:cs typeface="Times New Roman" panose="02020603050405020304" pitchFamily="18" charset="0"/>
+              </a:rPr>
+              <a:t>   </a:t>
+            </a:r>
+            <a:r>
+              <a:rPr lang="en-US" sz="1200" dirty="0">
+                <a:solidFill>
+                  <a:srgbClr val="C586C0"/>
+                </a:solidFill>
+                <a:effectLst/>
+                <a:latin typeface="Consolas" panose="020B0609020204030204" pitchFamily="49" charset="0"/>
+                <a:ea typeface="Times New Roman" panose="02020603050405020304" pitchFamily="18" charset="0"/>
+                <a:cs typeface="Times New Roman" panose="02020603050405020304" pitchFamily="18" charset="0"/>
+              </a:rPr>
+              <a:t>if</a:t>
+            </a:r>
+            <a:r>
+              <a:rPr lang="en-US" sz="1200" dirty="0">
+                <a:solidFill>
+                  <a:srgbClr val="D4D4D4"/>
+                </a:solidFill>
+                <a:effectLst/>
+                <a:latin typeface="Consolas" panose="020B0609020204030204" pitchFamily="49" charset="0"/>
+                <a:ea typeface="Times New Roman" panose="02020603050405020304" pitchFamily="18" charset="0"/>
+                <a:cs typeface="Times New Roman" panose="02020603050405020304" pitchFamily="18" charset="0"/>
+              </a:rPr>
+              <a:t>(!</a:t>
+            </a:r>
+            <a:r>
+              <a:rPr lang="en-US" sz="1200" dirty="0">
+                <a:solidFill>
+                  <a:srgbClr val="9CDCFE"/>
+                </a:solidFill>
+                <a:effectLst/>
+                <a:latin typeface="Consolas" panose="020B0609020204030204" pitchFamily="49" charset="0"/>
+                <a:ea typeface="Times New Roman" panose="02020603050405020304" pitchFamily="18" charset="0"/>
+                <a:cs typeface="Times New Roman" panose="02020603050405020304" pitchFamily="18" charset="0"/>
+              </a:rPr>
+              <a:t>$</a:t>
+            </a:r>
+            <a:r>
+              <a:rPr lang="en-US" sz="1200" dirty="0" err="1">
+                <a:solidFill>
+                  <a:srgbClr val="9CDCFE"/>
+                </a:solidFill>
+                <a:effectLst/>
+                <a:latin typeface="Consolas" panose="020B0609020204030204" pitchFamily="49" charset="0"/>
+                <a:ea typeface="Times New Roman" panose="02020603050405020304" pitchFamily="18" charset="0"/>
+                <a:cs typeface="Times New Roman" panose="02020603050405020304" pitchFamily="18" charset="0"/>
+              </a:rPr>
+              <a:t>mysqli</a:t>
+            </a:r>
+            <a:r>
+              <a:rPr lang="en-US" sz="1200" dirty="0">
+                <a:solidFill>
+                  <a:srgbClr val="D4D4D4"/>
+                </a:solidFill>
+                <a:effectLst/>
+                <a:latin typeface="Consolas" panose="020B0609020204030204" pitchFamily="49" charset="0"/>
+                <a:ea typeface="Times New Roman" panose="02020603050405020304" pitchFamily="18" charset="0"/>
+                <a:cs typeface="Times New Roman" panose="02020603050405020304" pitchFamily="18" charset="0"/>
+              </a:rPr>
+              <a:t>-&gt;</a:t>
+            </a:r>
+            <a:r>
+              <a:rPr lang="en-US" sz="1200" dirty="0">
+                <a:solidFill>
+                  <a:srgbClr val="DCDCAA"/>
+                </a:solidFill>
+                <a:effectLst/>
+                <a:latin typeface="Consolas" panose="020B0609020204030204" pitchFamily="49" charset="0"/>
+                <a:ea typeface="Times New Roman" panose="02020603050405020304" pitchFamily="18" charset="0"/>
+                <a:cs typeface="Times New Roman" panose="02020603050405020304" pitchFamily="18" charset="0"/>
+              </a:rPr>
+              <a:t>query</a:t>
+            </a:r>
+            <a:r>
+              <a:rPr lang="en-US" sz="1200" dirty="0">
+                <a:solidFill>
+                  <a:srgbClr val="D4D4D4"/>
+                </a:solidFill>
+                <a:effectLst/>
+                <a:latin typeface="Consolas" panose="020B0609020204030204" pitchFamily="49" charset="0"/>
+                <a:ea typeface="Times New Roman" panose="02020603050405020304" pitchFamily="18" charset="0"/>
+                <a:cs typeface="Times New Roman" panose="02020603050405020304" pitchFamily="18" charset="0"/>
+              </a:rPr>
+              <a:t>(</a:t>
+            </a:r>
+            <a:r>
+              <a:rPr lang="en-US" sz="1200" dirty="0">
+                <a:solidFill>
+                  <a:srgbClr val="9CDCFE"/>
+                </a:solidFill>
+                <a:effectLst/>
+                <a:latin typeface="Consolas" panose="020B0609020204030204" pitchFamily="49" charset="0"/>
+                <a:ea typeface="Times New Roman" panose="02020603050405020304" pitchFamily="18" charset="0"/>
+                <a:cs typeface="Times New Roman" panose="02020603050405020304" pitchFamily="18" charset="0"/>
+              </a:rPr>
+              <a:t>$ delete</a:t>
+            </a:r>
+            <a:r>
+              <a:rPr lang="en-US" sz="1200" dirty="0">
+                <a:solidFill>
+                  <a:srgbClr val="D4D4D4"/>
+                </a:solidFill>
+                <a:effectLst/>
+                <a:latin typeface="Consolas" panose="020B0609020204030204" pitchFamily="49" charset="0"/>
+                <a:ea typeface="Times New Roman" panose="02020603050405020304" pitchFamily="18" charset="0"/>
+                <a:cs typeface="Times New Roman" panose="02020603050405020304" pitchFamily="18" charset="0"/>
+              </a:rPr>
+              <a:t>)) {</a:t>
+            </a:r>
+            <a:endParaRPr lang="de-AT" sz="1200" dirty="0">
+              <a:effectLst/>
+              <a:latin typeface="Calibri" panose="020F0502020204030204" pitchFamily="34" charset="0"/>
+              <a:ea typeface="Calibri" panose="020F0502020204030204" pitchFamily="34" charset="0"/>
+              <a:cs typeface="Times New Roman" panose="02020603050405020304" pitchFamily="18" charset="0"/>
+            </a:endParaRPr>
+          </a:p>
+          <a:p>
+            <a:pPr>
+              <a:lnSpc>
+                <a:spcPts val="1425"/>
+              </a:lnSpc>
+              <a:spcAft>
+                <a:spcPts val="800"/>
+              </a:spcAft>
+            </a:pPr>
+            <a:r>
+              <a:rPr lang="en-US" sz="1200" dirty="0">
+                <a:solidFill>
+                  <a:srgbClr val="D4D4D4"/>
+                </a:solidFill>
+                <a:effectLst/>
+                <a:latin typeface="Consolas" panose="020B0609020204030204" pitchFamily="49" charset="0"/>
+                <a:ea typeface="Times New Roman" panose="02020603050405020304" pitchFamily="18" charset="0"/>
+                <a:cs typeface="Times New Roman" panose="02020603050405020304" pitchFamily="18" charset="0"/>
+              </a:rPr>
+              <a:t>        </a:t>
+            </a:r>
+            <a:r>
+              <a:rPr lang="en-US" sz="1200" dirty="0">
+                <a:solidFill>
+                  <a:srgbClr val="DCDCAA"/>
+                </a:solidFill>
+                <a:effectLst/>
+                <a:latin typeface="Consolas" panose="020B0609020204030204" pitchFamily="49" charset="0"/>
+                <a:ea typeface="Times New Roman" panose="02020603050405020304" pitchFamily="18" charset="0"/>
+                <a:cs typeface="Times New Roman" panose="02020603050405020304" pitchFamily="18" charset="0"/>
+              </a:rPr>
+              <a:t>echo</a:t>
+            </a:r>
+            <a:r>
+              <a:rPr lang="en-US" sz="1200" dirty="0">
+                <a:solidFill>
+                  <a:srgbClr val="D4D4D4"/>
+                </a:solidFill>
+                <a:effectLst/>
+                <a:latin typeface="Consolas" panose="020B0609020204030204" pitchFamily="49" charset="0"/>
+                <a:ea typeface="Times New Roman" panose="02020603050405020304" pitchFamily="18" charset="0"/>
+                <a:cs typeface="Times New Roman" panose="02020603050405020304" pitchFamily="18" charset="0"/>
+              </a:rPr>
+              <a:t> </a:t>
+            </a:r>
+            <a:r>
+              <a:rPr lang="en-US" sz="1200" dirty="0">
+                <a:solidFill>
+                  <a:srgbClr val="CE9178"/>
+                </a:solidFill>
+                <a:effectLst/>
+                <a:latin typeface="Consolas" panose="020B0609020204030204" pitchFamily="49" charset="0"/>
+                <a:ea typeface="Times New Roman" panose="02020603050405020304" pitchFamily="18" charset="0"/>
+                <a:cs typeface="Times New Roman" panose="02020603050405020304" pitchFamily="18" charset="0"/>
+              </a:rPr>
+              <a:t>"Query </a:t>
+            </a:r>
+            <a:r>
+              <a:rPr lang="en-US" sz="1200" dirty="0" err="1">
+                <a:solidFill>
+                  <a:srgbClr val="CE9178"/>
+                </a:solidFill>
+                <a:effectLst/>
+                <a:latin typeface="Consolas" panose="020B0609020204030204" pitchFamily="49" charset="0"/>
+                <a:ea typeface="Times New Roman" panose="02020603050405020304" pitchFamily="18" charset="0"/>
+                <a:cs typeface="Times New Roman" panose="02020603050405020304" pitchFamily="18" charset="0"/>
+              </a:rPr>
+              <a:t>fehlgeschlagen</a:t>
+            </a:r>
+            <a:r>
+              <a:rPr lang="en-US" sz="1200" dirty="0">
+                <a:solidFill>
+                  <a:srgbClr val="CE9178"/>
+                </a:solidFill>
+                <a:effectLst/>
+                <a:latin typeface="Consolas" panose="020B0609020204030204" pitchFamily="49" charset="0"/>
+                <a:ea typeface="Times New Roman" panose="02020603050405020304" pitchFamily="18" charset="0"/>
+                <a:cs typeface="Times New Roman" panose="02020603050405020304" pitchFamily="18" charset="0"/>
+              </a:rPr>
+              <a:t>: "</a:t>
+            </a:r>
+            <a:r>
+              <a:rPr lang="en-US" sz="1200" dirty="0">
+                <a:solidFill>
+                  <a:srgbClr val="D4D4D4"/>
+                </a:solidFill>
+                <a:effectLst/>
+                <a:latin typeface="Consolas" panose="020B0609020204030204" pitchFamily="49" charset="0"/>
+                <a:ea typeface="Times New Roman" panose="02020603050405020304" pitchFamily="18" charset="0"/>
+                <a:cs typeface="Times New Roman" panose="02020603050405020304" pitchFamily="18" charset="0"/>
+              </a:rPr>
+              <a:t>.</a:t>
+            </a:r>
+            <a:r>
+              <a:rPr lang="en-US" sz="1200" dirty="0">
+                <a:solidFill>
+                  <a:srgbClr val="9CDCFE"/>
+                </a:solidFill>
+                <a:effectLst/>
+                <a:latin typeface="Consolas" panose="020B0609020204030204" pitchFamily="49" charset="0"/>
+                <a:ea typeface="Times New Roman" panose="02020603050405020304" pitchFamily="18" charset="0"/>
+                <a:cs typeface="Times New Roman" panose="02020603050405020304" pitchFamily="18" charset="0"/>
+              </a:rPr>
+              <a:t>$</a:t>
+            </a:r>
+            <a:r>
+              <a:rPr lang="en-US" sz="1200" dirty="0" err="1">
+                <a:solidFill>
+                  <a:srgbClr val="9CDCFE"/>
+                </a:solidFill>
+                <a:effectLst/>
+                <a:latin typeface="Consolas" panose="020B0609020204030204" pitchFamily="49" charset="0"/>
+                <a:ea typeface="Times New Roman" panose="02020603050405020304" pitchFamily="18" charset="0"/>
+                <a:cs typeface="Times New Roman" panose="02020603050405020304" pitchFamily="18" charset="0"/>
+              </a:rPr>
+              <a:t>mysqli</a:t>
+            </a:r>
+            <a:r>
+              <a:rPr lang="en-US" sz="1200" dirty="0">
+                <a:solidFill>
+                  <a:srgbClr val="D4D4D4"/>
+                </a:solidFill>
+                <a:effectLst/>
+                <a:latin typeface="Consolas" panose="020B0609020204030204" pitchFamily="49" charset="0"/>
+                <a:ea typeface="Times New Roman" panose="02020603050405020304" pitchFamily="18" charset="0"/>
+                <a:cs typeface="Times New Roman" panose="02020603050405020304" pitchFamily="18" charset="0"/>
+              </a:rPr>
+              <a:t>-&gt;</a:t>
+            </a:r>
+            <a:r>
+              <a:rPr lang="en-US" sz="1200" dirty="0">
+                <a:solidFill>
+                  <a:srgbClr val="9CDCFE"/>
+                </a:solidFill>
+                <a:effectLst/>
+                <a:latin typeface="Consolas" panose="020B0609020204030204" pitchFamily="49" charset="0"/>
+                <a:ea typeface="Times New Roman" panose="02020603050405020304" pitchFamily="18" charset="0"/>
+                <a:cs typeface="Times New Roman" panose="02020603050405020304" pitchFamily="18" charset="0"/>
+              </a:rPr>
+              <a:t>error</a:t>
+            </a:r>
+            <a:r>
+              <a:rPr lang="en-US" sz="1200" dirty="0">
+                <a:solidFill>
+                  <a:srgbClr val="D4D4D4"/>
+                </a:solidFill>
+                <a:effectLst/>
+                <a:latin typeface="Consolas" panose="020B0609020204030204" pitchFamily="49" charset="0"/>
+                <a:ea typeface="Times New Roman" panose="02020603050405020304" pitchFamily="18" charset="0"/>
+                <a:cs typeface="Times New Roman" panose="02020603050405020304" pitchFamily="18" charset="0"/>
+              </a:rPr>
+              <a:t>;</a:t>
+            </a:r>
+            <a:endParaRPr lang="de-AT" sz="1200" dirty="0">
+              <a:effectLst/>
+              <a:latin typeface="Calibri" panose="020F0502020204030204" pitchFamily="34" charset="0"/>
+              <a:ea typeface="Calibri" panose="020F0502020204030204" pitchFamily="34" charset="0"/>
+              <a:cs typeface="Times New Roman" panose="02020603050405020304" pitchFamily="18" charset="0"/>
+            </a:endParaRPr>
+          </a:p>
+          <a:p>
+            <a:pPr>
+              <a:lnSpc>
+                <a:spcPts val="1425"/>
+              </a:lnSpc>
+              <a:spcAft>
+                <a:spcPts val="800"/>
+              </a:spcAft>
+            </a:pPr>
+            <a:r>
+              <a:rPr lang="en-US" sz="1200" dirty="0">
+                <a:solidFill>
+                  <a:srgbClr val="D4D4D4"/>
+                </a:solidFill>
+                <a:effectLst/>
+                <a:latin typeface="Consolas" panose="020B0609020204030204" pitchFamily="49" charset="0"/>
+                <a:ea typeface="Times New Roman" panose="02020603050405020304" pitchFamily="18" charset="0"/>
+                <a:cs typeface="Times New Roman" panose="02020603050405020304" pitchFamily="18" charset="0"/>
+              </a:rPr>
+              <a:t>    }</a:t>
+            </a:r>
+            <a:endParaRPr lang="de-AT" sz="1200" dirty="0">
+              <a:effectLst/>
+              <a:latin typeface="Calibri" panose="020F0502020204030204" pitchFamily="34" charset="0"/>
+              <a:ea typeface="Calibri" panose="020F0502020204030204" pitchFamily="34" charset="0"/>
+              <a:cs typeface="Times New Roman" panose="02020603050405020304" pitchFamily="18" charset="0"/>
+            </a:endParaRPr>
+          </a:p>
+          <a:p>
+            <a:pPr>
+              <a:lnSpc>
+                <a:spcPts val="1425"/>
+              </a:lnSpc>
+              <a:spcAft>
+                <a:spcPts val="800"/>
+              </a:spcAft>
+            </a:pPr>
+            <a:r>
+              <a:rPr lang="en-US" sz="1200" dirty="0">
+                <a:solidFill>
+                  <a:srgbClr val="D4D4D4"/>
+                </a:solidFill>
+                <a:effectLst/>
+                <a:latin typeface="Consolas" panose="020B0609020204030204" pitchFamily="49" charset="0"/>
+                <a:ea typeface="Times New Roman" panose="02020603050405020304" pitchFamily="18" charset="0"/>
+                <a:cs typeface="Times New Roman" panose="02020603050405020304" pitchFamily="18" charset="0"/>
+              </a:rPr>
+              <a:t>    </a:t>
+            </a:r>
+            <a:r>
+              <a:rPr lang="en-US" sz="1200" dirty="0">
+                <a:solidFill>
+                  <a:srgbClr val="C586C0"/>
+                </a:solidFill>
+                <a:effectLst/>
+                <a:latin typeface="Consolas" panose="020B0609020204030204" pitchFamily="49" charset="0"/>
+                <a:ea typeface="Times New Roman" panose="02020603050405020304" pitchFamily="18" charset="0"/>
+                <a:cs typeface="Times New Roman" panose="02020603050405020304" pitchFamily="18" charset="0"/>
+              </a:rPr>
+              <a:t>else</a:t>
+            </a:r>
+            <a:r>
+              <a:rPr lang="en-US" sz="1200" dirty="0">
+                <a:solidFill>
+                  <a:srgbClr val="D4D4D4"/>
+                </a:solidFill>
+                <a:effectLst/>
+                <a:latin typeface="Consolas" panose="020B0609020204030204" pitchFamily="49" charset="0"/>
+                <a:ea typeface="Times New Roman" panose="02020603050405020304" pitchFamily="18" charset="0"/>
+                <a:cs typeface="Times New Roman" panose="02020603050405020304" pitchFamily="18" charset="0"/>
+              </a:rPr>
+              <a:t>{</a:t>
+            </a:r>
+            <a:endParaRPr lang="de-AT" sz="1200" dirty="0">
+              <a:effectLst/>
+              <a:latin typeface="Calibri" panose="020F0502020204030204" pitchFamily="34" charset="0"/>
+              <a:ea typeface="Calibri" panose="020F0502020204030204" pitchFamily="34" charset="0"/>
+              <a:cs typeface="Times New Roman" panose="02020603050405020304" pitchFamily="18" charset="0"/>
+            </a:endParaRPr>
+          </a:p>
+          <a:p>
+            <a:pPr>
+              <a:lnSpc>
+                <a:spcPts val="1425"/>
+              </a:lnSpc>
+              <a:spcAft>
+                <a:spcPts val="800"/>
+              </a:spcAft>
+            </a:pPr>
+            <a:r>
+              <a:rPr lang="en-US" sz="1200" dirty="0">
+                <a:solidFill>
+                  <a:srgbClr val="D4D4D4"/>
+                </a:solidFill>
+                <a:effectLst/>
+                <a:latin typeface="Consolas" panose="020B0609020204030204" pitchFamily="49" charset="0"/>
+                <a:ea typeface="Times New Roman" panose="02020603050405020304" pitchFamily="18" charset="0"/>
+                <a:cs typeface="Times New Roman" panose="02020603050405020304" pitchFamily="18" charset="0"/>
+              </a:rPr>
+              <a:t>        </a:t>
+            </a:r>
+            <a:r>
+              <a:rPr lang="en-US" sz="1200" dirty="0">
+                <a:solidFill>
+                  <a:srgbClr val="9CDCFE"/>
+                </a:solidFill>
+                <a:effectLst/>
+                <a:latin typeface="Consolas" panose="020B0609020204030204" pitchFamily="49" charset="0"/>
+                <a:ea typeface="Times New Roman" panose="02020603050405020304" pitchFamily="18" charset="0"/>
+                <a:cs typeface="Times New Roman" panose="02020603050405020304" pitchFamily="18" charset="0"/>
+              </a:rPr>
+              <a:t>$</a:t>
+            </a:r>
+            <a:r>
+              <a:rPr lang="en-US" sz="1200" dirty="0" err="1">
+                <a:solidFill>
+                  <a:srgbClr val="9CDCFE"/>
+                </a:solidFill>
+                <a:effectLst/>
+                <a:latin typeface="Consolas" panose="020B0609020204030204" pitchFamily="49" charset="0"/>
+                <a:ea typeface="Times New Roman" panose="02020603050405020304" pitchFamily="18" charset="0"/>
+                <a:cs typeface="Times New Roman" panose="02020603050405020304" pitchFamily="18" charset="0"/>
+              </a:rPr>
+              <a:t>mysqli</a:t>
+            </a:r>
+            <a:r>
+              <a:rPr lang="en-US" sz="1200" dirty="0">
+                <a:solidFill>
+                  <a:srgbClr val="D4D4D4"/>
+                </a:solidFill>
+                <a:effectLst/>
+                <a:latin typeface="Consolas" panose="020B0609020204030204" pitchFamily="49" charset="0"/>
+                <a:ea typeface="Times New Roman" panose="02020603050405020304" pitchFamily="18" charset="0"/>
+                <a:cs typeface="Times New Roman" panose="02020603050405020304" pitchFamily="18" charset="0"/>
+              </a:rPr>
+              <a:t>-&gt;</a:t>
+            </a:r>
+            <a:r>
+              <a:rPr lang="en-US" sz="1200" dirty="0">
+                <a:solidFill>
+                  <a:srgbClr val="DCDCAA"/>
+                </a:solidFill>
+                <a:effectLst/>
+                <a:latin typeface="Consolas" panose="020B0609020204030204" pitchFamily="49" charset="0"/>
+                <a:ea typeface="Times New Roman" panose="02020603050405020304" pitchFamily="18" charset="0"/>
+                <a:cs typeface="Times New Roman" panose="02020603050405020304" pitchFamily="18" charset="0"/>
+              </a:rPr>
+              <a:t>query</a:t>
+            </a:r>
+            <a:r>
+              <a:rPr lang="en-US" sz="1200" dirty="0">
+                <a:solidFill>
+                  <a:srgbClr val="D4D4D4"/>
+                </a:solidFill>
+                <a:effectLst/>
+                <a:latin typeface="Consolas" panose="020B0609020204030204" pitchFamily="49" charset="0"/>
+                <a:ea typeface="Times New Roman" panose="02020603050405020304" pitchFamily="18" charset="0"/>
+                <a:cs typeface="Times New Roman" panose="02020603050405020304" pitchFamily="18" charset="0"/>
+              </a:rPr>
+              <a:t>(</a:t>
+            </a:r>
+            <a:r>
+              <a:rPr lang="en-US" sz="1200" dirty="0">
+                <a:solidFill>
+                  <a:srgbClr val="9CDCFE"/>
+                </a:solidFill>
+                <a:effectLst/>
+                <a:latin typeface="Consolas" panose="020B0609020204030204" pitchFamily="49" charset="0"/>
+                <a:ea typeface="Times New Roman" panose="02020603050405020304" pitchFamily="18" charset="0"/>
+                <a:cs typeface="Times New Roman" panose="02020603050405020304" pitchFamily="18" charset="0"/>
+              </a:rPr>
+              <a:t>$ delete</a:t>
+            </a:r>
+            <a:r>
+              <a:rPr lang="en-US" sz="1200" dirty="0">
+                <a:solidFill>
+                  <a:srgbClr val="D4D4D4"/>
+                </a:solidFill>
+                <a:effectLst/>
+                <a:latin typeface="Consolas" panose="020B0609020204030204" pitchFamily="49" charset="0"/>
+                <a:ea typeface="Times New Roman" panose="02020603050405020304" pitchFamily="18" charset="0"/>
+                <a:cs typeface="Times New Roman" panose="02020603050405020304" pitchFamily="18" charset="0"/>
+              </a:rPr>
+              <a:t>);</a:t>
+            </a:r>
+            <a:endParaRPr lang="de-AT" sz="1200" dirty="0">
+              <a:effectLst/>
+              <a:latin typeface="Calibri" panose="020F0502020204030204" pitchFamily="34" charset="0"/>
+              <a:ea typeface="Calibri" panose="020F0502020204030204" pitchFamily="34" charset="0"/>
+              <a:cs typeface="Times New Roman" panose="02020603050405020304" pitchFamily="18" charset="0"/>
+            </a:endParaRPr>
+          </a:p>
+          <a:p>
+            <a:pPr>
+              <a:lnSpc>
+                <a:spcPts val="1425"/>
+              </a:lnSpc>
+              <a:spcAft>
+                <a:spcPts val="800"/>
+              </a:spcAft>
+            </a:pPr>
+            <a:r>
+              <a:rPr lang="en-US" sz="1200" dirty="0">
+                <a:solidFill>
+                  <a:srgbClr val="D4D4D4"/>
+                </a:solidFill>
+                <a:effectLst/>
+                <a:latin typeface="Consolas" panose="020B0609020204030204" pitchFamily="49" charset="0"/>
+                <a:ea typeface="Times New Roman" panose="02020603050405020304" pitchFamily="18" charset="0"/>
+                <a:cs typeface="Times New Roman" panose="02020603050405020304" pitchFamily="18" charset="0"/>
+              </a:rPr>
+              <a:t>        </a:t>
+            </a:r>
+            <a:r>
+              <a:rPr lang="en-US" sz="1200" dirty="0">
+                <a:solidFill>
+                  <a:srgbClr val="DCDCAA"/>
+                </a:solidFill>
+                <a:effectLst/>
+                <a:latin typeface="Consolas" panose="020B0609020204030204" pitchFamily="49" charset="0"/>
+                <a:ea typeface="Times New Roman" panose="02020603050405020304" pitchFamily="18" charset="0"/>
+                <a:cs typeface="Times New Roman" panose="02020603050405020304" pitchFamily="18" charset="0"/>
+              </a:rPr>
+              <a:t>echo</a:t>
+            </a:r>
+            <a:r>
+              <a:rPr lang="en-US" sz="1200" dirty="0">
+                <a:solidFill>
+                  <a:srgbClr val="D4D4D4"/>
+                </a:solidFill>
+                <a:effectLst/>
+                <a:latin typeface="Consolas" panose="020B0609020204030204" pitchFamily="49" charset="0"/>
+                <a:ea typeface="Times New Roman" panose="02020603050405020304" pitchFamily="18" charset="0"/>
+                <a:cs typeface="Times New Roman" panose="02020603050405020304" pitchFamily="18" charset="0"/>
+              </a:rPr>
+              <a:t> </a:t>
+            </a:r>
+            <a:r>
+              <a:rPr lang="en-US" sz="1200" dirty="0">
+                <a:solidFill>
+                  <a:srgbClr val="CE9178"/>
+                </a:solidFill>
+                <a:effectLst/>
+                <a:latin typeface="Consolas" panose="020B0609020204030204" pitchFamily="49" charset="0"/>
+                <a:ea typeface="Times New Roman" panose="02020603050405020304" pitchFamily="18" charset="0"/>
+                <a:cs typeface="Times New Roman" panose="02020603050405020304" pitchFamily="18" charset="0"/>
+              </a:rPr>
+              <a:t>"User </a:t>
+            </a:r>
+            <a:r>
+              <a:rPr lang="en-US" sz="1200" dirty="0" err="1">
+                <a:solidFill>
+                  <a:srgbClr val="CE9178"/>
+                </a:solidFill>
+                <a:effectLst/>
+                <a:latin typeface="Consolas" panose="020B0609020204030204" pitchFamily="49" charset="0"/>
+                <a:ea typeface="Times New Roman" panose="02020603050405020304" pitchFamily="18" charset="0"/>
+                <a:cs typeface="Times New Roman" panose="02020603050405020304" pitchFamily="18" charset="0"/>
+              </a:rPr>
+              <a:t>gelöscht</a:t>
+            </a:r>
+            <a:r>
+              <a:rPr lang="en-US" sz="1200" dirty="0">
+                <a:solidFill>
+                  <a:srgbClr val="CE9178"/>
+                </a:solidFill>
+                <a:effectLst/>
+                <a:latin typeface="Consolas" panose="020B0609020204030204" pitchFamily="49" charset="0"/>
+                <a:ea typeface="Times New Roman" panose="02020603050405020304" pitchFamily="18" charset="0"/>
+                <a:cs typeface="Times New Roman" panose="02020603050405020304" pitchFamily="18" charset="0"/>
+              </a:rPr>
+              <a:t>"</a:t>
+            </a:r>
+            <a:r>
+              <a:rPr lang="en-US" sz="1200" dirty="0">
+                <a:solidFill>
+                  <a:srgbClr val="D4D4D4"/>
+                </a:solidFill>
+                <a:effectLst/>
+                <a:latin typeface="Consolas" panose="020B0609020204030204" pitchFamily="49" charset="0"/>
+                <a:ea typeface="Times New Roman" panose="02020603050405020304" pitchFamily="18" charset="0"/>
+                <a:cs typeface="Times New Roman" panose="02020603050405020304" pitchFamily="18" charset="0"/>
+              </a:rPr>
+              <a:t>;</a:t>
+            </a:r>
+            <a:endParaRPr lang="de-AT" sz="1200" dirty="0">
+              <a:effectLst/>
+              <a:latin typeface="Calibri" panose="020F0502020204030204" pitchFamily="34" charset="0"/>
+              <a:ea typeface="Calibri" panose="020F0502020204030204" pitchFamily="34" charset="0"/>
+              <a:cs typeface="Times New Roman" panose="02020603050405020304" pitchFamily="18" charset="0"/>
+            </a:endParaRPr>
+          </a:p>
+          <a:p>
+            <a:pPr>
+              <a:lnSpc>
+                <a:spcPts val="1425"/>
+              </a:lnSpc>
+              <a:spcAft>
+                <a:spcPts val="800"/>
+              </a:spcAft>
+            </a:pPr>
+            <a:r>
+              <a:rPr lang="en-US" sz="1200" dirty="0">
+                <a:solidFill>
+                  <a:srgbClr val="D4D4D4"/>
+                </a:solidFill>
+                <a:effectLst/>
+                <a:latin typeface="Consolas" panose="020B0609020204030204" pitchFamily="49" charset="0"/>
+                <a:ea typeface="Times New Roman" panose="02020603050405020304" pitchFamily="18" charset="0"/>
+                <a:cs typeface="Times New Roman" panose="02020603050405020304" pitchFamily="18" charset="0"/>
+              </a:rPr>
+              <a:t>    </a:t>
+            </a:r>
+            <a:r>
+              <a:rPr lang="de-AT" sz="1200" dirty="0">
+                <a:solidFill>
+                  <a:srgbClr val="D4D4D4"/>
+                </a:solidFill>
+                <a:effectLst/>
+                <a:latin typeface="Consolas" panose="020B0609020204030204" pitchFamily="49" charset="0"/>
+                <a:ea typeface="Times New Roman" panose="02020603050405020304" pitchFamily="18" charset="0"/>
+                <a:cs typeface="Times New Roman" panose="02020603050405020304" pitchFamily="18" charset="0"/>
+              </a:rPr>
+              <a:t>}</a:t>
+            </a:r>
+            <a:endParaRPr lang="de-AT" sz="1200" dirty="0">
+              <a:effectLst/>
+              <a:latin typeface="Calibri" panose="020F0502020204030204" pitchFamily="34" charset="0"/>
+              <a:ea typeface="Calibri" panose="020F0502020204030204" pitchFamily="34" charset="0"/>
+              <a:cs typeface="Times New Roman" panose="02020603050405020304" pitchFamily="18" charset="0"/>
+            </a:endParaRPr>
+          </a:p>
+          <a:p>
+            <a:pPr>
+              <a:lnSpc>
+                <a:spcPts val="1425"/>
+              </a:lnSpc>
+              <a:spcAft>
+                <a:spcPts val="800"/>
+              </a:spcAft>
+            </a:pPr>
+            <a:r>
+              <a:rPr lang="de-AT" sz="1200" dirty="0">
+                <a:solidFill>
+                  <a:srgbClr val="D4D4D4"/>
+                </a:solidFill>
+                <a:effectLst/>
+                <a:latin typeface="Consolas" panose="020B0609020204030204" pitchFamily="49" charset="0"/>
+                <a:ea typeface="Times New Roman" panose="02020603050405020304" pitchFamily="18" charset="0"/>
+                <a:cs typeface="Times New Roman" panose="02020603050405020304" pitchFamily="18" charset="0"/>
+              </a:rPr>
+              <a:t>    </a:t>
+            </a:r>
+            <a:r>
+              <a:rPr lang="de-AT" sz="1200" dirty="0">
+                <a:solidFill>
+                  <a:srgbClr val="6A9955"/>
+                </a:solidFill>
+                <a:effectLst/>
+                <a:latin typeface="Consolas" panose="020B0609020204030204" pitchFamily="49" charset="0"/>
+                <a:ea typeface="Times New Roman" panose="02020603050405020304" pitchFamily="18" charset="0"/>
+                <a:cs typeface="Times New Roman" panose="02020603050405020304" pitchFamily="18" charset="0"/>
+              </a:rPr>
+              <a:t>//</a:t>
+            </a:r>
+            <a:r>
+              <a:rPr lang="de-AT" sz="1200" dirty="0" err="1">
+                <a:solidFill>
+                  <a:srgbClr val="6A9955"/>
+                </a:solidFill>
+                <a:effectLst/>
+                <a:latin typeface="Consolas" panose="020B0609020204030204" pitchFamily="49" charset="0"/>
+                <a:ea typeface="Times New Roman" panose="02020603050405020304" pitchFamily="18" charset="0"/>
+                <a:cs typeface="Times New Roman" panose="02020603050405020304" pitchFamily="18" charset="0"/>
+              </a:rPr>
+              <a:t>close</a:t>
+            </a:r>
+            <a:r>
+              <a:rPr lang="de-AT" sz="1200" dirty="0">
+                <a:solidFill>
+                  <a:srgbClr val="6A9955"/>
+                </a:solidFill>
+                <a:effectLst/>
+                <a:latin typeface="Consolas" panose="020B0609020204030204" pitchFamily="49" charset="0"/>
+                <a:ea typeface="Times New Roman" panose="02020603050405020304" pitchFamily="18" charset="0"/>
+                <a:cs typeface="Times New Roman" panose="02020603050405020304" pitchFamily="18" charset="0"/>
+              </a:rPr>
+              <a:t> </a:t>
+            </a:r>
+            <a:r>
+              <a:rPr lang="de-AT" sz="1200" dirty="0" err="1">
+                <a:solidFill>
+                  <a:srgbClr val="6A9955"/>
+                </a:solidFill>
+                <a:effectLst/>
+                <a:latin typeface="Consolas" panose="020B0609020204030204" pitchFamily="49" charset="0"/>
+                <a:ea typeface="Times New Roman" panose="02020603050405020304" pitchFamily="18" charset="0"/>
+                <a:cs typeface="Times New Roman" panose="02020603050405020304" pitchFamily="18" charset="0"/>
+              </a:rPr>
+              <a:t>connection</a:t>
+            </a:r>
+            <a:r>
+              <a:rPr lang="de-AT" sz="1200" dirty="0">
+                <a:solidFill>
+                  <a:srgbClr val="6A9955"/>
+                </a:solidFill>
+                <a:effectLst/>
+                <a:latin typeface="Consolas" panose="020B0609020204030204" pitchFamily="49" charset="0"/>
+                <a:ea typeface="Times New Roman" panose="02020603050405020304" pitchFamily="18" charset="0"/>
+                <a:cs typeface="Times New Roman" panose="02020603050405020304" pitchFamily="18" charset="0"/>
+              </a:rPr>
+              <a:t> </a:t>
+            </a:r>
+            <a:endParaRPr lang="de-AT" sz="1200" dirty="0">
+              <a:effectLst/>
+              <a:latin typeface="Calibri" panose="020F0502020204030204" pitchFamily="34" charset="0"/>
+              <a:ea typeface="Calibri" panose="020F0502020204030204" pitchFamily="34" charset="0"/>
+              <a:cs typeface="Times New Roman" panose="02020603050405020304" pitchFamily="18" charset="0"/>
+            </a:endParaRPr>
+          </a:p>
+          <a:p>
+            <a:pPr>
+              <a:lnSpc>
+                <a:spcPts val="1425"/>
+              </a:lnSpc>
+              <a:spcAft>
+                <a:spcPts val="800"/>
+              </a:spcAft>
+            </a:pPr>
+            <a:r>
+              <a:rPr lang="de-AT" sz="1200" dirty="0">
+                <a:solidFill>
+                  <a:srgbClr val="D4D4D4"/>
+                </a:solidFill>
+                <a:effectLst/>
+                <a:latin typeface="Consolas" panose="020B0609020204030204" pitchFamily="49" charset="0"/>
+                <a:ea typeface="Times New Roman" panose="02020603050405020304" pitchFamily="18" charset="0"/>
+                <a:cs typeface="Times New Roman" panose="02020603050405020304" pitchFamily="18" charset="0"/>
+              </a:rPr>
+              <a:t>    </a:t>
+            </a:r>
+            <a:r>
+              <a:rPr lang="de-AT" sz="1200" dirty="0">
+                <a:solidFill>
+                  <a:srgbClr val="9CDCFE"/>
+                </a:solidFill>
+                <a:effectLst/>
+                <a:latin typeface="Consolas" panose="020B0609020204030204" pitchFamily="49" charset="0"/>
+                <a:ea typeface="Times New Roman" panose="02020603050405020304" pitchFamily="18" charset="0"/>
+                <a:cs typeface="Times New Roman" panose="02020603050405020304" pitchFamily="18" charset="0"/>
+              </a:rPr>
+              <a:t>$</a:t>
+            </a:r>
+            <a:r>
+              <a:rPr lang="de-AT" sz="1200" dirty="0" err="1">
+                <a:solidFill>
+                  <a:srgbClr val="9CDCFE"/>
+                </a:solidFill>
+                <a:effectLst/>
+                <a:latin typeface="Consolas" panose="020B0609020204030204" pitchFamily="49" charset="0"/>
+                <a:ea typeface="Times New Roman" panose="02020603050405020304" pitchFamily="18" charset="0"/>
+                <a:cs typeface="Times New Roman" panose="02020603050405020304" pitchFamily="18" charset="0"/>
+              </a:rPr>
+              <a:t>mysqli</a:t>
+            </a:r>
+            <a:r>
+              <a:rPr lang="de-AT" sz="1200" dirty="0">
+                <a:solidFill>
+                  <a:srgbClr val="D4D4D4"/>
+                </a:solidFill>
+                <a:effectLst/>
+                <a:latin typeface="Consolas" panose="020B0609020204030204" pitchFamily="49" charset="0"/>
+                <a:ea typeface="Times New Roman" panose="02020603050405020304" pitchFamily="18" charset="0"/>
+                <a:cs typeface="Times New Roman" panose="02020603050405020304" pitchFamily="18" charset="0"/>
+              </a:rPr>
+              <a:t>-&gt;</a:t>
+            </a:r>
+            <a:r>
+              <a:rPr lang="de-AT" sz="1200" dirty="0" err="1">
+                <a:solidFill>
+                  <a:srgbClr val="DCDCAA"/>
+                </a:solidFill>
+                <a:effectLst/>
+                <a:latin typeface="Consolas" panose="020B0609020204030204" pitchFamily="49" charset="0"/>
+                <a:ea typeface="Times New Roman" panose="02020603050405020304" pitchFamily="18" charset="0"/>
+                <a:cs typeface="Times New Roman" panose="02020603050405020304" pitchFamily="18" charset="0"/>
+              </a:rPr>
+              <a:t>close</a:t>
+            </a:r>
+            <a:r>
+              <a:rPr lang="de-AT" sz="1200" dirty="0">
+                <a:solidFill>
+                  <a:srgbClr val="D4D4D4"/>
+                </a:solidFill>
+                <a:effectLst/>
+                <a:latin typeface="Consolas" panose="020B0609020204030204" pitchFamily="49" charset="0"/>
+                <a:ea typeface="Times New Roman" panose="02020603050405020304" pitchFamily="18" charset="0"/>
+                <a:cs typeface="Times New Roman" panose="02020603050405020304" pitchFamily="18" charset="0"/>
+              </a:rPr>
+              <a:t>();</a:t>
+            </a:r>
+            <a:endParaRPr lang="de-AT" sz="1200" dirty="0">
+              <a:effectLst/>
+              <a:latin typeface="Calibri" panose="020F0502020204030204" pitchFamily="34" charset="0"/>
+              <a:ea typeface="Calibri" panose="020F0502020204030204" pitchFamily="34" charset="0"/>
+              <a:cs typeface="Times New Roman" panose="02020603050405020304" pitchFamily="18" charset="0"/>
+            </a:endParaRPr>
+          </a:p>
+          <a:p>
+            <a:r>
+              <a:rPr lang="de-AT" sz="1200" dirty="0">
+                <a:solidFill>
+                  <a:srgbClr val="569CD6"/>
+                </a:solidFill>
+                <a:effectLst/>
+                <a:latin typeface="Consolas" panose="020B0609020204030204" pitchFamily="49" charset="0"/>
+                <a:ea typeface="Times New Roman" panose="02020603050405020304" pitchFamily="18" charset="0"/>
+                <a:cs typeface="Times New Roman" panose="02020603050405020304" pitchFamily="18" charset="0"/>
+              </a:rPr>
+              <a:t>?&gt;</a:t>
+            </a:r>
+            <a:endParaRPr lang="de-AT" sz="1200" dirty="0">
+              <a:effectLst/>
+              <a:latin typeface="Calibri" panose="020F0502020204030204" pitchFamily="34" charset="0"/>
+              <a:ea typeface="Calibri" panose="020F0502020204030204" pitchFamily="34" charset="0"/>
+              <a:cs typeface="Times New Roman" panose="02020603050405020304" pitchFamily="18" charset="0"/>
+            </a:endParaRPr>
+          </a:p>
+        </p:txBody>
+      </p:sp>
+      <p:sp>
+        <p:nvSpPr>
+          <p:cNvPr id="5" name="Textplatzhalter 3">
+            <a:extLst>
+              <a:ext uri="{FF2B5EF4-FFF2-40B4-BE49-F238E27FC236}">
+                <a16:creationId xmlns:a16="http://schemas.microsoft.com/office/drawing/2014/main" id="{E342094A-48C3-41AD-A65E-36DF146C602C}"/>
+              </a:ext>
+            </a:extLst>
+          </p:cNvPr>
+          <p:cNvSpPr>
+            <a:spLocks noGrp="1"/>
+          </p:cNvSpPr>
+          <p:nvPr>
+            <p:ph type="body" sz="quarter" idx="14"/>
+          </p:nvPr>
+        </p:nvSpPr>
+        <p:spPr>
+          <a:xfrm>
+            <a:off x="472939" y="1958226"/>
+            <a:ext cx="4321003" cy="2675604"/>
+          </a:xfrm>
+        </p:spPr>
+        <p:txBody>
+          <a:bodyPr/>
+          <a:lstStyle/>
+          <a:p>
+            <a:r>
+              <a:rPr lang="de-DE" dirty="0"/>
+              <a:t>Es wird ein neues </a:t>
+            </a:r>
+            <a:r>
+              <a:rPr lang="de-DE" b="1" dirty="0" err="1">
+                <a:solidFill>
+                  <a:srgbClr val="0070C0"/>
+                </a:solidFill>
+                <a:latin typeface="Source Code Pro" panose="020B0509030403020204" pitchFamily="49" charset="0"/>
+              </a:rPr>
+              <a:t>mysqli</a:t>
+            </a:r>
+            <a:r>
+              <a:rPr lang="de-DE" b="1" dirty="0">
+                <a:solidFill>
+                  <a:srgbClr val="0070C0"/>
+                </a:solidFill>
+                <a:latin typeface="Source Code Pro" panose="020B0509030403020204" pitchFamily="49" charset="0"/>
+              </a:rPr>
+              <a:t> </a:t>
+            </a:r>
+            <a:r>
+              <a:rPr lang="de-DE" dirty="0"/>
+              <a:t>Objekt erzeugt und die Verbindung zum MySQL-Datenbankserver angegeben. In den Klammern stehen vier Parameter: Hostname, Benutzername, Kennwort, Datenbankname.</a:t>
+            </a:r>
+          </a:p>
+          <a:p>
+            <a:r>
+              <a:rPr lang="de-DE" dirty="0"/>
+              <a:t>Die Funktion </a:t>
+            </a:r>
+            <a:r>
+              <a:rPr lang="de-AT" b="1" dirty="0" err="1">
+                <a:solidFill>
+                  <a:srgbClr val="0070C0"/>
+                </a:solidFill>
+                <a:latin typeface="Source Code Pro" panose="020B0509030403020204" pitchFamily="49" charset="0"/>
+              </a:rPr>
+              <a:t>query</a:t>
+            </a:r>
+            <a:r>
+              <a:rPr lang="de-AT" b="1" dirty="0">
+                <a:solidFill>
+                  <a:srgbClr val="0070C0"/>
+                </a:solidFill>
+                <a:latin typeface="Source Code Pro" panose="020B0509030403020204" pitchFamily="49" charset="0"/>
+              </a:rPr>
+              <a:t>($</a:t>
+            </a:r>
+            <a:r>
+              <a:rPr lang="de-AT" b="1" dirty="0" err="1">
+                <a:solidFill>
+                  <a:srgbClr val="0070C0"/>
+                </a:solidFill>
+                <a:latin typeface="Source Code Pro" panose="020B0509030403020204" pitchFamily="49" charset="0"/>
+              </a:rPr>
+              <a:t>delete</a:t>
+            </a:r>
+            <a:r>
+              <a:rPr lang="de-AT" b="1" dirty="0">
+                <a:solidFill>
+                  <a:srgbClr val="0070C0"/>
+                </a:solidFill>
+                <a:latin typeface="Source Code Pro" panose="020B0509030403020204" pitchFamily="49" charset="0"/>
+              </a:rPr>
+              <a:t>) </a:t>
+            </a:r>
+            <a:r>
+              <a:rPr lang="de-DE" dirty="0"/>
+              <a:t>führt eine Abfrage mit der SQL-Anweisung DELETE aus. Die Abfrage soll den User löschen. </a:t>
+            </a:r>
+          </a:p>
+          <a:p>
+            <a:r>
+              <a:rPr lang="de-DE" dirty="0"/>
+              <a:t>In diesem Fall gibt </a:t>
+            </a:r>
+            <a:r>
+              <a:rPr lang="de-DE" b="1" dirty="0" err="1">
+                <a:solidFill>
+                  <a:srgbClr val="0070C0"/>
+                </a:solidFill>
+                <a:latin typeface="Source Code Pro" panose="020B0509030403020204" pitchFamily="49" charset="0"/>
+              </a:rPr>
+              <a:t>query</a:t>
+            </a:r>
+            <a:r>
+              <a:rPr lang="de-DE" dirty="0"/>
+              <a:t> nichts zurück, entweder funktioniert die Abfrage – oder nicht. Entsprechend müssen wir dem User Feedback liefern</a:t>
+            </a:r>
+          </a:p>
+        </p:txBody>
+      </p:sp>
+    </p:spTree>
+    <p:extLst>
+      <p:ext uri="{BB962C8B-B14F-4D97-AF65-F5344CB8AC3E}">
+        <p14:creationId xmlns:p14="http://schemas.microsoft.com/office/powerpoint/2010/main" val="2017981071"/>
+      </p:ext>
+    </p:extLst>
+  </p:cSld>
+  <p:clrMapOvr>
+    <a:masterClrMapping/>
+  </p:clrMapOvr>
+</p:sld>
+</file>
+
+<file path=ppt/slides/slide8.xml><?xml version="1.0" encoding="utf-8"?>
+<p:sld xmlns:a="http://schemas.openxmlformats.org/drawingml/2006/main" xmlns:r="http://schemas.openxmlformats.org/officeDocument/2006/relationships" xmlns:p="http://schemas.openxmlformats.org/presentationml/2006/main">
+  <p:cSld>
+    <p:spTree>
+      <p:nvGrpSpPr>
+        <p:cNvPr id="1" name=""/>
+        <p:cNvGrpSpPr/>
+        <p:nvPr/>
+      </p:nvGrpSpPr>
+      <p:grpSpPr>
+        <a:xfrm>
+          <a:off x="0" y="0"/>
+          <a:ext cx="0" cy="0"/>
+          <a:chOff x="0" y="0"/>
+          <a:chExt cx="0" cy="0"/>
+        </a:xfrm>
+      </p:grpSpPr>
+      <p:sp>
+        <p:nvSpPr>
           <p:cNvPr id="2" name="Titel 1">
             <a:extLst>
               <a:ext uri="{FF2B5EF4-FFF2-40B4-BE49-F238E27FC236}">
